--- a/doc/兴趣小组管理设计稿.pptx
+++ b/doc/兴趣小组管理设计稿.pptx
@@ -11,7 +11,9 @@
     <p:sldId id="259" r:id="rId5"/>
     <p:sldId id="260" r:id="rId6"/>
     <p:sldId id="261" r:id="rId7"/>
-    <p:sldId id="262" r:id="rId8"/>
+    <p:sldId id="263" r:id="rId8"/>
+    <p:sldId id="264" r:id="rId9"/>
+    <p:sldId id="262" r:id="rId10"/>
   </p:sldIdLst>
   <p:sldSz cx="12192000" cy="6858000"/>
   <p:notesSz cx="6858000" cy="9144000"/>
@@ -110,7 +112,16 @@
       </a:defRPr>
     </a:lvl9pPr>
   </p:defaultTextStyle>
+  <p:extLst>
+    <p:ext uri="{EFAFB233-063F-42B5-8137-9DF3F51BA10A}">
+      <p15:sldGuideLst xmlns:p15="http://schemas.microsoft.com/office/powerpoint/2012/main"/>
+    </p:ext>
+  </p:extLst>
 </p:presentation>
+</file>
+
+<file path=ppt/revisionInfo.xml><?xml version="1.0" encoding="utf-8"?>
+<p1510:revInfo xmlns:a="http://schemas.openxmlformats.org/drawingml/2006/main" xmlns:r="http://schemas.openxmlformats.org/officeDocument/2006/relationships" xmlns:p1510="http://schemas.microsoft.com/office/powerpoint/2015/10/main"/>
 </file>
 
 <file path=ppt/slideLayouts/slideLayout1.xml><?xml version="1.0" encoding="utf-8"?>
@@ -691,7 +702,7 @@
           </a:lstStyle>
           <a:p>
             <a:r>
-              <a:rPr lang="zh-CN" altLang="en-US" smtClean="0"/>
+              <a:rPr lang="zh-CN" altLang="en-US"/>
               <a:t>单击此处编辑母版标题样式</a:t>
             </a:r>
             <a:endParaRPr lang="en-US" dirty="0"/>
@@ -811,7 +822,7 @@
           </a:lstStyle>
           <a:p>
             <a:r>
-              <a:rPr lang="zh-CN" altLang="en-US" smtClean="0"/>
+              <a:rPr lang="zh-CN" altLang="en-US"/>
               <a:t>单击以编辑母版副标题样式</a:t>
             </a:r>
             <a:endParaRPr lang="en-US" dirty="0"/>
@@ -835,7 +846,7 @@
           <a:p>
             <a:fld id="{353AF870-1168-4D87-993C-0A52141EB5C0}" type="datetimeFigureOut">
               <a:rPr lang="zh-CN" altLang="en-US" smtClean="0"/>
-              <a:t>2018/1/27 Saturday</a:t>
+              <a:t>2018/1/30</a:t>
             </a:fld>
             <a:endParaRPr lang="zh-CN" altLang="en-US"/>
           </a:p>
@@ -940,7 +951,7 @@
           </a:lstStyle>
           <a:p>
             <a:r>
-              <a:rPr lang="zh-CN" altLang="en-US" smtClean="0"/>
+              <a:rPr lang="zh-CN" altLang="en-US"/>
               <a:t>单击此处编辑母版标题样式</a:t>
             </a:r>
             <a:endParaRPr lang="en-US" dirty="0"/>
@@ -1063,7 +1074,7 @@
           <a:p>
             <a:pPr lvl="0"/>
             <a:r>
-              <a:rPr lang="zh-CN" altLang="en-US" smtClean="0"/>
+              <a:rPr lang="zh-CN" altLang="en-US"/>
               <a:t>编辑母版文本样式</a:t>
             </a:r>
           </a:p>
@@ -1086,7 +1097,7 @@
           <a:p>
             <a:fld id="{353AF870-1168-4D87-993C-0A52141EB5C0}" type="datetimeFigureOut">
               <a:rPr lang="zh-CN" altLang="en-US" smtClean="0"/>
-              <a:t>2018/1/27 Saturday</a:t>
+              <a:t>2018/1/30</a:t>
             </a:fld>
             <a:endParaRPr lang="zh-CN" altLang="en-US"/>
           </a:p>
@@ -1191,7 +1202,7 @@
           </a:lstStyle>
           <a:p>
             <a:r>
-              <a:rPr lang="zh-CN" altLang="en-US" smtClean="0"/>
+              <a:rPr lang="zh-CN" altLang="en-US"/>
               <a:t>单击此处编辑母版标题样式</a:t>
             </a:r>
             <a:endParaRPr lang="en-US" dirty="0"/>
@@ -1255,7 +1266,7 @@
           <a:p>
             <a:pPr lvl="0"/>
             <a:r>
-              <a:rPr lang="zh-CN" altLang="en-US" smtClean="0"/>
+              <a:rPr lang="zh-CN" altLang="en-US"/>
               <a:t>编辑母版文本样式</a:t>
             </a:r>
           </a:p>
@@ -1377,7 +1388,7 @@
           <a:p>
             <a:pPr lvl="0"/>
             <a:r>
-              <a:rPr lang="zh-CN" altLang="en-US" smtClean="0"/>
+              <a:rPr lang="zh-CN" altLang="en-US"/>
               <a:t>编辑母版文本样式</a:t>
             </a:r>
           </a:p>
@@ -1400,7 +1411,7 @@
           <a:p>
             <a:fld id="{353AF870-1168-4D87-993C-0A52141EB5C0}" type="datetimeFigureOut">
               <a:rPr lang="zh-CN" altLang="en-US" smtClean="0"/>
-              <a:t>2018/1/27 Saturday</a:t>
+              <a:t>2018/1/30</a:t>
             </a:fld>
             <a:endParaRPr lang="zh-CN" altLang="en-US"/>
           </a:p>
@@ -1595,7 +1606,7 @@
           </a:lstStyle>
           <a:p>
             <a:r>
-              <a:rPr lang="zh-CN" altLang="en-US" smtClean="0"/>
+              <a:rPr lang="zh-CN" altLang="en-US"/>
               <a:t>单击此处编辑母版标题样式</a:t>
             </a:r>
             <a:endParaRPr lang="en-US" dirty="0"/>
@@ -1718,7 +1729,7 @@
           <a:p>
             <a:pPr lvl="0"/>
             <a:r>
-              <a:rPr lang="zh-CN" altLang="en-US" smtClean="0"/>
+              <a:rPr lang="zh-CN" altLang="en-US"/>
               <a:t>编辑母版文本样式</a:t>
             </a:r>
           </a:p>
@@ -1741,7 +1752,7 @@
           <a:p>
             <a:fld id="{353AF870-1168-4D87-993C-0A52141EB5C0}" type="datetimeFigureOut">
               <a:rPr lang="zh-CN" altLang="en-US" smtClean="0"/>
-              <a:t>2018/1/27 Saturday</a:t>
+              <a:t>2018/1/30</a:t>
             </a:fld>
             <a:endParaRPr lang="zh-CN" altLang="en-US"/>
           </a:p>
@@ -1846,7 +1857,7 @@
           </a:lstStyle>
           <a:p>
             <a:r>
-              <a:rPr lang="zh-CN" altLang="en-US" smtClean="0"/>
+              <a:rPr lang="zh-CN" altLang="en-US"/>
               <a:t>单击此处编辑母版标题样式</a:t>
             </a:r>
             <a:endParaRPr lang="en-US" dirty="0"/>
@@ -1910,7 +1921,7 @@
           <a:p>
             <a:pPr lvl="0"/>
             <a:r>
-              <a:rPr lang="zh-CN" altLang="en-US" smtClean="0"/>
+              <a:rPr lang="zh-CN" altLang="en-US"/>
               <a:t>编辑母版文本样式</a:t>
             </a:r>
           </a:p>
@@ -2032,7 +2043,7 @@
           <a:p>
             <a:pPr lvl="0"/>
             <a:r>
-              <a:rPr lang="zh-CN" altLang="en-US" smtClean="0"/>
+              <a:rPr lang="zh-CN" altLang="en-US"/>
               <a:t>编辑母版文本样式</a:t>
             </a:r>
           </a:p>
@@ -2055,7 +2066,7 @@
           <a:p>
             <a:fld id="{353AF870-1168-4D87-993C-0A52141EB5C0}" type="datetimeFigureOut">
               <a:rPr lang="zh-CN" altLang="en-US" smtClean="0"/>
-              <a:t>2018/1/27 Saturday</a:t>
+              <a:t>2018/1/30</a:t>
             </a:fld>
             <a:endParaRPr lang="zh-CN" altLang="en-US"/>
           </a:p>
@@ -2242,7 +2253,7 @@
           </a:lstStyle>
           <a:p>
             <a:r>
-              <a:rPr lang="zh-CN" altLang="en-US" smtClean="0"/>
+              <a:rPr lang="zh-CN" altLang="en-US"/>
               <a:t>单击此处编辑母版标题样式</a:t>
             </a:r>
             <a:endParaRPr lang="en-US" dirty="0"/>
@@ -2303,7 +2314,7 @@
           <a:p>
             <a:pPr lvl="0"/>
             <a:r>
-              <a:rPr lang="zh-CN" altLang="en-US" smtClean="0"/>
+              <a:rPr lang="zh-CN" altLang="en-US"/>
               <a:t>编辑母版文本样式</a:t>
             </a:r>
           </a:p>
@@ -2425,7 +2436,7 @@
           <a:p>
             <a:pPr lvl="0"/>
             <a:r>
-              <a:rPr lang="zh-CN" altLang="en-US" smtClean="0"/>
+              <a:rPr lang="zh-CN" altLang="en-US"/>
               <a:t>编辑母版文本样式</a:t>
             </a:r>
           </a:p>
@@ -2448,7 +2459,7 @@
           <a:p>
             <a:fld id="{353AF870-1168-4D87-993C-0A52141EB5C0}" type="datetimeFigureOut">
               <a:rPr lang="zh-CN" altLang="en-US" smtClean="0"/>
-              <a:t>2018/1/27 Saturday</a:t>
+              <a:t>2018/1/30</a:t>
             </a:fld>
             <a:endParaRPr lang="zh-CN" altLang="en-US"/>
           </a:p>
@@ -2542,7 +2553,7 @@
           <a:lstStyle/>
           <a:p>
             <a:r>
-              <a:rPr lang="zh-CN" altLang="en-US" smtClean="0"/>
+              <a:rPr lang="zh-CN" altLang="en-US"/>
               <a:t>单击此处编辑母版标题样式</a:t>
             </a:r>
             <a:endParaRPr lang="en-US" dirty="0"/>
@@ -2566,35 +2577,35 @@
           <a:p>
             <a:pPr lvl="0"/>
             <a:r>
-              <a:rPr lang="zh-CN" altLang="en-US" smtClean="0"/>
+              <a:rPr lang="zh-CN" altLang="en-US"/>
               <a:t>编辑母版文本样式</a:t>
             </a:r>
           </a:p>
           <a:p>
             <a:pPr lvl="1"/>
             <a:r>
-              <a:rPr lang="zh-CN" altLang="en-US" smtClean="0"/>
+              <a:rPr lang="zh-CN" altLang="en-US"/>
               <a:t>第二级</a:t>
             </a:r>
           </a:p>
           <a:p>
             <a:pPr lvl="2"/>
             <a:r>
-              <a:rPr lang="zh-CN" altLang="en-US" smtClean="0"/>
+              <a:rPr lang="zh-CN" altLang="en-US"/>
               <a:t>第三级</a:t>
             </a:r>
           </a:p>
           <a:p>
             <a:pPr lvl="3"/>
             <a:r>
-              <a:rPr lang="zh-CN" altLang="en-US" smtClean="0"/>
+              <a:rPr lang="zh-CN" altLang="en-US"/>
               <a:t>第四级</a:t>
             </a:r>
           </a:p>
           <a:p>
             <a:pPr lvl="4"/>
             <a:r>
-              <a:rPr lang="zh-CN" altLang="en-US" smtClean="0"/>
+              <a:rPr lang="zh-CN" altLang="en-US"/>
               <a:t>第五级</a:t>
             </a:r>
             <a:endParaRPr lang="en-US" dirty="0"/>
@@ -2618,7 +2629,7 @@
           <a:p>
             <a:fld id="{353AF870-1168-4D87-993C-0A52141EB5C0}" type="datetimeFigureOut">
               <a:rPr lang="zh-CN" altLang="en-US" smtClean="0"/>
-              <a:t>2018/1/27 Saturday</a:t>
+              <a:t>2018/1/30</a:t>
             </a:fld>
             <a:endParaRPr lang="zh-CN" altLang="en-US"/>
           </a:p>
@@ -2717,7 +2728,7 @@
           <a:lstStyle/>
           <a:p>
             <a:r>
-              <a:rPr lang="zh-CN" altLang="en-US" smtClean="0"/>
+              <a:rPr lang="zh-CN" altLang="en-US"/>
               <a:t>单击此处编辑母版标题样式</a:t>
             </a:r>
             <a:endParaRPr lang="en-US" dirty="0"/>
@@ -2746,35 +2757,35 @@
           <a:p>
             <a:pPr lvl="0"/>
             <a:r>
-              <a:rPr lang="zh-CN" altLang="en-US" smtClean="0"/>
+              <a:rPr lang="zh-CN" altLang="en-US"/>
               <a:t>编辑母版文本样式</a:t>
             </a:r>
           </a:p>
           <a:p>
             <a:pPr lvl="1"/>
             <a:r>
-              <a:rPr lang="zh-CN" altLang="en-US" smtClean="0"/>
+              <a:rPr lang="zh-CN" altLang="en-US"/>
               <a:t>第二级</a:t>
             </a:r>
           </a:p>
           <a:p>
             <a:pPr lvl="2"/>
             <a:r>
-              <a:rPr lang="zh-CN" altLang="en-US" smtClean="0"/>
+              <a:rPr lang="zh-CN" altLang="en-US"/>
               <a:t>第三级</a:t>
             </a:r>
           </a:p>
           <a:p>
             <a:pPr lvl="3"/>
             <a:r>
-              <a:rPr lang="zh-CN" altLang="en-US" smtClean="0"/>
+              <a:rPr lang="zh-CN" altLang="en-US"/>
               <a:t>第四级</a:t>
             </a:r>
           </a:p>
           <a:p>
             <a:pPr lvl="4"/>
             <a:r>
-              <a:rPr lang="zh-CN" altLang="en-US" smtClean="0"/>
+              <a:rPr lang="zh-CN" altLang="en-US"/>
               <a:t>第五级</a:t>
             </a:r>
             <a:endParaRPr lang="en-US" dirty="0"/>
@@ -2798,7 +2809,7 @@
           <a:p>
             <a:fld id="{353AF870-1168-4D87-993C-0A52141EB5C0}" type="datetimeFigureOut">
               <a:rPr lang="zh-CN" altLang="en-US" smtClean="0"/>
-              <a:t>2018/1/27 Saturday</a:t>
+              <a:t>2018/1/30</a:t>
             </a:fld>
             <a:endParaRPr lang="zh-CN" altLang="en-US"/>
           </a:p>
@@ -2898,7 +2909,7 @@
           </a:lstStyle>
           <a:p>
             <a:r>
-              <a:rPr lang="zh-CN" altLang="en-US" smtClean="0"/>
+              <a:rPr lang="zh-CN" altLang="en-US"/>
               <a:t>单击此处编辑母版标题样式</a:t>
             </a:r>
             <a:endParaRPr lang="en-US" dirty="0"/>
@@ -2922,35 +2933,35 @@
           <a:p>
             <a:pPr lvl="0"/>
             <a:r>
-              <a:rPr lang="zh-CN" altLang="en-US" smtClean="0"/>
+              <a:rPr lang="zh-CN" altLang="en-US"/>
               <a:t>编辑母版文本样式</a:t>
             </a:r>
           </a:p>
           <a:p>
             <a:pPr lvl="1"/>
             <a:r>
-              <a:rPr lang="zh-CN" altLang="en-US" smtClean="0"/>
+              <a:rPr lang="zh-CN" altLang="en-US"/>
               <a:t>第二级</a:t>
             </a:r>
           </a:p>
           <a:p>
             <a:pPr lvl="2"/>
             <a:r>
-              <a:rPr lang="zh-CN" altLang="en-US" smtClean="0"/>
+              <a:rPr lang="zh-CN" altLang="en-US"/>
               <a:t>第三级</a:t>
             </a:r>
           </a:p>
           <a:p>
             <a:pPr lvl="3"/>
             <a:r>
-              <a:rPr lang="zh-CN" altLang="en-US" smtClean="0"/>
+              <a:rPr lang="zh-CN" altLang="en-US"/>
               <a:t>第四级</a:t>
             </a:r>
           </a:p>
           <a:p>
             <a:pPr lvl="4"/>
             <a:r>
-              <a:rPr lang="zh-CN" altLang="en-US" smtClean="0"/>
+              <a:rPr lang="zh-CN" altLang="en-US"/>
               <a:t>第五级</a:t>
             </a:r>
             <a:endParaRPr lang="en-US" dirty="0"/>
@@ -2974,7 +2985,7 @@
           <a:p>
             <a:fld id="{353AF870-1168-4D87-993C-0A52141EB5C0}" type="datetimeFigureOut">
               <a:rPr lang="zh-CN" altLang="en-US" smtClean="0"/>
-              <a:t>2018/1/27 Saturday</a:t>
+              <a:t>2018/1/30</a:t>
             </a:fld>
             <a:endParaRPr lang="zh-CN" altLang="en-US"/>
           </a:p>
@@ -3077,7 +3088,7 @@
           </a:lstStyle>
           <a:p>
             <a:r>
-              <a:rPr lang="zh-CN" altLang="en-US" smtClean="0"/>
+              <a:rPr lang="zh-CN" altLang="en-US"/>
               <a:t>单击此处编辑母版标题样式</a:t>
             </a:r>
             <a:endParaRPr lang="en-US" dirty="0"/>
@@ -3198,7 +3209,7 @@
           <a:p>
             <a:pPr lvl="0"/>
             <a:r>
-              <a:rPr lang="zh-CN" altLang="en-US" smtClean="0"/>
+              <a:rPr lang="zh-CN" altLang="en-US"/>
               <a:t>编辑母版文本样式</a:t>
             </a:r>
           </a:p>
@@ -3221,7 +3232,7 @@
           <a:p>
             <a:fld id="{353AF870-1168-4D87-993C-0A52141EB5C0}" type="datetimeFigureOut">
               <a:rPr lang="zh-CN" altLang="en-US" smtClean="0"/>
-              <a:t>2018/1/27 Saturday</a:t>
+              <a:t>2018/1/30</a:t>
             </a:fld>
             <a:endParaRPr lang="zh-CN" altLang="en-US"/>
           </a:p>
@@ -3315,7 +3326,7 @@
           <a:lstStyle/>
           <a:p>
             <a:r>
-              <a:rPr lang="zh-CN" altLang="en-US" smtClean="0"/>
+              <a:rPr lang="zh-CN" altLang="en-US"/>
               <a:t>单击此处编辑母版标题样式</a:t>
             </a:r>
             <a:endParaRPr lang="en-US" dirty="0"/>
@@ -3344,35 +3355,35 @@
           <a:p>
             <a:pPr lvl="0"/>
             <a:r>
-              <a:rPr lang="zh-CN" altLang="en-US" smtClean="0"/>
+              <a:rPr lang="zh-CN" altLang="en-US"/>
               <a:t>编辑母版文本样式</a:t>
             </a:r>
           </a:p>
           <a:p>
             <a:pPr lvl="1"/>
             <a:r>
-              <a:rPr lang="zh-CN" altLang="en-US" smtClean="0"/>
+              <a:rPr lang="zh-CN" altLang="en-US"/>
               <a:t>第二级</a:t>
             </a:r>
           </a:p>
           <a:p>
             <a:pPr lvl="2"/>
             <a:r>
-              <a:rPr lang="zh-CN" altLang="en-US" smtClean="0"/>
+              <a:rPr lang="zh-CN" altLang="en-US"/>
               <a:t>第三级</a:t>
             </a:r>
           </a:p>
           <a:p>
             <a:pPr lvl="3"/>
             <a:r>
-              <a:rPr lang="zh-CN" altLang="en-US" smtClean="0"/>
+              <a:rPr lang="zh-CN" altLang="en-US"/>
               <a:t>第四级</a:t>
             </a:r>
           </a:p>
           <a:p>
             <a:pPr lvl="4"/>
             <a:r>
-              <a:rPr lang="zh-CN" altLang="en-US" smtClean="0"/>
+              <a:rPr lang="zh-CN" altLang="en-US"/>
               <a:t>第五级</a:t>
             </a:r>
             <a:endParaRPr lang="en-US" dirty="0"/>
@@ -3401,35 +3412,35 @@
           <a:p>
             <a:pPr lvl="0"/>
             <a:r>
-              <a:rPr lang="zh-CN" altLang="en-US" smtClean="0"/>
+              <a:rPr lang="zh-CN" altLang="en-US"/>
               <a:t>编辑母版文本样式</a:t>
             </a:r>
           </a:p>
           <a:p>
             <a:pPr lvl="1"/>
             <a:r>
-              <a:rPr lang="zh-CN" altLang="en-US" smtClean="0"/>
+              <a:rPr lang="zh-CN" altLang="en-US"/>
               <a:t>第二级</a:t>
             </a:r>
           </a:p>
           <a:p>
             <a:pPr lvl="2"/>
             <a:r>
-              <a:rPr lang="zh-CN" altLang="en-US" smtClean="0"/>
+              <a:rPr lang="zh-CN" altLang="en-US"/>
               <a:t>第三级</a:t>
             </a:r>
           </a:p>
           <a:p>
             <a:pPr lvl="3"/>
             <a:r>
-              <a:rPr lang="zh-CN" altLang="en-US" smtClean="0"/>
+              <a:rPr lang="zh-CN" altLang="en-US"/>
               <a:t>第四级</a:t>
             </a:r>
           </a:p>
           <a:p>
             <a:pPr lvl="4"/>
             <a:r>
-              <a:rPr lang="zh-CN" altLang="en-US" smtClean="0"/>
+              <a:rPr lang="zh-CN" altLang="en-US"/>
               <a:t>第五级</a:t>
             </a:r>
             <a:endParaRPr lang="en-US" dirty="0"/>
@@ -3453,7 +3464,7 @@
           <a:p>
             <a:fld id="{353AF870-1168-4D87-993C-0A52141EB5C0}" type="datetimeFigureOut">
               <a:rPr lang="zh-CN" altLang="en-US" smtClean="0"/>
-              <a:t>2018/1/27 Saturday</a:t>
+              <a:t>2018/1/30</a:t>
             </a:fld>
             <a:endParaRPr lang="zh-CN" altLang="en-US"/>
           </a:p>
@@ -3551,7 +3562,7 @@
           </a:lstStyle>
           <a:p>
             <a:r>
-              <a:rPr lang="zh-CN" altLang="en-US" smtClean="0"/>
+              <a:rPr lang="zh-CN" altLang="en-US"/>
               <a:t>单击此处编辑母版标题样式</a:t>
             </a:r>
             <a:endParaRPr lang="en-US" dirty="0"/>
@@ -3619,7 +3630,7 @@
           <a:p>
             <a:pPr lvl="0"/>
             <a:r>
-              <a:rPr lang="zh-CN" altLang="en-US" smtClean="0"/>
+              <a:rPr lang="zh-CN" altLang="en-US"/>
               <a:t>编辑母版文本样式</a:t>
             </a:r>
           </a:p>
@@ -3649,35 +3660,35 @@
           <a:p>
             <a:pPr lvl="0"/>
             <a:r>
-              <a:rPr lang="zh-CN" altLang="en-US" smtClean="0"/>
+              <a:rPr lang="zh-CN" altLang="en-US"/>
               <a:t>编辑母版文本样式</a:t>
             </a:r>
           </a:p>
           <a:p>
             <a:pPr lvl="1"/>
             <a:r>
-              <a:rPr lang="zh-CN" altLang="en-US" smtClean="0"/>
+              <a:rPr lang="zh-CN" altLang="en-US"/>
               <a:t>第二级</a:t>
             </a:r>
           </a:p>
           <a:p>
             <a:pPr lvl="2"/>
             <a:r>
-              <a:rPr lang="zh-CN" altLang="en-US" smtClean="0"/>
+              <a:rPr lang="zh-CN" altLang="en-US"/>
               <a:t>第三级</a:t>
             </a:r>
           </a:p>
           <a:p>
             <a:pPr lvl="3"/>
             <a:r>
-              <a:rPr lang="zh-CN" altLang="en-US" smtClean="0"/>
+              <a:rPr lang="zh-CN" altLang="en-US"/>
               <a:t>第四级</a:t>
             </a:r>
           </a:p>
           <a:p>
             <a:pPr lvl="4"/>
             <a:r>
-              <a:rPr lang="zh-CN" altLang="en-US" smtClean="0"/>
+              <a:rPr lang="zh-CN" altLang="en-US"/>
               <a:t>第五级</a:t>
             </a:r>
             <a:endParaRPr lang="en-US" dirty="0"/>
@@ -3745,7 +3756,7 @@
           <a:p>
             <a:pPr lvl="0"/>
             <a:r>
-              <a:rPr lang="zh-CN" altLang="en-US" smtClean="0"/>
+              <a:rPr lang="zh-CN" altLang="en-US"/>
               <a:t>编辑母版文本样式</a:t>
             </a:r>
           </a:p>
@@ -3775,35 +3786,35 @@
           <a:p>
             <a:pPr lvl="0"/>
             <a:r>
-              <a:rPr lang="zh-CN" altLang="en-US" smtClean="0"/>
+              <a:rPr lang="zh-CN" altLang="en-US"/>
               <a:t>编辑母版文本样式</a:t>
             </a:r>
           </a:p>
           <a:p>
             <a:pPr lvl="1"/>
             <a:r>
-              <a:rPr lang="zh-CN" altLang="en-US" smtClean="0"/>
+              <a:rPr lang="zh-CN" altLang="en-US"/>
               <a:t>第二级</a:t>
             </a:r>
           </a:p>
           <a:p>
             <a:pPr lvl="2"/>
             <a:r>
-              <a:rPr lang="zh-CN" altLang="en-US" smtClean="0"/>
+              <a:rPr lang="zh-CN" altLang="en-US"/>
               <a:t>第三级</a:t>
             </a:r>
           </a:p>
           <a:p>
             <a:pPr lvl="3"/>
             <a:r>
-              <a:rPr lang="zh-CN" altLang="en-US" smtClean="0"/>
+              <a:rPr lang="zh-CN" altLang="en-US"/>
               <a:t>第四级</a:t>
             </a:r>
           </a:p>
           <a:p>
             <a:pPr lvl="4"/>
             <a:r>
-              <a:rPr lang="zh-CN" altLang="en-US" smtClean="0"/>
+              <a:rPr lang="zh-CN" altLang="en-US"/>
               <a:t>第五级</a:t>
             </a:r>
             <a:endParaRPr lang="en-US" dirty="0"/>
@@ -3827,7 +3838,7 @@
           <a:p>
             <a:fld id="{353AF870-1168-4D87-993C-0A52141EB5C0}" type="datetimeFigureOut">
               <a:rPr lang="zh-CN" altLang="en-US" smtClean="0"/>
-              <a:t>2018/1/27 Saturday</a:t>
+              <a:t>2018/1/30</a:t>
             </a:fld>
             <a:endParaRPr lang="zh-CN" altLang="en-US"/>
           </a:p>
@@ -3926,7 +3937,7 @@
           <a:lstStyle/>
           <a:p>
             <a:r>
-              <a:rPr lang="zh-CN" altLang="en-US" smtClean="0"/>
+              <a:rPr lang="zh-CN" altLang="en-US"/>
               <a:t>单击此处编辑母版标题样式</a:t>
             </a:r>
             <a:endParaRPr lang="en-US" dirty="0"/>
@@ -3950,7 +3961,7 @@
           <a:p>
             <a:fld id="{353AF870-1168-4D87-993C-0A52141EB5C0}" type="datetimeFigureOut">
               <a:rPr lang="zh-CN" altLang="en-US" smtClean="0"/>
-              <a:t>2018/1/27 Saturday</a:t>
+              <a:t>2018/1/30</a:t>
             </a:fld>
             <a:endParaRPr lang="zh-CN" altLang="en-US"/>
           </a:p>
@@ -4045,7 +4056,7 @@
           <a:p>
             <a:fld id="{353AF870-1168-4D87-993C-0A52141EB5C0}" type="datetimeFigureOut">
               <a:rPr lang="zh-CN" altLang="en-US" smtClean="0"/>
-              <a:t>2018/1/27 Saturday</a:t>
+              <a:t>2018/1/30</a:t>
             </a:fld>
             <a:endParaRPr lang="zh-CN" altLang="en-US"/>
           </a:p>
@@ -4150,7 +4161,7 @@
           </a:lstStyle>
           <a:p>
             <a:r>
-              <a:rPr lang="zh-CN" altLang="en-US" smtClean="0"/>
+              <a:rPr lang="zh-CN" altLang="en-US"/>
               <a:t>单击此处编辑母版标题样式</a:t>
             </a:r>
             <a:endParaRPr lang="en-US" dirty="0"/>
@@ -4181,35 +4192,35 @@
           <a:p>
             <a:pPr lvl="0"/>
             <a:r>
-              <a:rPr lang="zh-CN" altLang="en-US" smtClean="0"/>
+              <a:rPr lang="zh-CN" altLang="en-US"/>
               <a:t>编辑母版文本样式</a:t>
             </a:r>
           </a:p>
           <a:p>
             <a:pPr lvl="1"/>
             <a:r>
-              <a:rPr lang="zh-CN" altLang="en-US" smtClean="0"/>
+              <a:rPr lang="zh-CN" altLang="en-US"/>
               <a:t>第二级</a:t>
             </a:r>
           </a:p>
           <a:p>
             <a:pPr lvl="2"/>
             <a:r>
-              <a:rPr lang="zh-CN" altLang="en-US" smtClean="0"/>
+              <a:rPr lang="zh-CN" altLang="en-US"/>
               <a:t>第三级</a:t>
             </a:r>
           </a:p>
           <a:p>
             <a:pPr lvl="3"/>
             <a:r>
-              <a:rPr lang="zh-CN" altLang="en-US" smtClean="0"/>
+              <a:rPr lang="zh-CN" altLang="en-US"/>
               <a:t>第四级</a:t>
             </a:r>
           </a:p>
           <a:p>
             <a:pPr lvl="4"/>
             <a:r>
-              <a:rPr lang="zh-CN" altLang="en-US" smtClean="0"/>
+              <a:rPr lang="zh-CN" altLang="en-US"/>
               <a:t>第五级</a:t>
             </a:r>
             <a:endParaRPr lang="en-US" dirty="0"/>
@@ -4277,7 +4288,7 @@
           <a:p>
             <a:pPr lvl="0"/>
             <a:r>
-              <a:rPr lang="zh-CN" altLang="en-US" smtClean="0"/>
+              <a:rPr lang="zh-CN" altLang="en-US"/>
               <a:t>编辑母版文本样式</a:t>
             </a:r>
           </a:p>
@@ -4300,7 +4311,7 @@
           <a:p>
             <a:fld id="{353AF870-1168-4D87-993C-0A52141EB5C0}" type="datetimeFigureOut">
               <a:rPr lang="zh-CN" altLang="en-US" smtClean="0"/>
-              <a:t>2018/1/27 Saturday</a:t>
+              <a:t>2018/1/30</a:t>
             </a:fld>
             <a:endParaRPr lang="zh-CN" altLang="en-US"/>
           </a:p>
@@ -4405,7 +4416,7 @@
           </a:lstStyle>
           <a:p>
             <a:r>
-              <a:rPr lang="zh-CN" altLang="en-US" smtClean="0"/>
+              <a:rPr lang="zh-CN" altLang="en-US"/>
               <a:t>单击此处编辑母版标题样式</a:t>
             </a:r>
             <a:endParaRPr lang="en-US" dirty="0"/>
@@ -4472,7 +4483,7 @@
           </a:lstStyle>
           <a:p>
             <a:r>
-              <a:rPr lang="zh-CN" altLang="en-US" smtClean="0"/>
+              <a:rPr lang="zh-CN" altLang="en-US"/>
               <a:t>单击图标添加图片</a:t>
             </a:r>
             <a:endParaRPr lang="en-US" dirty="0"/>
@@ -4540,7 +4551,7 @@
           <a:p>
             <a:pPr lvl="0"/>
             <a:r>
-              <a:rPr lang="zh-CN" altLang="en-US" smtClean="0"/>
+              <a:rPr lang="zh-CN" altLang="en-US"/>
               <a:t>编辑母版文本样式</a:t>
             </a:r>
           </a:p>
@@ -4563,7 +4574,7 @@
           <a:p>
             <a:fld id="{353AF870-1168-4D87-993C-0A52141EB5C0}" type="datetimeFigureOut">
               <a:rPr lang="zh-CN" altLang="en-US" smtClean="0"/>
-              <a:t>2018/1/27 Saturday</a:t>
+              <a:t>2018/1/30</a:t>
             </a:fld>
             <a:endParaRPr lang="zh-CN" altLang="en-US"/>
           </a:p>
@@ -5202,7 +5213,7 @@
           <a:lstStyle/>
           <a:p>
             <a:r>
-              <a:rPr lang="zh-CN" altLang="en-US" smtClean="0"/>
+              <a:rPr lang="zh-CN" altLang="en-US"/>
               <a:t>单击此处编辑母版标题样式</a:t>
             </a:r>
             <a:endParaRPr lang="en-US" dirty="0"/>
@@ -5236,35 +5247,35 @@
           <a:p>
             <a:pPr lvl="0"/>
             <a:r>
-              <a:rPr lang="zh-CN" altLang="en-US" smtClean="0"/>
+              <a:rPr lang="zh-CN" altLang="en-US"/>
               <a:t>编辑母版文本样式</a:t>
             </a:r>
           </a:p>
           <a:p>
             <a:pPr lvl="1"/>
             <a:r>
-              <a:rPr lang="zh-CN" altLang="en-US" smtClean="0"/>
+              <a:rPr lang="zh-CN" altLang="en-US"/>
               <a:t>第二级</a:t>
             </a:r>
           </a:p>
           <a:p>
             <a:pPr lvl="2"/>
             <a:r>
-              <a:rPr lang="zh-CN" altLang="en-US" smtClean="0"/>
+              <a:rPr lang="zh-CN" altLang="en-US"/>
               <a:t>第三级</a:t>
             </a:r>
           </a:p>
           <a:p>
             <a:pPr lvl="3"/>
             <a:r>
-              <a:rPr lang="zh-CN" altLang="en-US" smtClean="0"/>
+              <a:rPr lang="zh-CN" altLang="en-US"/>
               <a:t>第四级</a:t>
             </a:r>
           </a:p>
           <a:p>
             <a:pPr lvl="4"/>
             <a:r>
-              <a:rPr lang="zh-CN" altLang="en-US" smtClean="0"/>
+              <a:rPr lang="zh-CN" altLang="en-US"/>
               <a:t>第五级</a:t>
             </a:r>
             <a:endParaRPr lang="en-US" dirty="0"/>
@@ -5306,7 +5317,7 @@
           <a:p>
             <a:fld id="{353AF870-1168-4D87-993C-0A52141EB5C0}" type="datetimeFigureOut">
               <a:rPr lang="zh-CN" altLang="en-US" smtClean="0"/>
-              <a:t>2018/1/27 Saturday</a:t>
+              <a:t>2018/1/30</a:t>
             </a:fld>
             <a:endParaRPr lang="zh-CN" altLang="en-US"/>
           </a:p>
@@ -5846,10 +5857,9 @@
           <a:lstStyle/>
           <a:p>
             <a:r>
-              <a:rPr lang="zh-CN" altLang="en-US" dirty="0" smtClean="0"/>
+              <a:rPr lang="zh-CN" altLang="en-US" dirty="0"/>
               <a:t>兴趣小组管理软件设计</a:t>
             </a:r>
-            <a:endParaRPr lang="zh-CN" altLang="en-US" dirty="0"/>
           </a:p>
         </p:txBody>
       </p:sp>
@@ -5918,10 +5928,9 @@
           <a:lstStyle/>
           <a:p>
             <a:r>
-              <a:rPr lang="zh-CN" altLang="en-US" dirty="0" smtClean="0"/>
+              <a:rPr lang="zh-CN" altLang="en-US" dirty="0"/>
               <a:t>功能</a:t>
             </a:r>
-            <a:endParaRPr lang="zh-CN" altLang="en-US" dirty="0"/>
           </a:p>
         </p:txBody>
       </p:sp>
@@ -5941,38 +5950,48 @@
           <a:lstStyle/>
           <a:p>
             <a:r>
-              <a:rPr lang="zh-CN" altLang="en-US" dirty="0" smtClean="0"/>
+              <a:rPr lang="zh-CN" altLang="en-US" dirty="0"/>
               <a:t>管理员、普通用户权限管理</a:t>
             </a:r>
-            <a:endParaRPr lang="en-US" altLang="zh-CN" dirty="0" smtClean="0"/>
-          </a:p>
-          <a:p>
-            <a:r>
-              <a:rPr lang="zh-CN" altLang="en-US" dirty="0" smtClean="0"/>
+            <a:endParaRPr lang="en-US" altLang="zh-CN" dirty="0"/>
+          </a:p>
+          <a:p>
+            <a:r>
+              <a:rPr lang="zh-CN" altLang="en-US" dirty="0"/>
               <a:t>用户管理</a:t>
             </a:r>
-            <a:endParaRPr lang="en-US" altLang="zh-CN" dirty="0" smtClean="0"/>
-          </a:p>
-          <a:p>
-            <a:r>
-              <a:rPr lang="zh-CN" altLang="en-US" dirty="0" smtClean="0"/>
+            <a:endParaRPr lang="en-US" altLang="zh-CN" dirty="0"/>
+          </a:p>
+          <a:p>
+            <a:r>
+              <a:rPr lang="zh-CN" altLang="en-US" dirty="0"/>
               <a:t>场地管理</a:t>
             </a:r>
-            <a:endParaRPr lang="en-US" altLang="zh-CN" dirty="0" smtClean="0"/>
-          </a:p>
-          <a:p>
-            <a:r>
-              <a:rPr lang="zh-CN" altLang="en-US" smtClean="0"/>
+            <a:endParaRPr lang="en-US" altLang="zh-CN" dirty="0"/>
+          </a:p>
+          <a:p>
+            <a:r>
+              <a:rPr lang="zh-CN" altLang="en-US" dirty="0"/>
               <a:t>费用管理（含充值）</a:t>
             </a:r>
-            <a:endParaRPr lang="en-US" altLang="zh-CN" dirty="0" smtClean="0"/>
-          </a:p>
-          <a:p>
-            <a:r>
-              <a:rPr lang="zh-CN" altLang="en-US" dirty="0" smtClean="0"/>
+            <a:endParaRPr lang="en-US" altLang="zh-CN" dirty="0"/>
+          </a:p>
+          <a:p>
+            <a:r>
+              <a:rPr lang="zh-CN" altLang="en-US" dirty="0"/>
               <a:t>报名管理</a:t>
             </a:r>
-            <a:endParaRPr lang="en-US" altLang="zh-CN" dirty="0" smtClean="0"/>
+            <a:endParaRPr lang="en-US" altLang="zh-CN" dirty="0"/>
+          </a:p>
+          <a:p>
+            <a:endParaRPr lang="en-US" altLang="zh-CN" dirty="0"/>
+          </a:p>
+          <a:p>
+            <a:r>
+              <a:rPr lang="zh-CN" altLang="en-US" dirty="0"/>
+              <a:t>公共费用管理（充值、消费（含原因））</a:t>
+            </a:r>
+            <a:endParaRPr lang="en-US" altLang="zh-CN" dirty="0"/>
           </a:p>
           <a:p>
             <a:endParaRPr lang="zh-CN" altLang="en-US" dirty="0"/>
@@ -6030,10 +6049,9 @@
           <a:lstStyle/>
           <a:p>
             <a:r>
-              <a:rPr lang="zh-CN" altLang="en-US" dirty="0" smtClean="0"/>
+              <a:rPr lang="zh-CN" altLang="en-US" dirty="0"/>
               <a:t>登录界面</a:t>
             </a:r>
-            <a:endParaRPr lang="zh-CN" altLang="en-US" dirty="0"/>
           </a:p>
         </p:txBody>
       </p:sp>
@@ -6153,13 +6171,8 @@
           <a:p>
             <a:r>
               <a:rPr lang="zh-CN" altLang="en-US" dirty="0"/>
-              <a:t>首页</a:t>
-            </a:r>
-            <a:r>
-              <a:rPr lang="zh-CN" altLang="en-US" dirty="0" smtClean="0"/>
-              <a:t>排版</a:t>
-            </a:r>
-            <a:endParaRPr lang="zh-CN" altLang="en-US" dirty="0"/>
+              <a:t>首页排版</a:t>
+            </a:r>
           </a:p>
         </p:txBody>
       </p:sp>
@@ -6171,7 +6184,7 @@
         </p:nvSpPr>
         <p:spPr>
           <a:xfrm>
-            <a:off x="572655" y="1431636"/>
+            <a:off x="542838" y="1431636"/>
             <a:ext cx="7924800" cy="5357091"/>
           </a:xfrm>
           <a:prstGeom prst="rect">
@@ -6240,18 +6253,17 @@
           <a:p>
             <a:pPr algn="ctr"/>
             <a:r>
-              <a:rPr lang="zh-CN" altLang="en-US" sz="800" dirty="0" smtClean="0"/>
+              <a:rPr lang="zh-CN" altLang="en-US" sz="800" dirty="0"/>
               <a:t>退出</a:t>
             </a:r>
             <a:r>
-              <a:rPr lang="en-US" altLang="zh-CN" sz="800" dirty="0" smtClean="0"/>
+              <a:rPr lang="en-US" altLang="zh-CN" sz="800" dirty="0"/>
               <a:t>/</a:t>
             </a:r>
             <a:r>
-              <a:rPr lang="zh-CN" altLang="en-US" sz="800" dirty="0" smtClean="0"/>
+              <a:rPr lang="zh-CN" altLang="en-US" sz="800" dirty="0"/>
               <a:t>登录</a:t>
             </a:r>
-            <a:endParaRPr lang="zh-CN" altLang="en-US" sz="800" dirty="0"/>
           </a:p>
         </p:txBody>
       </p:sp>
@@ -6292,10 +6304,9 @@
           <a:p>
             <a:pPr algn="ctr"/>
             <a:r>
-              <a:rPr lang="zh-CN" altLang="en-US" sz="800" dirty="0" smtClean="0"/>
+              <a:rPr lang="zh-CN" altLang="en-US" sz="800" dirty="0"/>
               <a:t>切换语言</a:t>
             </a:r>
-            <a:endParaRPr lang="zh-CN" altLang="en-US" sz="800" dirty="0"/>
           </a:p>
         </p:txBody>
       </p:sp>
@@ -6336,10 +6347,9 @@
           <a:p>
             <a:pPr algn="ctr"/>
             <a:r>
-              <a:rPr lang="zh-CN" altLang="en-US" sz="800" dirty="0" smtClean="0"/>
+              <a:rPr lang="zh-CN" altLang="en-US" sz="800" dirty="0"/>
               <a:t>个人信息</a:t>
             </a:r>
-            <a:endParaRPr lang="zh-CN" altLang="en-US" sz="800" dirty="0"/>
           </a:p>
         </p:txBody>
       </p:sp>
@@ -6380,18 +6390,13 @@
           <a:p>
             <a:pPr algn="ctr"/>
             <a:r>
-              <a:rPr lang="zh-CN" altLang="en-US" sz="1400" b="1" dirty="0" smtClean="0">
+              <a:rPr lang="zh-CN" altLang="en-US" sz="1400" b="1" dirty="0">
                 <a:solidFill>
                   <a:srgbClr val="FF0000"/>
                 </a:solidFill>
               </a:rPr>
               <a:t>报名</a:t>
             </a:r>
-            <a:endParaRPr lang="zh-CN" altLang="en-US" sz="1400" b="1" dirty="0">
-              <a:solidFill>
-                <a:srgbClr val="FF0000"/>
-              </a:solidFill>
-            </a:endParaRPr>
           </a:p>
         </p:txBody>
       </p:sp>
@@ -6432,10 +6437,9 @@
           <a:p>
             <a:pPr algn="ctr"/>
             <a:r>
-              <a:rPr lang="zh-CN" altLang="en-US" sz="1400" dirty="0" smtClean="0"/>
+              <a:rPr lang="zh-CN" altLang="en-US" sz="1400" dirty="0"/>
               <a:t>场地管理</a:t>
             </a:r>
-            <a:endParaRPr lang="zh-CN" altLang="en-US" sz="1400" dirty="0"/>
           </a:p>
         </p:txBody>
       </p:sp>
@@ -6476,10 +6480,9 @@
           <a:p>
             <a:pPr algn="ctr"/>
             <a:r>
-              <a:rPr lang="zh-CN" altLang="en-US" sz="1400" dirty="0" smtClean="0"/>
+              <a:rPr lang="zh-CN" altLang="en-US" sz="1400" dirty="0"/>
               <a:t>用户管理</a:t>
             </a:r>
-            <a:endParaRPr lang="zh-CN" altLang="en-US" sz="1400" dirty="0"/>
           </a:p>
         </p:txBody>
       </p:sp>
@@ -6520,10 +6523,9 @@
           <a:p>
             <a:pPr algn="ctr"/>
             <a:r>
-              <a:rPr lang="zh-CN" altLang="en-US" dirty="0" smtClean="0"/>
+              <a:rPr lang="zh-CN" altLang="en-US" dirty="0"/>
               <a:t>时间：</a:t>
             </a:r>
-            <a:endParaRPr lang="zh-CN" altLang="en-US" dirty="0"/>
           </a:p>
         </p:txBody>
       </p:sp>
@@ -6564,10 +6566,9 @@
           <a:p>
             <a:pPr algn="ctr"/>
             <a:r>
-              <a:rPr lang="zh-CN" altLang="en-US" dirty="0" smtClean="0"/>
+              <a:rPr lang="zh-CN" altLang="en-US" dirty="0"/>
               <a:t>地点：</a:t>
             </a:r>
-            <a:endParaRPr lang="zh-CN" altLang="en-US" dirty="0"/>
           </a:p>
         </p:txBody>
       </p:sp>
@@ -6608,10 +6609,9 @@
           <a:p>
             <a:pPr algn="ctr"/>
             <a:r>
-              <a:rPr lang="zh-CN" altLang="en-US" dirty="0" smtClean="0"/>
+              <a:rPr lang="zh-CN" altLang="en-US" dirty="0"/>
               <a:t>费用：</a:t>
             </a:r>
-            <a:endParaRPr lang="zh-CN" altLang="en-US" dirty="0"/>
           </a:p>
         </p:txBody>
       </p:sp>
@@ -6652,10 +6652,9 @@
           <a:p>
             <a:pPr algn="ctr"/>
             <a:r>
-              <a:rPr lang="zh-CN" altLang="en-US" dirty="0" smtClean="0"/>
+              <a:rPr lang="zh-CN" altLang="en-US" dirty="0"/>
               <a:t>已报名（人）：</a:t>
             </a:r>
-            <a:endParaRPr lang="zh-CN" altLang="en-US" dirty="0"/>
           </a:p>
         </p:txBody>
       </p:sp>
@@ -6696,10 +6695,9 @@
           <a:p>
             <a:pPr algn="ctr"/>
             <a:r>
-              <a:rPr lang="zh-CN" altLang="en-US" sz="1400" dirty="0" smtClean="0"/>
+              <a:rPr lang="zh-CN" altLang="en-US" sz="1400" dirty="0"/>
               <a:t>创建活动</a:t>
             </a:r>
-            <a:endParaRPr lang="zh-CN" altLang="en-US" sz="1400" dirty="0"/>
           </a:p>
         </p:txBody>
       </p:sp>
@@ -6740,10 +6738,107 @@
           <a:p>
             <a:pPr algn="ctr"/>
             <a:r>
-              <a:rPr lang="zh-CN" altLang="en-US" sz="1400" dirty="0" smtClean="0"/>
+              <a:rPr lang="zh-CN" altLang="en-US" sz="1400" dirty="0"/>
               <a:t>费用报表</a:t>
             </a:r>
-            <a:endParaRPr lang="zh-CN" altLang="en-US" sz="1400" dirty="0"/>
+          </a:p>
+        </p:txBody>
+      </p:sp>
+      <p:sp>
+        <p:nvSpPr>
+          <p:cNvPr id="17" name="矩形 16">
+            <a:extLst>
+              <a:ext uri="{FF2B5EF4-FFF2-40B4-BE49-F238E27FC236}">
+                <a16:creationId xmlns:a16="http://schemas.microsoft.com/office/drawing/2014/main" id="{1AD3FBEB-CD91-41DD-A0BB-165F870E8E65}"/>
+              </a:ext>
+            </a:extLst>
+          </p:cNvPr>
+          <p:cNvSpPr/>
+          <p:nvPr/>
+        </p:nvSpPr>
+        <p:spPr>
+          <a:xfrm>
+            <a:off x="3358958" y="5112326"/>
+            <a:ext cx="975975" cy="452582"/>
+          </a:xfrm>
+          <a:prstGeom prst="rect">
+            <a:avLst/>
+          </a:prstGeom>
+        </p:spPr>
+        <p:style>
+          <a:lnRef idx="2">
+            <a:schemeClr val="accent1">
+              <a:shade val="50000"/>
+            </a:schemeClr>
+          </a:lnRef>
+          <a:fillRef idx="1">
+            <a:schemeClr val="accent1"/>
+          </a:fillRef>
+          <a:effectRef idx="0">
+            <a:schemeClr val="accent1"/>
+          </a:effectRef>
+          <a:fontRef idx="minor">
+            <a:schemeClr val="lt1"/>
+          </a:fontRef>
+        </p:style>
+        <p:txBody>
+          <a:bodyPr rtlCol="0" anchor="ctr"/>
+          <a:lstStyle/>
+          <a:p>
+            <a:pPr algn="ctr"/>
+            <a:r>
+              <a:rPr lang="zh-CN" altLang="en-US" sz="1400" dirty="0"/>
+              <a:t>报名</a:t>
+            </a:r>
+          </a:p>
+        </p:txBody>
+      </p:sp>
+      <p:sp>
+        <p:nvSpPr>
+          <p:cNvPr id="18" name="矩形 17">
+            <a:extLst>
+              <a:ext uri="{FF2B5EF4-FFF2-40B4-BE49-F238E27FC236}">
+                <a16:creationId xmlns:a16="http://schemas.microsoft.com/office/drawing/2014/main" id="{22F2D307-059A-4B99-BCE9-6E3EF95A6B22}"/>
+              </a:ext>
+            </a:extLst>
+          </p:cNvPr>
+          <p:cNvSpPr/>
+          <p:nvPr/>
+        </p:nvSpPr>
+        <p:spPr>
+          <a:xfrm>
+            <a:off x="4645891" y="5052288"/>
+            <a:ext cx="975975" cy="452582"/>
+          </a:xfrm>
+          <a:prstGeom prst="rect">
+            <a:avLst/>
+          </a:prstGeom>
+        </p:spPr>
+        <p:style>
+          <a:lnRef idx="2">
+            <a:schemeClr val="accent1">
+              <a:shade val="50000"/>
+            </a:schemeClr>
+          </a:lnRef>
+          <a:fillRef idx="1">
+            <a:schemeClr val="accent1"/>
+          </a:fillRef>
+          <a:effectRef idx="0">
+            <a:schemeClr val="accent1"/>
+          </a:effectRef>
+          <a:fontRef idx="minor">
+            <a:schemeClr val="lt1"/>
+          </a:fontRef>
+        </p:style>
+        <p:txBody>
+          <a:bodyPr rtlCol="0" anchor="ctr"/>
+          <a:lstStyle/>
+          <a:p>
+            <a:pPr algn="ctr"/>
+            <a:r>
+              <a:rPr lang="zh-CN" altLang="en-US" sz="1400" dirty="0"/>
+              <a:t>取消报名</a:t>
+            </a:r>
           </a:p>
         </p:txBody>
       </p:sp>
@@ -6798,10 +6893,9 @@
           <a:lstStyle/>
           <a:p>
             <a:r>
-              <a:rPr lang="zh-CN" altLang="en-US" dirty="0" smtClean="0"/>
+              <a:rPr lang="zh-CN" altLang="en-US" dirty="0"/>
               <a:t>场地</a:t>
             </a:r>
-            <a:endParaRPr lang="zh-CN" altLang="en-US" dirty="0"/>
           </a:p>
         </p:txBody>
       </p:sp>
@@ -6882,18 +6976,17 @@
           <a:p>
             <a:pPr algn="ctr"/>
             <a:r>
-              <a:rPr lang="zh-CN" altLang="en-US" sz="800" dirty="0" smtClean="0"/>
+              <a:rPr lang="zh-CN" altLang="en-US" sz="800" dirty="0"/>
               <a:t>退出</a:t>
             </a:r>
             <a:r>
-              <a:rPr lang="en-US" altLang="zh-CN" sz="800" dirty="0" smtClean="0"/>
+              <a:rPr lang="en-US" altLang="zh-CN" sz="800" dirty="0"/>
               <a:t>/</a:t>
             </a:r>
             <a:r>
-              <a:rPr lang="zh-CN" altLang="en-US" sz="800" dirty="0" smtClean="0"/>
+              <a:rPr lang="zh-CN" altLang="en-US" sz="800" dirty="0"/>
               <a:t>登录</a:t>
             </a:r>
-            <a:endParaRPr lang="zh-CN" altLang="en-US" sz="800" dirty="0"/>
           </a:p>
         </p:txBody>
       </p:sp>
@@ -6934,10 +7027,9 @@
           <a:p>
             <a:pPr algn="ctr"/>
             <a:r>
-              <a:rPr lang="zh-CN" altLang="en-US" sz="800" dirty="0" smtClean="0"/>
+              <a:rPr lang="zh-CN" altLang="en-US" sz="800" dirty="0"/>
               <a:t>切换语言</a:t>
             </a:r>
-            <a:endParaRPr lang="zh-CN" altLang="en-US" sz="800" dirty="0"/>
           </a:p>
         </p:txBody>
       </p:sp>
@@ -6978,10 +7070,9 @@
           <a:p>
             <a:pPr algn="ctr"/>
             <a:r>
-              <a:rPr lang="zh-CN" altLang="en-US" sz="800" dirty="0" smtClean="0"/>
+              <a:rPr lang="zh-CN" altLang="en-US" sz="800" dirty="0"/>
               <a:t>个人信息</a:t>
             </a:r>
-            <a:endParaRPr lang="zh-CN" altLang="en-US" sz="800" dirty="0"/>
           </a:p>
         </p:txBody>
       </p:sp>
@@ -7022,10 +7113,9 @@
           <a:p>
             <a:pPr algn="ctr"/>
             <a:r>
-              <a:rPr lang="zh-CN" altLang="en-US" sz="1400" dirty="0" smtClean="0"/>
+              <a:rPr lang="zh-CN" altLang="en-US" sz="1400" dirty="0"/>
               <a:t>报名</a:t>
             </a:r>
-            <a:endParaRPr lang="zh-CN" altLang="en-US" sz="1400" dirty="0"/>
           </a:p>
         </p:txBody>
       </p:sp>
@@ -7066,18 +7156,13 @@
           <a:p>
             <a:pPr algn="ctr"/>
             <a:r>
-              <a:rPr lang="zh-CN" altLang="en-US" sz="1400" b="1" dirty="0" smtClean="0">
+              <a:rPr lang="zh-CN" altLang="en-US" sz="1400" b="1" dirty="0">
                 <a:solidFill>
                   <a:srgbClr val="FF0000"/>
                 </a:solidFill>
               </a:rPr>
               <a:t>场地管理</a:t>
             </a:r>
-            <a:endParaRPr lang="zh-CN" altLang="en-US" sz="1400" b="1" dirty="0">
-              <a:solidFill>
-                <a:srgbClr val="FF0000"/>
-              </a:solidFill>
-            </a:endParaRPr>
           </a:p>
         </p:txBody>
       </p:sp>
@@ -7118,10 +7203,9 @@
           <a:p>
             <a:pPr algn="ctr"/>
             <a:r>
-              <a:rPr lang="zh-CN" altLang="en-US" sz="1400" dirty="0" smtClean="0"/>
+              <a:rPr lang="zh-CN" altLang="en-US" sz="1400" dirty="0"/>
               <a:t>用户管理</a:t>
             </a:r>
-            <a:endParaRPr lang="zh-CN" altLang="en-US" sz="1400" dirty="0"/>
           </a:p>
         </p:txBody>
       </p:sp>
@@ -7202,10 +7286,9 @@
           <a:p>
             <a:pPr algn="ctr"/>
             <a:r>
-              <a:rPr lang="zh-CN" altLang="en-US" sz="1200" dirty="0" smtClean="0"/>
+              <a:rPr lang="zh-CN" altLang="en-US" sz="1200" dirty="0"/>
               <a:t>场地名称</a:t>
             </a:r>
-            <a:endParaRPr lang="zh-CN" altLang="en-US" sz="1200" dirty="0"/>
           </a:p>
         </p:txBody>
       </p:sp>
@@ -7246,10 +7329,9 @@
           <a:p>
             <a:pPr algn="ctr"/>
             <a:r>
-              <a:rPr lang="zh-CN" altLang="en-US" sz="1200" dirty="0" smtClean="0"/>
+              <a:rPr lang="zh-CN" altLang="en-US" sz="1200" dirty="0"/>
               <a:t>场地地址</a:t>
             </a:r>
-            <a:endParaRPr lang="zh-CN" altLang="en-US" sz="1200" dirty="0"/>
           </a:p>
         </p:txBody>
       </p:sp>
@@ -7290,18 +7372,17 @@
           <a:p>
             <a:pPr algn="ctr"/>
             <a:r>
-              <a:rPr lang="zh-CN" altLang="en-US" sz="1200" dirty="0" smtClean="0"/>
+              <a:rPr lang="zh-CN" altLang="en-US" sz="1200" dirty="0"/>
               <a:t>费用（</a:t>
             </a:r>
             <a:r>
-              <a:rPr lang="en-US" altLang="zh-CN" sz="1200" dirty="0" smtClean="0"/>
+              <a:rPr lang="en-US" altLang="zh-CN" sz="1200" dirty="0"/>
               <a:t>/</a:t>
             </a:r>
             <a:r>
-              <a:rPr lang="zh-CN" altLang="en-US" sz="1200" dirty="0" smtClean="0"/>
+              <a:rPr lang="zh-CN" altLang="en-US" sz="1200" dirty="0"/>
               <a:t>小时）</a:t>
             </a:r>
-            <a:endParaRPr lang="zh-CN" altLang="en-US" sz="1200" dirty="0"/>
           </a:p>
         </p:txBody>
       </p:sp>
@@ -7342,10 +7423,9 @@
           <a:p>
             <a:pPr algn="ctr"/>
             <a:r>
-              <a:rPr lang="zh-CN" altLang="en-US" sz="1200" dirty="0" smtClean="0"/>
+              <a:rPr lang="zh-CN" altLang="en-US" sz="1200" dirty="0"/>
               <a:t>场地电话</a:t>
             </a:r>
-            <a:endParaRPr lang="zh-CN" altLang="en-US" sz="1200" dirty="0"/>
           </a:p>
         </p:txBody>
       </p:sp>
@@ -7386,10 +7466,9 @@
           <a:p>
             <a:pPr algn="ctr"/>
             <a:r>
-              <a:rPr lang="zh-CN" altLang="en-US" sz="1200" dirty="0" smtClean="0"/>
+              <a:rPr lang="zh-CN" altLang="en-US" sz="1200" dirty="0"/>
               <a:t>是否会员</a:t>
             </a:r>
-            <a:endParaRPr lang="zh-CN" altLang="en-US" sz="1200" dirty="0"/>
           </a:p>
         </p:txBody>
       </p:sp>
@@ -7430,10 +7509,9 @@
           <a:p>
             <a:pPr algn="ctr"/>
             <a:r>
-              <a:rPr lang="zh-CN" altLang="en-US" sz="1200" dirty="0" smtClean="0"/>
+              <a:rPr lang="zh-CN" altLang="en-US" sz="1200" dirty="0"/>
               <a:t>会员卡余额</a:t>
             </a:r>
-            <a:endParaRPr lang="zh-CN" altLang="en-US" sz="1200" dirty="0"/>
           </a:p>
         </p:txBody>
       </p:sp>
@@ -7474,10 +7552,10 @@
           <a:p>
             <a:pPr algn="ctr"/>
             <a:r>
-              <a:rPr lang="zh-CN" altLang="en-US" sz="1200" dirty="0" smtClean="0"/>
+              <a:rPr lang="zh-CN" altLang="en-US" sz="1200" dirty="0"/>
               <a:t>充值记录</a:t>
             </a:r>
-            <a:endParaRPr lang="en-US" altLang="zh-CN" sz="1200" dirty="0" smtClean="0"/>
+            <a:endParaRPr lang="en-US" altLang="zh-CN" sz="1200" dirty="0"/>
           </a:p>
         </p:txBody>
       </p:sp>
@@ -7518,10 +7596,10 @@
           <a:p>
             <a:pPr algn="ctr"/>
             <a:r>
-              <a:rPr lang="zh-CN" altLang="en-US" sz="1200" dirty="0" smtClean="0"/>
+              <a:rPr lang="zh-CN" altLang="en-US" sz="1200" dirty="0"/>
               <a:t>消费记录</a:t>
             </a:r>
-            <a:endParaRPr lang="en-US" altLang="zh-CN" sz="1200" dirty="0" smtClean="0"/>
+            <a:endParaRPr lang="en-US" altLang="zh-CN" sz="1200" dirty="0"/>
           </a:p>
         </p:txBody>
       </p:sp>
@@ -7562,10 +7640,9 @@
           <a:p>
             <a:pPr algn="ctr"/>
             <a:r>
-              <a:rPr lang="zh-CN" altLang="en-US" sz="1400" dirty="0" smtClean="0"/>
+              <a:rPr lang="zh-CN" altLang="en-US" sz="1400" dirty="0"/>
               <a:t>费用报表</a:t>
             </a:r>
-            <a:endParaRPr lang="zh-CN" altLang="en-US" sz="1400" dirty="0"/>
           </a:p>
         </p:txBody>
       </p:sp>
@@ -7620,10 +7697,9 @@
           <a:lstStyle/>
           <a:p>
             <a:r>
-              <a:rPr lang="zh-CN" altLang="en-US" dirty="0" smtClean="0"/>
+              <a:rPr lang="zh-CN" altLang="en-US" dirty="0"/>
               <a:t>用户</a:t>
             </a:r>
-            <a:endParaRPr lang="zh-CN" altLang="en-US" dirty="0"/>
           </a:p>
         </p:txBody>
       </p:sp>
@@ -7704,18 +7780,17 @@
           <a:p>
             <a:pPr algn="ctr"/>
             <a:r>
-              <a:rPr lang="zh-CN" altLang="en-US" sz="800" dirty="0" smtClean="0"/>
+              <a:rPr lang="zh-CN" altLang="en-US" sz="800" dirty="0"/>
               <a:t>退出</a:t>
             </a:r>
             <a:r>
-              <a:rPr lang="en-US" altLang="zh-CN" sz="800" dirty="0" smtClean="0"/>
+              <a:rPr lang="en-US" altLang="zh-CN" sz="800" dirty="0"/>
               <a:t>/</a:t>
             </a:r>
             <a:r>
-              <a:rPr lang="zh-CN" altLang="en-US" sz="800" dirty="0" smtClean="0"/>
+              <a:rPr lang="zh-CN" altLang="en-US" sz="800" dirty="0"/>
               <a:t>登录</a:t>
             </a:r>
-            <a:endParaRPr lang="zh-CN" altLang="en-US" sz="800" dirty="0"/>
           </a:p>
         </p:txBody>
       </p:sp>
@@ -7756,10 +7831,9 @@
           <a:p>
             <a:pPr algn="ctr"/>
             <a:r>
-              <a:rPr lang="zh-CN" altLang="en-US" sz="800" dirty="0" smtClean="0"/>
+              <a:rPr lang="zh-CN" altLang="en-US" sz="800" dirty="0"/>
               <a:t>切换语言</a:t>
             </a:r>
-            <a:endParaRPr lang="zh-CN" altLang="en-US" sz="800" dirty="0"/>
           </a:p>
         </p:txBody>
       </p:sp>
@@ -7800,10 +7874,9 @@
           <a:p>
             <a:pPr algn="ctr"/>
             <a:r>
-              <a:rPr lang="zh-CN" altLang="en-US" sz="800" dirty="0" smtClean="0"/>
+              <a:rPr lang="zh-CN" altLang="en-US" sz="800" dirty="0"/>
               <a:t>个人信息</a:t>
             </a:r>
-            <a:endParaRPr lang="zh-CN" altLang="en-US" sz="800" dirty="0"/>
           </a:p>
         </p:txBody>
       </p:sp>
@@ -7844,10 +7917,9 @@
           <a:p>
             <a:pPr algn="ctr"/>
             <a:r>
-              <a:rPr lang="zh-CN" altLang="en-US" sz="1400" dirty="0" smtClean="0"/>
+              <a:rPr lang="zh-CN" altLang="en-US" sz="1400" dirty="0"/>
               <a:t>报名</a:t>
             </a:r>
-            <a:endParaRPr lang="zh-CN" altLang="en-US" sz="1400" dirty="0"/>
           </a:p>
         </p:txBody>
       </p:sp>
@@ -7888,18 +7960,13 @@
           <a:p>
             <a:pPr algn="ctr"/>
             <a:r>
-              <a:rPr lang="zh-CN" altLang="en-US" sz="1400" dirty="0" smtClean="0">
+              <a:rPr lang="zh-CN" altLang="en-US" sz="1400" dirty="0">
                 <a:solidFill>
                   <a:schemeClr val="bg1"/>
                 </a:solidFill>
               </a:rPr>
               <a:t>场地管理</a:t>
             </a:r>
-            <a:endParaRPr lang="zh-CN" altLang="en-US" sz="1400" dirty="0">
-              <a:solidFill>
-                <a:schemeClr val="bg1"/>
-              </a:solidFill>
-            </a:endParaRPr>
           </a:p>
         </p:txBody>
       </p:sp>
@@ -7940,18 +8007,13 @@
           <a:p>
             <a:pPr algn="ctr"/>
             <a:r>
-              <a:rPr lang="zh-CN" altLang="en-US" sz="1400" b="1" dirty="0" smtClean="0">
+              <a:rPr lang="zh-CN" altLang="en-US" sz="1400" b="1" dirty="0">
                 <a:solidFill>
                   <a:srgbClr val="FF0000"/>
                 </a:solidFill>
               </a:rPr>
               <a:t>用户管理</a:t>
             </a:r>
-            <a:endParaRPr lang="zh-CN" altLang="en-US" sz="1400" b="1" dirty="0">
-              <a:solidFill>
-                <a:srgbClr val="FF0000"/>
-              </a:solidFill>
-            </a:endParaRPr>
           </a:p>
         </p:txBody>
       </p:sp>
@@ -8032,11 +8094,11 @@
           <a:p>
             <a:pPr algn="ctr"/>
             <a:r>
-              <a:rPr lang="zh-CN" altLang="en-US" sz="1200" dirty="0" smtClean="0"/>
+              <a:rPr lang="zh-CN" altLang="en-US" sz="1200" dirty="0"/>
               <a:t>用户</a:t>
             </a:r>
             <a:r>
-              <a:rPr lang="en-US" altLang="zh-CN" sz="1200" dirty="0" smtClean="0"/>
+              <a:rPr lang="en-US" altLang="zh-CN" sz="1200" dirty="0"/>
               <a:t>ID	</a:t>
             </a:r>
             <a:endParaRPr lang="zh-CN" altLang="en-US" sz="1200" dirty="0"/>
@@ -8080,10 +8142,9 @@
           <a:p>
             <a:pPr algn="ctr"/>
             <a:r>
-              <a:rPr lang="zh-CN" altLang="en-US" sz="1200" dirty="0" smtClean="0"/>
+              <a:rPr lang="zh-CN" altLang="en-US" sz="1200" dirty="0"/>
               <a:t>用户姓名</a:t>
             </a:r>
-            <a:endParaRPr lang="zh-CN" altLang="en-US" sz="1200" dirty="0"/>
           </a:p>
         </p:txBody>
       </p:sp>
@@ -8124,10 +8185,9 @@
           <a:p>
             <a:pPr algn="ctr"/>
             <a:r>
-              <a:rPr lang="zh-CN" altLang="en-US" sz="1200" dirty="0" smtClean="0"/>
+              <a:rPr lang="zh-CN" altLang="en-US" sz="1200" dirty="0"/>
               <a:t>密码</a:t>
             </a:r>
-            <a:endParaRPr lang="zh-CN" altLang="en-US" sz="1200" dirty="0"/>
           </a:p>
         </p:txBody>
       </p:sp>
@@ -8168,10 +8228,9 @@
           <a:p>
             <a:pPr algn="ctr"/>
             <a:r>
-              <a:rPr lang="zh-CN" altLang="en-US" sz="1200" dirty="0" smtClean="0"/>
+              <a:rPr lang="zh-CN" altLang="en-US" sz="1200" dirty="0"/>
               <a:t>电话信息</a:t>
             </a:r>
-            <a:endParaRPr lang="zh-CN" altLang="en-US" sz="1200" dirty="0"/>
           </a:p>
         </p:txBody>
       </p:sp>
@@ -8212,10 +8271,9 @@
           <a:p>
             <a:pPr algn="ctr"/>
             <a:r>
-              <a:rPr lang="zh-CN" altLang="en-US" sz="1200" dirty="0" smtClean="0"/>
+              <a:rPr lang="zh-CN" altLang="en-US" sz="1200" dirty="0"/>
               <a:t>消费记录</a:t>
             </a:r>
-            <a:endParaRPr lang="zh-CN" altLang="en-US" sz="1200" dirty="0"/>
           </a:p>
         </p:txBody>
       </p:sp>
@@ -8256,10 +8314,9 @@
           <a:p>
             <a:pPr algn="ctr"/>
             <a:r>
-              <a:rPr lang="zh-CN" altLang="en-US" sz="1200" dirty="0" smtClean="0"/>
+              <a:rPr lang="zh-CN" altLang="en-US" sz="1200" dirty="0"/>
               <a:t>充值记录</a:t>
             </a:r>
-            <a:endParaRPr lang="zh-CN" altLang="en-US" sz="1200" dirty="0"/>
           </a:p>
         </p:txBody>
       </p:sp>
@@ -8300,10 +8357,10 @@
           <a:p>
             <a:pPr algn="ctr"/>
             <a:r>
-              <a:rPr lang="zh-CN" altLang="en-US" sz="1200" dirty="0" smtClean="0"/>
+              <a:rPr lang="zh-CN" altLang="en-US" sz="1200" dirty="0"/>
               <a:t>活动记录</a:t>
             </a:r>
-            <a:endParaRPr lang="en-US" altLang="zh-CN" sz="1200" dirty="0" smtClean="0"/>
+            <a:endParaRPr lang="en-US" altLang="zh-CN" sz="1200" dirty="0"/>
           </a:p>
         </p:txBody>
       </p:sp>
@@ -8344,10 +8401,10 @@
           <a:p>
             <a:pPr algn="ctr"/>
             <a:r>
-              <a:rPr lang="zh-CN" altLang="en-US" sz="1200" dirty="0" smtClean="0"/>
+              <a:rPr lang="zh-CN" altLang="en-US" sz="1200" dirty="0"/>
               <a:t>权限信息</a:t>
             </a:r>
-            <a:endParaRPr lang="en-US" altLang="zh-CN" sz="1200" dirty="0" smtClean="0"/>
+            <a:endParaRPr lang="en-US" altLang="zh-CN" sz="1200" dirty="0"/>
           </a:p>
         </p:txBody>
       </p:sp>
@@ -8388,26 +8445,25 @@
           <a:p>
             <a:pPr algn="ctr"/>
             <a:r>
-              <a:rPr lang="zh-CN" altLang="en-US" dirty="0" smtClean="0"/>
+              <a:rPr lang="zh-CN" altLang="en-US" dirty="0"/>
               <a:t>新增</a:t>
             </a:r>
             <a:r>
-              <a:rPr lang="en-US" altLang="zh-CN" dirty="0" smtClean="0"/>
+              <a:rPr lang="en-US" altLang="zh-CN" dirty="0"/>
               <a:t>/</a:t>
             </a:r>
             <a:r>
-              <a:rPr lang="zh-CN" altLang="en-US" dirty="0" smtClean="0"/>
+              <a:rPr lang="zh-CN" altLang="en-US" dirty="0"/>
               <a:t>删除</a:t>
             </a:r>
             <a:r>
-              <a:rPr lang="en-US" altLang="zh-CN" dirty="0" smtClean="0"/>
+              <a:rPr lang="en-US" altLang="zh-CN" dirty="0"/>
               <a:t>/</a:t>
             </a:r>
             <a:r>
-              <a:rPr lang="zh-CN" altLang="en-US" dirty="0" smtClean="0"/>
+              <a:rPr lang="zh-CN" altLang="en-US" dirty="0"/>
               <a:t>修改</a:t>
             </a:r>
-            <a:endParaRPr lang="zh-CN" altLang="en-US" dirty="0"/>
           </a:p>
         </p:txBody>
       </p:sp>
@@ -8448,10 +8504,10 @@
           <a:p>
             <a:pPr algn="ctr"/>
             <a:r>
-              <a:rPr lang="zh-CN" altLang="en-US" sz="1200" dirty="0" smtClean="0"/>
+              <a:rPr lang="zh-CN" altLang="en-US" sz="1200" dirty="0"/>
               <a:t>头像</a:t>
             </a:r>
-            <a:endParaRPr lang="en-US" altLang="zh-CN" sz="1200" dirty="0" smtClean="0"/>
+            <a:endParaRPr lang="en-US" altLang="zh-CN" sz="1200" dirty="0"/>
           </a:p>
         </p:txBody>
       </p:sp>
@@ -8478,10 +8534,9 @@
           <a:lstStyle/>
           <a:p>
             <a:r>
-              <a:rPr lang="zh-CN" altLang="en-US" dirty="0" smtClean="0"/>
+              <a:rPr lang="zh-CN" altLang="en-US" dirty="0"/>
               <a:t>只区分普通用户和管理员</a:t>
             </a:r>
-            <a:endParaRPr lang="zh-CN" altLang="en-US" dirty="0"/>
           </a:p>
         </p:txBody>
       </p:sp>
@@ -8522,10 +8577,58 @@
           <a:p>
             <a:pPr algn="ctr"/>
             <a:r>
-              <a:rPr lang="zh-CN" altLang="en-US" sz="1400" dirty="0" smtClean="0"/>
+              <a:rPr lang="zh-CN" altLang="en-US" sz="1400" dirty="0"/>
               <a:t>费用报表</a:t>
             </a:r>
-            <a:endParaRPr lang="zh-CN" altLang="en-US" sz="1400" dirty="0"/>
+          </a:p>
+        </p:txBody>
+      </p:sp>
+      <p:sp>
+        <p:nvSpPr>
+          <p:cNvPr id="23" name="矩形 22">
+            <a:extLst>
+              <a:ext uri="{FF2B5EF4-FFF2-40B4-BE49-F238E27FC236}">
+                <a16:creationId xmlns:a16="http://schemas.microsoft.com/office/drawing/2014/main" id="{705CDDF3-62D4-411E-9AC4-7DA47F70C8A7}"/>
+              </a:ext>
+            </a:extLst>
+          </p:cNvPr>
+          <p:cNvSpPr/>
+          <p:nvPr/>
+        </p:nvSpPr>
+        <p:spPr>
+          <a:xfrm>
+            <a:off x="4738832" y="3292764"/>
+            <a:ext cx="977899" cy="295560"/>
+          </a:xfrm>
+          <a:prstGeom prst="rect">
+            <a:avLst/>
+          </a:prstGeom>
+        </p:spPr>
+        <p:style>
+          <a:lnRef idx="2">
+            <a:schemeClr val="accent1">
+              <a:shade val="50000"/>
+            </a:schemeClr>
+          </a:lnRef>
+          <a:fillRef idx="1">
+            <a:schemeClr val="accent1"/>
+          </a:fillRef>
+          <a:effectRef idx="0">
+            <a:schemeClr val="accent1"/>
+          </a:effectRef>
+          <a:fontRef idx="minor">
+            <a:schemeClr val="lt1"/>
+          </a:fontRef>
+        </p:style>
+        <p:txBody>
+          <a:bodyPr rtlCol="0" anchor="ctr"/>
+          <a:lstStyle/>
+          <a:p>
+            <a:pPr algn="ctr"/>
+            <a:r>
+              <a:rPr lang="zh-CN" altLang="en-US" sz="1200" dirty="0"/>
+              <a:t>余额</a:t>
+            </a:r>
           </a:p>
         </p:txBody>
       </p:sp>
@@ -8580,10 +8683,9 @@
           <a:lstStyle/>
           <a:p>
             <a:r>
-              <a:rPr lang="zh-CN" altLang="en-US" dirty="0" smtClean="0"/>
+              <a:rPr lang="zh-CN" altLang="en-US" dirty="0"/>
               <a:t>用户</a:t>
             </a:r>
-            <a:endParaRPr lang="zh-CN" altLang="en-US" dirty="0"/>
           </a:p>
         </p:txBody>
       </p:sp>
@@ -8664,18 +8766,17 @@
           <a:p>
             <a:pPr algn="ctr"/>
             <a:r>
-              <a:rPr lang="zh-CN" altLang="en-US" sz="800" dirty="0" smtClean="0"/>
+              <a:rPr lang="zh-CN" altLang="en-US" sz="800" dirty="0"/>
               <a:t>退出</a:t>
             </a:r>
             <a:r>
-              <a:rPr lang="en-US" altLang="zh-CN" sz="800" dirty="0" smtClean="0"/>
+              <a:rPr lang="en-US" altLang="zh-CN" sz="800" dirty="0"/>
               <a:t>/</a:t>
             </a:r>
             <a:r>
-              <a:rPr lang="zh-CN" altLang="en-US" sz="800" dirty="0" smtClean="0"/>
+              <a:rPr lang="zh-CN" altLang="en-US" sz="800" dirty="0"/>
               <a:t>登录</a:t>
             </a:r>
-            <a:endParaRPr lang="zh-CN" altLang="en-US" sz="800" dirty="0"/>
           </a:p>
         </p:txBody>
       </p:sp>
@@ -8716,10 +8817,9 @@
           <a:p>
             <a:pPr algn="ctr"/>
             <a:r>
-              <a:rPr lang="zh-CN" altLang="en-US" sz="800" dirty="0" smtClean="0"/>
+              <a:rPr lang="zh-CN" altLang="en-US" sz="800" dirty="0"/>
               <a:t>切换语言</a:t>
             </a:r>
-            <a:endParaRPr lang="zh-CN" altLang="en-US" sz="800" dirty="0"/>
           </a:p>
         </p:txBody>
       </p:sp>
@@ -8760,10 +8860,9 @@
           <a:p>
             <a:pPr algn="ctr"/>
             <a:r>
-              <a:rPr lang="zh-CN" altLang="en-US" sz="800" dirty="0" smtClean="0"/>
+              <a:rPr lang="zh-CN" altLang="en-US" sz="800" dirty="0"/>
               <a:t>个人信息</a:t>
             </a:r>
-            <a:endParaRPr lang="zh-CN" altLang="en-US" sz="800" dirty="0"/>
           </a:p>
         </p:txBody>
       </p:sp>
@@ -8804,10 +8903,9 @@
           <a:p>
             <a:pPr algn="ctr"/>
             <a:r>
-              <a:rPr lang="zh-CN" altLang="en-US" sz="1400" dirty="0" smtClean="0"/>
+              <a:rPr lang="zh-CN" altLang="en-US" sz="1400" dirty="0"/>
               <a:t>报名</a:t>
             </a:r>
-            <a:endParaRPr lang="zh-CN" altLang="en-US" sz="1400" dirty="0"/>
           </a:p>
         </p:txBody>
       </p:sp>
@@ -8848,18 +8946,13 @@
           <a:p>
             <a:pPr algn="ctr"/>
             <a:r>
-              <a:rPr lang="zh-CN" altLang="en-US" sz="1400" dirty="0" smtClean="0">
+              <a:rPr lang="zh-CN" altLang="en-US" sz="1400" dirty="0">
                 <a:solidFill>
                   <a:schemeClr val="bg1"/>
                 </a:solidFill>
               </a:rPr>
               <a:t>场地管理</a:t>
             </a:r>
-            <a:endParaRPr lang="zh-CN" altLang="en-US" sz="1400" dirty="0">
-              <a:solidFill>
-                <a:schemeClr val="bg1"/>
-              </a:solidFill>
-            </a:endParaRPr>
           </a:p>
         </p:txBody>
       </p:sp>
@@ -8900,18 +8993,13 @@
           <a:p>
             <a:pPr algn="ctr"/>
             <a:r>
-              <a:rPr lang="zh-CN" altLang="en-US" sz="1400" dirty="0" smtClean="0">
+              <a:rPr lang="zh-CN" altLang="en-US" sz="1400" dirty="0">
                 <a:solidFill>
                   <a:schemeClr val="bg1"/>
                 </a:solidFill>
               </a:rPr>
               <a:t>用户管理</a:t>
             </a:r>
-            <a:endParaRPr lang="zh-CN" altLang="en-US" sz="1400" dirty="0">
-              <a:solidFill>
-                <a:schemeClr val="bg1"/>
-              </a:solidFill>
-            </a:endParaRPr>
           </a:p>
         </p:txBody>
       </p:sp>
@@ -8923,7 +9011,7 @@
         </p:nvSpPr>
         <p:spPr>
           <a:xfrm>
-            <a:off x="1903846" y="2253672"/>
+            <a:off x="1902691" y="2253672"/>
             <a:ext cx="5504180" cy="3731491"/>
           </a:xfrm>
           <a:prstGeom prst="rect">
@@ -8963,8 +9051,8 @@
         </p:nvSpPr>
         <p:spPr>
           <a:xfrm>
-            <a:off x="2244435" y="2798618"/>
-            <a:ext cx="738909" cy="295557"/>
+            <a:off x="2244436" y="2798618"/>
+            <a:ext cx="977899" cy="295560"/>
           </a:xfrm>
           <a:prstGeom prst="rect">
             <a:avLst/>
@@ -8992,14 +9080,9 @@
           <a:p>
             <a:pPr algn="ctr"/>
             <a:r>
-              <a:rPr lang="zh-CN" altLang="en-US" sz="1200" dirty="0" smtClean="0"/>
-              <a:t>用户</a:t>
-            </a:r>
-            <a:r>
-              <a:rPr lang="en-US" altLang="zh-CN" sz="1200" dirty="0" smtClean="0"/>
-              <a:t>	</a:t>
-            </a:r>
-            <a:endParaRPr lang="zh-CN" altLang="en-US" sz="1200" dirty="0"/>
+              <a:rPr lang="zh-CN" altLang="en-US" sz="1200" dirty="0"/>
+              <a:t>活动时间</a:t>
+            </a:r>
           </a:p>
         </p:txBody>
       </p:sp>
@@ -9011,8 +9094,8 @@
         </p:nvSpPr>
         <p:spPr>
           <a:xfrm>
-            <a:off x="3232726" y="2770903"/>
-            <a:ext cx="840510" cy="360158"/>
+            <a:off x="3471717" y="2770906"/>
+            <a:ext cx="822037" cy="350984"/>
           </a:xfrm>
           <a:prstGeom prst="rect">
             <a:avLst/>
@@ -9040,23 +9123,22 @@
           <a:p>
             <a:pPr algn="ctr"/>
             <a:r>
-              <a:rPr lang="zh-CN" altLang="en-US" sz="1200" dirty="0" smtClean="0"/>
-              <a:t>充值总额</a:t>
-            </a:r>
-            <a:endParaRPr lang="zh-CN" altLang="en-US" sz="1200" dirty="0"/>
-          </a:p>
-        </p:txBody>
-      </p:sp>
-      <p:sp>
-        <p:nvSpPr>
-          <p:cNvPr id="15" name="矩形 14"/>
+              <a:rPr lang="zh-CN" altLang="en-US" sz="1200" dirty="0"/>
+              <a:t>活动地点</a:t>
+            </a:r>
+          </a:p>
+        </p:txBody>
+      </p:sp>
+      <p:sp>
+        <p:nvSpPr>
+          <p:cNvPr id="14" name="矩形 13"/>
           <p:cNvSpPr/>
           <p:nvPr/>
         </p:nvSpPr>
         <p:spPr>
           <a:xfrm>
-            <a:off x="5461692" y="2770903"/>
-            <a:ext cx="799292" cy="323272"/>
+            <a:off x="4633344" y="2770903"/>
+            <a:ext cx="822037" cy="323275"/>
           </a:xfrm>
           <a:prstGeom prst="rect">
             <a:avLst/>
@@ -9084,23 +9166,22 @@
           <a:p>
             <a:pPr algn="ctr"/>
             <a:r>
-              <a:rPr lang="zh-CN" altLang="en-US" sz="1200" dirty="0" smtClean="0"/>
-              <a:t>综合费用</a:t>
-            </a:r>
-            <a:endParaRPr lang="zh-CN" altLang="en-US" sz="1200" dirty="0"/>
-          </a:p>
-        </p:txBody>
-      </p:sp>
-      <p:sp>
-        <p:nvSpPr>
-          <p:cNvPr id="16" name="矩形 15"/>
+              <a:rPr lang="zh-CN" altLang="en-US" sz="1200" dirty="0"/>
+              <a:t>参与人数</a:t>
+            </a:r>
+          </a:p>
+        </p:txBody>
+      </p:sp>
+      <p:sp>
+        <p:nvSpPr>
+          <p:cNvPr id="15" name="矩形 14"/>
           <p:cNvSpPr/>
           <p:nvPr/>
         </p:nvSpPr>
         <p:spPr>
           <a:xfrm>
-            <a:off x="4652584" y="3292764"/>
-            <a:ext cx="977899" cy="295560"/>
+            <a:off x="5818717" y="2757117"/>
+            <a:ext cx="799292" cy="323272"/>
           </a:xfrm>
           <a:prstGeom prst="rect">
             <a:avLst/>
@@ -9128,22 +9209,21 @@
           <a:p>
             <a:pPr algn="ctr"/>
             <a:r>
-              <a:rPr lang="zh-CN" altLang="en-US" sz="1200" dirty="0" smtClean="0"/>
-              <a:t>消费记录</a:t>
-            </a:r>
-            <a:endParaRPr lang="zh-CN" altLang="en-US" sz="1200" dirty="0"/>
-          </a:p>
-        </p:txBody>
-      </p:sp>
-      <p:sp>
-        <p:nvSpPr>
-          <p:cNvPr id="17" name="矩形 16"/>
+              <a:rPr lang="zh-CN" altLang="en-US" sz="1200" dirty="0"/>
+              <a:t>参与人员</a:t>
+            </a:r>
+          </a:p>
+        </p:txBody>
+      </p:sp>
+      <p:sp>
+        <p:nvSpPr>
+          <p:cNvPr id="16" name="矩形 15"/>
           <p:cNvSpPr/>
           <p:nvPr/>
         </p:nvSpPr>
         <p:spPr>
           <a:xfrm>
-            <a:off x="3425303" y="3292764"/>
+            <a:off x="2244436" y="3292764"/>
             <a:ext cx="977899" cy="295560"/>
           </a:xfrm>
           <a:prstGeom prst="rect">
@@ -9172,22 +9252,21 @@
           <a:p>
             <a:pPr algn="ctr"/>
             <a:r>
-              <a:rPr lang="zh-CN" altLang="en-US" sz="1200" dirty="0" smtClean="0"/>
-              <a:t>充值记录</a:t>
-            </a:r>
-            <a:endParaRPr lang="zh-CN" altLang="en-US" sz="1200" dirty="0"/>
-          </a:p>
-        </p:txBody>
-      </p:sp>
-      <p:sp>
-        <p:nvSpPr>
-          <p:cNvPr id="18" name="矩形 17"/>
+              <a:rPr lang="zh-CN" altLang="en-US" sz="1200" dirty="0"/>
+              <a:t>消费总额</a:t>
+            </a:r>
+          </a:p>
+        </p:txBody>
+      </p:sp>
+      <p:sp>
+        <p:nvSpPr>
+          <p:cNvPr id="17" name="矩形 16"/>
           <p:cNvSpPr/>
           <p:nvPr/>
         </p:nvSpPr>
         <p:spPr>
           <a:xfrm>
-            <a:off x="3442849" y="4221075"/>
+            <a:off x="3425303" y="3292764"/>
             <a:ext cx="977899" cy="295560"/>
           </a:xfrm>
           <a:prstGeom prst="rect">
@@ -9216,23 +9295,51 @@
           <a:p>
             <a:pPr algn="ctr"/>
             <a:r>
-              <a:rPr lang="zh-CN" altLang="en-US" sz="1200" dirty="0" smtClean="0"/>
-              <a:t>活动场地</a:t>
-            </a:r>
-            <a:endParaRPr lang="en-US" altLang="zh-CN" sz="1200" dirty="0" smtClean="0"/>
-          </a:p>
-        </p:txBody>
-      </p:sp>
-      <p:sp>
-        <p:nvSpPr>
-          <p:cNvPr id="19" name="矩形 18"/>
+              <a:rPr lang="zh-CN" altLang="en-US" sz="1200" dirty="0"/>
+              <a:t>人均费用</a:t>
+            </a:r>
+          </a:p>
+        </p:txBody>
+      </p:sp>
+      <p:sp>
+        <p:nvSpPr>
+          <p:cNvPr id="21" name="文本框 20"/>
+          <p:cNvSpPr txBox="1"/>
+          <p:nvPr/>
+        </p:nvSpPr>
+        <p:spPr>
+          <a:xfrm>
+            <a:off x="3222334" y="4193367"/>
+            <a:ext cx="2723823" cy="369332"/>
+          </a:xfrm>
+          <a:prstGeom prst="rect">
+            <a:avLst/>
+          </a:prstGeom>
+          <a:noFill/>
+        </p:spPr>
+        <p:txBody>
+          <a:bodyPr wrap="none" rtlCol="0">
+            <a:spAutoFit/>
+          </a:bodyPr>
+          <a:lstStyle/>
+          <a:p>
+            <a:r>
+              <a:rPr lang="zh-CN" altLang="en-US" dirty="0"/>
+              <a:t>只区分普通用户和管理员</a:t>
+            </a:r>
+          </a:p>
+        </p:txBody>
+      </p:sp>
+      <p:sp>
+        <p:nvSpPr>
+          <p:cNvPr id="22" name="矩形 21"/>
           <p:cNvSpPr/>
           <p:nvPr/>
         </p:nvSpPr>
         <p:spPr>
           <a:xfrm>
-            <a:off x="2244435" y="4230253"/>
-            <a:ext cx="977899" cy="295560"/>
+            <a:off x="677331" y="4205488"/>
+            <a:ext cx="975975" cy="452582"/>
           </a:xfrm>
           <a:prstGeom prst="rect">
             <a:avLst/>
@@ -9260,23 +9367,83 @@
           <a:p>
             <a:pPr algn="ctr"/>
             <a:r>
-              <a:rPr lang="zh-CN" altLang="en-US" sz="1200" dirty="0" smtClean="0"/>
-              <a:t>活动时间</a:t>
-            </a:r>
-            <a:endParaRPr lang="en-US" altLang="zh-CN" sz="1200" dirty="0" smtClean="0"/>
-          </a:p>
-        </p:txBody>
-      </p:sp>
-      <p:sp>
-        <p:nvSpPr>
-          <p:cNvPr id="20" name="矩形 19"/>
+              <a:rPr lang="zh-CN" altLang="en-US" sz="1400" b="1" dirty="0">
+                <a:solidFill>
+                  <a:srgbClr val="FF0000"/>
+                </a:solidFill>
+              </a:rPr>
+              <a:t>活动列表</a:t>
+            </a:r>
+          </a:p>
+        </p:txBody>
+      </p:sp>
+    </p:spTree>
+    <p:extLst>
+      <p:ext uri="{BB962C8B-B14F-4D97-AF65-F5344CB8AC3E}">
+        <p14:creationId xmlns:p14="http://schemas.microsoft.com/office/powerpoint/2010/main" val="3176228848"/>
+      </p:ext>
+    </p:extLst>
+  </p:cSld>
+  <p:clrMapOvr>
+    <a:masterClrMapping/>
+  </p:clrMapOvr>
+</p:sld>
+</file>
+
+<file path=ppt/slides/slide8.xml><?xml version="1.0" encoding="utf-8"?>
+<p:sld xmlns:a="http://schemas.openxmlformats.org/drawingml/2006/main" xmlns:r="http://schemas.openxmlformats.org/officeDocument/2006/relationships" xmlns:p="http://schemas.openxmlformats.org/presentationml/2006/main">
+  <p:cSld>
+    <p:spTree>
+      <p:nvGrpSpPr>
+        <p:cNvPr id="1" name=""/>
+        <p:cNvGrpSpPr/>
+        <p:nvPr/>
+      </p:nvGrpSpPr>
+      <p:grpSpPr>
+        <a:xfrm>
+          <a:off x="0" y="0"/>
+          <a:ext cx="0" cy="0"/>
+          <a:chOff x="0" y="0"/>
+          <a:chExt cx="0" cy="0"/>
+        </a:xfrm>
+      </p:grpSpPr>
+      <p:sp>
+        <p:nvSpPr>
+          <p:cNvPr id="2" name="标题 1"/>
+          <p:cNvSpPr>
+            <a:spLocks noGrp="1"/>
+          </p:cNvSpPr>
+          <p:nvPr>
+            <p:ph type="title"/>
+          </p:nvPr>
+        </p:nvSpPr>
+        <p:spPr>
+          <a:xfrm>
+            <a:off x="677334" y="609600"/>
+            <a:ext cx="8596668" cy="822036"/>
+          </a:xfrm>
+        </p:spPr>
+        <p:txBody>
+          <a:bodyPr/>
+          <a:lstStyle/>
+          <a:p>
+            <a:r>
+              <a:rPr lang="zh-CN" altLang="en-US" dirty="0"/>
+              <a:t>用户</a:t>
+            </a:r>
+          </a:p>
+        </p:txBody>
+      </p:sp>
+      <p:sp>
+        <p:nvSpPr>
+          <p:cNvPr id="5" name="矩形 4"/>
           <p:cNvSpPr/>
           <p:nvPr/>
         </p:nvSpPr>
         <p:spPr>
           <a:xfrm>
-            <a:off x="4552370" y="4221075"/>
-            <a:ext cx="977899" cy="295560"/>
+            <a:off x="572655" y="1431636"/>
+            <a:ext cx="7924800" cy="5357091"/>
           </a:xfrm>
           <a:prstGeom prst="rect">
             <a:avLst/>
@@ -9303,54 +9470,20 @@
           <a:lstStyle/>
           <a:p>
             <a:pPr algn="ctr"/>
-            <a:r>
-              <a:rPr lang="zh-CN" altLang="en-US" sz="1200" dirty="0" smtClean="0"/>
-              <a:t>总人数</a:t>
-            </a:r>
-            <a:endParaRPr lang="en-US" altLang="zh-CN" sz="1200" dirty="0" smtClean="0"/>
-          </a:p>
-        </p:txBody>
-      </p:sp>
-      <p:sp>
-        <p:nvSpPr>
-          <p:cNvPr id="21" name="文本框 20"/>
-          <p:cNvSpPr txBox="1"/>
-          <p:nvPr/>
-        </p:nvSpPr>
-        <p:spPr>
-          <a:xfrm>
-            <a:off x="5646412" y="3242024"/>
-            <a:ext cx="2723823" cy="369332"/>
-          </a:xfrm>
-          <a:prstGeom prst="rect">
-            <a:avLst/>
-          </a:prstGeom>
-          <a:noFill/>
-        </p:spPr>
-        <p:txBody>
-          <a:bodyPr wrap="none" rtlCol="0">
-            <a:spAutoFit/>
-          </a:bodyPr>
-          <a:lstStyle/>
-          <a:p>
-            <a:r>
-              <a:rPr lang="zh-CN" altLang="en-US" dirty="0" smtClean="0"/>
-              <a:t>按钮，根据时间显示详细</a:t>
-            </a:r>
             <a:endParaRPr lang="zh-CN" altLang="en-US" dirty="0"/>
           </a:p>
         </p:txBody>
       </p:sp>
       <p:sp>
         <p:nvSpPr>
-          <p:cNvPr id="22" name="矩形 21"/>
+          <p:cNvPr id="3" name="矩形 2"/>
           <p:cNvSpPr/>
           <p:nvPr/>
         </p:nvSpPr>
         <p:spPr>
           <a:xfrm>
-            <a:off x="677333" y="4264889"/>
-            <a:ext cx="975975" cy="452582"/>
+            <a:off x="7481454" y="1551710"/>
+            <a:ext cx="701964" cy="267854"/>
           </a:xfrm>
           <a:prstGeom prst="rect">
             <a:avLst/>
@@ -9378,31 +9511,30 @@
           <a:p>
             <a:pPr algn="ctr"/>
             <a:r>
-              <a:rPr lang="zh-CN" altLang="en-US" sz="1400" b="1" dirty="0" smtClean="0">
-                <a:solidFill>
-                  <a:srgbClr val="FF0000"/>
-                </a:solidFill>
-              </a:rPr>
-              <a:t>费用报表</a:t>
-            </a:r>
-            <a:endParaRPr lang="zh-CN" altLang="en-US" sz="1400" b="1" dirty="0">
-              <a:solidFill>
-                <a:srgbClr val="FF0000"/>
-              </a:solidFill>
-            </a:endParaRPr>
-          </a:p>
-        </p:txBody>
-      </p:sp>
-      <p:sp>
-        <p:nvSpPr>
-          <p:cNvPr id="23" name="矩形 22"/>
+              <a:rPr lang="zh-CN" altLang="en-US" sz="800" dirty="0"/>
+              <a:t>退出</a:t>
+            </a:r>
+            <a:r>
+              <a:rPr lang="en-US" altLang="zh-CN" sz="800" dirty="0"/>
+              <a:t>/</a:t>
+            </a:r>
+            <a:r>
+              <a:rPr lang="zh-CN" altLang="en-US" sz="800" dirty="0"/>
+              <a:t>登录</a:t>
+            </a:r>
+          </a:p>
+        </p:txBody>
+      </p:sp>
+      <p:sp>
+        <p:nvSpPr>
+          <p:cNvPr id="6" name="矩形 5"/>
           <p:cNvSpPr/>
           <p:nvPr/>
         </p:nvSpPr>
         <p:spPr>
           <a:xfrm>
-            <a:off x="4274588" y="2766317"/>
-            <a:ext cx="840510" cy="360158"/>
+            <a:off x="6704907" y="1551710"/>
+            <a:ext cx="701964" cy="267854"/>
           </a:xfrm>
           <a:prstGeom prst="rect">
             <a:avLst/>
@@ -9430,23 +9562,22 @@
           <a:p>
             <a:pPr algn="ctr"/>
             <a:r>
-              <a:rPr lang="zh-CN" altLang="en-US" sz="1200" dirty="0" smtClean="0"/>
-              <a:t>消费总额</a:t>
-            </a:r>
-            <a:endParaRPr lang="zh-CN" altLang="en-US" sz="1200" dirty="0"/>
-          </a:p>
-        </p:txBody>
-      </p:sp>
-      <p:sp>
-        <p:nvSpPr>
-          <p:cNvPr id="24" name="矩形 23"/>
+              <a:rPr lang="zh-CN" altLang="en-US" sz="800" dirty="0"/>
+              <a:t>切换语言</a:t>
+            </a:r>
+          </a:p>
+        </p:txBody>
+      </p:sp>
+      <p:sp>
+        <p:nvSpPr>
+          <p:cNvPr id="7" name="矩形 6"/>
           <p:cNvSpPr/>
           <p:nvPr/>
         </p:nvSpPr>
         <p:spPr>
           <a:xfrm>
-            <a:off x="5848980" y="4221075"/>
-            <a:ext cx="977899" cy="295560"/>
+            <a:off x="5921664" y="1551710"/>
+            <a:ext cx="701964" cy="267854"/>
           </a:xfrm>
           <a:prstGeom prst="rect">
             <a:avLst/>
@@ -9474,10 +9605,1447 @@
           <a:p>
             <a:pPr algn="ctr"/>
             <a:r>
-              <a:rPr lang="zh-CN" altLang="en-US" sz="1200" dirty="0" smtClean="0"/>
+              <a:rPr lang="zh-CN" altLang="en-US" sz="800" dirty="0"/>
+              <a:t>个人信息</a:t>
+            </a:r>
+          </a:p>
+        </p:txBody>
+      </p:sp>
+      <p:sp>
+        <p:nvSpPr>
+          <p:cNvPr id="4" name="矩形 3"/>
+          <p:cNvSpPr/>
+          <p:nvPr/>
+        </p:nvSpPr>
+        <p:spPr>
+          <a:xfrm>
+            <a:off x="677334" y="2346036"/>
+            <a:ext cx="975975" cy="452582"/>
+          </a:xfrm>
+          <a:prstGeom prst="rect">
+            <a:avLst/>
+          </a:prstGeom>
+        </p:spPr>
+        <p:style>
+          <a:lnRef idx="2">
+            <a:schemeClr val="accent1">
+              <a:shade val="50000"/>
+            </a:schemeClr>
+          </a:lnRef>
+          <a:fillRef idx="1">
+            <a:schemeClr val="accent1"/>
+          </a:fillRef>
+          <a:effectRef idx="0">
+            <a:schemeClr val="accent1"/>
+          </a:effectRef>
+          <a:fontRef idx="minor">
+            <a:schemeClr val="lt1"/>
+          </a:fontRef>
+        </p:style>
+        <p:txBody>
+          <a:bodyPr rtlCol="0" anchor="ctr"/>
+          <a:lstStyle/>
+          <a:p>
+            <a:pPr algn="ctr"/>
+            <a:r>
+              <a:rPr lang="zh-CN" altLang="en-US" sz="1400" dirty="0"/>
+              <a:t>报名</a:t>
+            </a:r>
+          </a:p>
+        </p:txBody>
+      </p:sp>
+      <p:sp>
+        <p:nvSpPr>
+          <p:cNvPr id="8" name="矩形 7"/>
+          <p:cNvSpPr/>
+          <p:nvPr/>
+        </p:nvSpPr>
+        <p:spPr>
+          <a:xfrm>
+            <a:off x="677333" y="2974108"/>
+            <a:ext cx="975975" cy="452582"/>
+          </a:xfrm>
+          <a:prstGeom prst="rect">
+            <a:avLst/>
+          </a:prstGeom>
+        </p:spPr>
+        <p:style>
+          <a:lnRef idx="2">
+            <a:schemeClr val="accent1">
+              <a:shade val="50000"/>
+            </a:schemeClr>
+          </a:lnRef>
+          <a:fillRef idx="1">
+            <a:schemeClr val="accent1"/>
+          </a:fillRef>
+          <a:effectRef idx="0">
+            <a:schemeClr val="accent1"/>
+          </a:effectRef>
+          <a:fontRef idx="minor">
+            <a:schemeClr val="lt1"/>
+          </a:fontRef>
+        </p:style>
+        <p:txBody>
+          <a:bodyPr rtlCol="0" anchor="ctr"/>
+          <a:lstStyle/>
+          <a:p>
+            <a:pPr algn="ctr"/>
+            <a:r>
+              <a:rPr lang="zh-CN" altLang="en-US" sz="1400" dirty="0">
+                <a:solidFill>
+                  <a:schemeClr val="bg1"/>
+                </a:solidFill>
+              </a:rPr>
+              <a:t>场地管理</a:t>
+            </a:r>
+          </a:p>
+        </p:txBody>
+      </p:sp>
+      <p:sp>
+        <p:nvSpPr>
+          <p:cNvPr id="9" name="矩形 8"/>
+          <p:cNvSpPr/>
+          <p:nvPr/>
+        </p:nvSpPr>
+        <p:spPr>
+          <a:xfrm>
+            <a:off x="677332" y="3532911"/>
+            <a:ext cx="975975" cy="452582"/>
+          </a:xfrm>
+          <a:prstGeom prst="rect">
+            <a:avLst/>
+          </a:prstGeom>
+        </p:spPr>
+        <p:style>
+          <a:lnRef idx="2">
+            <a:schemeClr val="accent1">
+              <a:shade val="50000"/>
+            </a:schemeClr>
+          </a:lnRef>
+          <a:fillRef idx="1">
+            <a:schemeClr val="accent1"/>
+          </a:fillRef>
+          <a:effectRef idx="0">
+            <a:schemeClr val="accent1"/>
+          </a:effectRef>
+          <a:fontRef idx="minor">
+            <a:schemeClr val="lt1"/>
+          </a:fontRef>
+        </p:style>
+        <p:txBody>
+          <a:bodyPr rtlCol="0" anchor="ctr"/>
+          <a:lstStyle/>
+          <a:p>
+            <a:pPr algn="ctr"/>
+            <a:r>
+              <a:rPr lang="zh-CN" altLang="en-US" sz="1400" dirty="0">
+                <a:solidFill>
+                  <a:schemeClr val="bg1"/>
+                </a:solidFill>
+              </a:rPr>
+              <a:t>用户管理</a:t>
+            </a:r>
+          </a:p>
+        </p:txBody>
+      </p:sp>
+      <p:sp>
+        <p:nvSpPr>
+          <p:cNvPr id="11" name="矩形 10"/>
+          <p:cNvSpPr/>
+          <p:nvPr/>
+        </p:nvSpPr>
+        <p:spPr>
+          <a:xfrm>
+            <a:off x="1902691" y="2253672"/>
+            <a:ext cx="5504180" cy="3731491"/>
+          </a:xfrm>
+          <a:prstGeom prst="rect">
+            <a:avLst/>
+          </a:prstGeom>
+        </p:spPr>
+        <p:style>
+          <a:lnRef idx="2">
+            <a:schemeClr val="accent1">
+              <a:shade val="50000"/>
+            </a:schemeClr>
+          </a:lnRef>
+          <a:fillRef idx="1">
+            <a:schemeClr val="accent1"/>
+          </a:fillRef>
+          <a:effectRef idx="0">
+            <a:schemeClr val="accent1"/>
+          </a:effectRef>
+          <a:fontRef idx="minor">
+            <a:schemeClr val="lt1"/>
+          </a:fontRef>
+        </p:style>
+        <p:txBody>
+          <a:bodyPr rtlCol="0" anchor="ctr"/>
+          <a:lstStyle/>
+          <a:p>
+            <a:pPr algn="ctr"/>
+            <a:endParaRPr lang="zh-CN" altLang="en-US" dirty="0"/>
+          </a:p>
+        </p:txBody>
+      </p:sp>
+      <p:sp>
+        <p:nvSpPr>
+          <p:cNvPr id="12" name="矩形 11"/>
+          <p:cNvSpPr/>
+          <p:nvPr/>
+        </p:nvSpPr>
+        <p:spPr>
+          <a:xfrm>
+            <a:off x="3141170" y="3180078"/>
+            <a:ext cx="977899" cy="295560"/>
+          </a:xfrm>
+          <a:prstGeom prst="rect">
+            <a:avLst/>
+          </a:prstGeom>
+        </p:spPr>
+        <p:style>
+          <a:lnRef idx="2">
+            <a:schemeClr val="accent1">
+              <a:shade val="50000"/>
+            </a:schemeClr>
+          </a:lnRef>
+          <a:fillRef idx="1">
+            <a:schemeClr val="accent1"/>
+          </a:fillRef>
+          <a:effectRef idx="0">
+            <a:schemeClr val="accent1"/>
+          </a:effectRef>
+          <a:fontRef idx="minor">
+            <a:schemeClr val="lt1"/>
+          </a:fontRef>
+        </p:style>
+        <p:txBody>
+          <a:bodyPr rtlCol="0" anchor="ctr"/>
+          <a:lstStyle/>
+          <a:p>
+            <a:pPr algn="ctr"/>
+            <a:r>
+              <a:rPr lang="zh-CN" altLang="en-US" sz="1200" dirty="0"/>
+              <a:t>时间</a:t>
+            </a:r>
+          </a:p>
+        </p:txBody>
+      </p:sp>
+      <p:sp>
+        <p:nvSpPr>
+          <p:cNvPr id="13" name="矩形 12"/>
+          <p:cNvSpPr/>
+          <p:nvPr/>
+        </p:nvSpPr>
+        <p:spPr>
+          <a:xfrm>
+            <a:off x="4403838" y="3172690"/>
+            <a:ext cx="822037" cy="350984"/>
+          </a:xfrm>
+          <a:prstGeom prst="rect">
+            <a:avLst/>
+          </a:prstGeom>
+        </p:spPr>
+        <p:style>
+          <a:lnRef idx="2">
+            <a:schemeClr val="accent1">
+              <a:shade val="50000"/>
+            </a:schemeClr>
+          </a:lnRef>
+          <a:fillRef idx="1">
+            <a:schemeClr val="accent1"/>
+          </a:fillRef>
+          <a:effectRef idx="0">
+            <a:schemeClr val="accent1"/>
+          </a:effectRef>
+          <a:fontRef idx="minor">
+            <a:schemeClr val="lt1"/>
+          </a:fontRef>
+        </p:style>
+        <p:txBody>
+          <a:bodyPr rtlCol="0" anchor="ctr"/>
+          <a:lstStyle/>
+          <a:p>
+            <a:pPr algn="ctr"/>
+            <a:r>
+              <a:rPr lang="zh-CN" altLang="en-US" sz="1200" dirty="0"/>
+              <a:t>原因</a:t>
+            </a:r>
+          </a:p>
+        </p:txBody>
+      </p:sp>
+      <p:sp>
+        <p:nvSpPr>
+          <p:cNvPr id="14" name="矩形 13"/>
+          <p:cNvSpPr/>
+          <p:nvPr/>
+        </p:nvSpPr>
+        <p:spPr>
+          <a:xfrm>
+            <a:off x="5510645" y="3200399"/>
+            <a:ext cx="822037" cy="323275"/>
+          </a:xfrm>
+          <a:prstGeom prst="rect">
+            <a:avLst/>
+          </a:prstGeom>
+        </p:spPr>
+        <p:style>
+          <a:lnRef idx="2">
+            <a:schemeClr val="accent1">
+              <a:shade val="50000"/>
+            </a:schemeClr>
+          </a:lnRef>
+          <a:fillRef idx="1">
+            <a:schemeClr val="accent1"/>
+          </a:fillRef>
+          <a:effectRef idx="0">
+            <a:schemeClr val="accent1"/>
+          </a:effectRef>
+          <a:fontRef idx="minor">
+            <a:schemeClr val="lt1"/>
+          </a:fontRef>
+        </p:style>
+        <p:txBody>
+          <a:bodyPr rtlCol="0" anchor="ctr"/>
+          <a:lstStyle/>
+          <a:p>
+            <a:pPr algn="ctr"/>
+            <a:r>
+              <a:rPr lang="zh-CN" altLang="en-US" sz="1200" dirty="0"/>
+              <a:t>金额</a:t>
+            </a:r>
+          </a:p>
+        </p:txBody>
+      </p:sp>
+      <p:sp>
+        <p:nvSpPr>
+          <p:cNvPr id="22" name="矩形 21"/>
+          <p:cNvSpPr/>
+          <p:nvPr/>
+        </p:nvSpPr>
+        <p:spPr>
+          <a:xfrm>
+            <a:off x="677331" y="4205488"/>
+            <a:ext cx="975975" cy="452582"/>
+          </a:xfrm>
+          <a:prstGeom prst="rect">
+            <a:avLst/>
+          </a:prstGeom>
+        </p:spPr>
+        <p:style>
+          <a:lnRef idx="2">
+            <a:schemeClr val="accent1">
+              <a:shade val="50000"/>
+            </a:schemeClr>
+          </a:lnRef>
+          <a:fillRef idx="1">
+            <a:schemeClr val="accent1"/>
+          </a:fillRef>
+          <a:effectRef idx="0">
+            <a:schemeClr val="accent1"/>
+          </a:effectRef>
+          <a:fontRef idx="minor">
+            <a:schemeClr val="lt1"/>
+          </a:fontRef>
+        </p:style>
+        <p:txBody>
+          <a:bodyPr rtlCol="0" anchor="ctr"/>
+          <a:lstStyle/>
+          <a:p>
+            <a:pPr algn="ctr"/>
+            <a:r>
+              <a:rPr lang="zh-CN" altLang="en-US" sz="1400" dirty="0">
+                <a:solidFill>
+                  <a:schemeClr val="bg1"/>
+                </a:solidFill>
+              </a:rPr>
+              <a:t>活动列表</a:t>
+            </a:r>
+          </a:p>
+        </p:txBody>
+      </p:sp>
+      <p:sp>
+        <p:nvSpPr>
+          <p:cNvPr id="19" name="矩形 18">
+            <a:extLst>
+              <a:ext uri="{FF2B5EF4-FFF2-40B4-BE49-F238E27FC236}">
+                <a16:creationId xmlns:a16="http://schemas.microsoft.com/office/drawing/2014/main" id="{4AB9B403-3081-4E21-AE8C-0DD053F2EFA7}"/>
+              </a:ext>
+            </a:extLst>
+          </p:cNvPr>
+          <p:cNvSpPr/>
+          <p:nvPr/>
+        </p:nvSpPr>
+        <p:spPr>
+          <a:xfrm>
+            <a:off x="677331" y="4899893"/>
+            <a:ext cx="975975" cy="452582"/>
+          </a:xfrm>
+          <a:prstGeom prst="rect">
+            <a:avLst/>
+          </a:prstGeom>
+        </p:spPr>
+        <p:style>
+          <a:lnRef idx="2">
+            <a:schemeClr val="accent1">
+              <a:shade val="50000"/>
+            </a:schemeClr>
+          </a:lnRef>
+          <a:fillRef idx="1">
+            <a:schemeClr val="accent1"/>
+          </a:fillRef>
+          <a:effectRef idx="0">
+            <a:schemeClr val="accent1"/>
+          </a:effectRef>
+          <a:fontRef idx="minor">
+            <a:schemeClr val="lt1"/>
+          </a:fontRef>
+        </p:style>
+        <p:txBody>
+          <a:bodyPr rtlCol="0" anchor="ctr"/>
+          <a:lstStyle/>
+          <a:p>
+            <a:pPr algn="ctr"/>
+            <a:r>
+              <a:rPr lang="zh-CN" altLang="en-US" sz="1400" b="1" dirty="0">
+                <a:solidFill>
+                  <a:srgbClr val="FF0000"/>
+                </a:solidFill>
+              </a:rPr>
+              <a:t>公共经费</a:t>
+            </a:r>
+          </a:p>
+        </p:txBody>
+      </p:sp>
+      <p:sp>
+        <p:nvSpPr>
+          <p:cNvPr id="20" name="矩形 19">
+            <a:extLst>
+              <a:ext uri="{FF2B5EF4-FFF2-40B4-BE49-F238E27FC236}">
+                <a16:creationId xmlns:a16="http://schemas.microsoft.com/office/drawing/2014/main" id="{318499BE-73BF-41D0-B321-2C612B35F44A}"/>
+              </a:ext>
+            </a:extLst>
+          </p:cNvPr>
+          <p:cNvSpPr/>
+          <p:nvPr/>
+        </p:nvSpPr>
+        <p:spPr>
+          <a:xfrm>
+            <a:off x="1996151" y="3172690"/>
+            <a:ext cx="977899" cy="295560"/>
+          </a:xfrm>
+          <a:prstGeom prst="rect">
+            <a:avLst/>
+          </a:prstGeom>
+        </p:spPr>
+        <p:style>
+          <a:lnRef idx="2">
+            <a:schemeClr val="accent1">
+              <a:shade val="50000"/>
+            </a:schemeClr>
+          </a:lnRef>
+          <a:fillRef idx="1">
+            <a:schemeClr val="accent1"/>
+          </a:fillRef>
+          <a:effectRef idx="0">
+            <a:schemeClr val="accent1"/>
+          </a:effectRef>
+          <a:fontRef idx="minor">
+            <a:schemeClr val="lt1"/>
+          </a:fontRef>
+        </p:style>
+        <p:txBody>
+          <a:bodyPr rtlCol="0" anchor="ctr"/>
+          <a:lstStyle/>
+          <a:p>
+            <a:pPr algn="ctr"/>
+            <a:r>
+              <a:rPr lang="zh-CN" altLang="en-US" sz="1200" dirty="0"/>
+              <a:t>类型（支出</a:t>
+            </a:r>
+            <a:r>
+              <a:rPr lang="en-US" altLang="zh-CN" sz="1200" dirty="0"/>
+              <a:t>/</a:t>
+            </a:r>
+            <a:r>
+              <a:rPr lang="zh-CN" altLang="en-US" sz="1200" dirty="0"/>
+              <a:t>收入）</a:t>
+            </a:r>
+          </a:p>
+        </p:txBody>
+      </p:sp>
+      <p:sp>
+        <p:nvSpPr>
+          <p:cNvPr id="23" name="矩形 22">
+            <a:extLst>
+              <a:ext uri="{FF2B5EF4-FFF2-40B4-BE49-F238E27FC236}">
+                <a16:creationId xmlns:a16="http://schemas.microsoft.com/office/drawing/2014/main" id="{90F2CCC3-401E-4EEB-B3B0-E1C2D2B3E3A7}"/>
+              </a:ext>
+            </a:extLst>
+          </p:cNvPr>
+          <p:cNvSpPr/>
+          <p:nvPr/>
+        </p:nvSpPr>
+        <p:spPr>
+          <a:xfrm>
+            <a:off x="3172342" y="2467883"/>
+            <a:ext cx="822037" cy="323275"/>
+          </a:xfrm>
+          <a:prstGeom prst="rect">
+            <a:avLst/>
+          </a:prstGeom>
+        </p:spPr>
+        <p:style>
+          <a:lnRef idx="2">
+            <a:schemeClr val="accent1">
+              <a:shade val="50000"/>
+            </a:schemeClr>
+          </a:lnRef>
+          <a:fillRef idx="1">
+            <a:schemeClr val="accent1"/>
+          </a:fillRef>
+          <a:effectRef idx="0">
+            <a:schemeClr val="accent1"/>
+          </a:effectRef>
+          <a:fontRef idx="minor">
+            <a:schemeClr val="lt1"/>
+          </a:fontRef>
+        </p:style>
+        <p:txBody>
+          <a:bodyPr rtlCol="0" anchor="ctr"/>
+          <a:lstStyle/>
+          <a:p>
+            <a:pPr algn="ctr"/>
+            <a:r>
+              <a:rPr lang="zh-CN" altLang="en-US" sz="1200" dirty="0"/>
+              <a:t>剩余额度</a:t>
+            </a:r>
+          </a:p>
+        </p:txBody>
+      </p:sp>
+    </p:spTree>
+    <p:extLst>
+      <p:ext uri="{BB962C8B-B14F-4D97-AF65-F5344CB8AC3E}">
+        <p14:creationId xmlns:p14="http://schemas.microsoft.com/office/powerpoint/2010/main" val="482918105"/>
+      </p:ext>
+    </p:extLst>
+  </p:cSld>
+  <p:clrMapOvr>
+    <a:masterClrMapping/>
+  </p:clrMapOvr>
+</p:sld>
+</file>
+
+<file path=ppt/slides/slide9.xml><?xml version="1.0" encoding="utf-8"?>
+<p:sld xmlns:a="http://schemas.openxmlformats.org/drawingml/2006/main" xmlns:r="http://schemas.openxmlformats.org/officeDocument/2006/relationships" xmlns:p="http://schemas.openxmlformats.org/presentationml/2006/main">
+  <p:cSld>
+    <p:spTree>
+      <p:nvGrpSpPr>
+        <p:cNvPr id="1" name=""/>
+        <p:cNvGrpSpPr/>
+        <p:nvPr/>
+      </p:nvGrpSpPr>
+      <p:grpSpPr>
+        <a:xfrm>
+          <a:off x="0" y="0"/>
+          <a:ext cx="0" cy="0"/>
+          <a:chOff x="0" y="0"/>
+          <a:chExt cx="0" cy="0"/>
+        </a:xfrm>
+      </p:grpSpPr>
+      <p:sp>
+        <p:nvSpPr>
+          <p:cNvPr id="2" name="标题 1"/>
+          <p:cNvSpPr>
+            <a:spLocks noGrp="1"/>
+          </p:cNvSpPr>
+          <p:nvPr>
+            <p:ph type="title"/>
+          </p:nvPr>
+        </p:nvSpPr>
+        <p:spPr>
+          <a:xfrm>
+            <a:off x="677334" y="609600"/>
+            <a:ext cx="8596668" cy="822036"/>
+          </a:xfrm>
+        </p:spPr>
+        <p:txBody>
+          <a:bodyPr/>
+          <a:lstStyle/>
+          <a:p>
+            <a:r>
+              <a:rPr lang="zh-CN" altLang="en-US" dirty="0"/>
+              <a:t>用户</a:t>
+            </a:r>
+          </a:p>
+        </p:txBody>
+      </p:sp>
+      <p:sp>
+        <p:nvSpPr>
+          <p:cNvPr id="5" name="矩形 4"/>
+          <p:cNvSpPr/>
+          <p:nvPr/>
+        </p:nvSpPr>
+        <p:spPr>
+          <a:xfrm>
+            <a:off x="572655" y="1431636"/>
+            <a:ext cx="7924800" cy="5357091"/>
+          </a:xfrm>
+          <a:prstGeom prst="rect">
+            <a:avLst/>
+          </a:prstGeom>
+        </p:spPr>
+        <p:style>
+          <a:lnRef idx="2">
+            <a:schemeClr val="accent1">
+              <a:shade val="50000"/>
+            </a:schemeClr>
+          </a:lnRef>
+          <a:fillRef idx="1">
+            <a:schemeClr val="accent1"/>
+          </a:fillRef>
+          <a:effectRef idx="0">
+            <a:schemeClr val="accent1"/>
+          </a:effectRef>
+          <a:fontRef idx="minor">
+            <a:schemeClr val="lt1"/>
+          </a:fontRef>
+        </p:style>
+        <p:txBody>
+          <a:bodyPr rtlCol="0" anchor="ctr"/>
+          <a:lstStyle/>
+          <a:p>
+            <a:pPr algn="ctr"/>
+            <a:endParaRPr lang="zh-CN" altLang="en-US" dirty="0"/>
+          </a:p>
+        </p:txBody>
+      </p:sp>
+      <p:sp>
+        <p:nvSpPr>
+          <p:cNvPr id="3" name="矩形 2"/>
+          <p:cNvSpPr/>
+          <p:nvPr/>
+        </p:nvSpPr>
+        <p:spPr>
+          <a:xfrm>
+            <a:off x="7481454" y="1551710"/>
+            <a:ext cx="701964" cy="267854"/>
+          </a:xfrm>
+          <a:prstGeom prst="rect">
+            <a:avLst/>
+          </a:prstGeom>
+        </p:spPr>
+        <p:style>
+          <a:lnRef idx="2">
+            <a:schemeClr val="accent1">
+              <a:shade val="50000"/>
+            </a:schemeClr>
+          </a:lnRef>
+          <a:fillRef idx="1">
+            <a:schemeClr val="accent1"/>
+          </a:fillRef>
+          <a:effectRef idx="0">
+            <a:schemeClr val="accent1"/>
+          </a:effectRef>
+          <a:fontRef idx="minor">
+            <a:schemeClr val="lt1"/>
+          </a:fontRef>
+        </p:style>
+        <p:txBody>
+          <a:bodyPr rtlCol="0" anchor="ctr"/>
+          <a:lstStyle/>
+          <a:p>
+            <a:pPr algn="ctr"/>
+            <a:r>
+              <a:rPr lang="zh-CN" altLang="en-US" sz="800" dirty="0"/>
+              <a:t>退出</a:t>
+            </a:r>
+            <a:r>
+              <a:rPr lang="en-US" altLang="zh-CN" sz="800" dirty="0"/>
+              <a:t>/</a:t>
+            </a:r>
+            <a:r>
+              <a:rPr lang="zh-CN" altLang="en-US" sz="800" dirty="0"/>
+              <a:t>登录</a:t>
+            </a:r>
+          </a:p>
+        </p:txBody>
+      </p:sp>
+      <p:sp>
+        <p:nvSpPr>
+          <p:cNvPr id="6" name="矩形 5"/>
+          <p:cNvSpPr/>
+          <p:nvPr/>
+        </p:nvSpPr>
+        <p:spPr>
+          <a:xfrm>
+            <a:off x="6704907" y="1551710"/>
+            <a:ext cx="701964" cy="267854"/>
+          </a:xfrm>
+          <a:prstGeom prst="rect">
+            <a:avLst/>
+          </a:prstGeom>
+        </p:spPr>
+        <p:style>
+          <a:lnRef idx="2">
+            <a:schemeClr val="accent1">
+              <a:shade val="50000"/>
+            </a:schemeClr>
+          </a:lnRef>
+          <a:fillRef idx="1">
+            <a:schemeClr val="accent1"/>
+          </a:fillRef>
+          <a:effectRef idx="0">
+            <a:schemeClr val="accent1"/>
+          </a:effectRef>
+          <a:fontRef idx="minor">
+            <a:schemeClr val="lt1"/>
+          </a:fontRef>
+        </p:style>
+        <p:txBody>
+          <a:bodyPr rtlCol="0" anchor="ctr"/>
+          <a:lstStyle/>
+          <a:p>
+            <a:pPr algn="ctr"/>
+            <a:r>
+              <a:rPr lang="zh-CN" altLang="en-US" sz="800" dirty="0"/>
+              <a:t>切换语言</a:t>
+            </a:r>
+          </a:p>
+        </p:txBody>
+      </p:sp>
+      <p:sp>
+        <p:nvSpPr>
+          <p:cNvPr id="7" name="矩形 6"/>
+          <p:cNvSpPr/>
+          <p:nvPr/>
+        </p:nvSpPr>
+        <p:spPr>
+          <a:xfrm>
+            <a:off x="5921664" y="1551710"/>
+            <a:ext cx="701964" cy="267854"/>
+          </a:xfrm>
+          <a:prstGeom prst="rect">
+            <a:avLst/>
+          </a:prstGeom>
+        </p:spPr>
+        <p:style>
+          <a:lnRef idx="2">
+            <a:schemeClr val="accent1">
+              <a:shade val="50000"/>
+            </a:schemeClr>
+          </a:lnRef>
+          <a:fillRef idx="1">
+            <a:schemeClr val="accent1"/>
+          </a:fillRef>
+          <a:effectRef idx="0">
+            <a:schemeClr val="accent1"/>
+          </a:effectRef>
+          <a:fontRef idx="minor">
+            <a:schemeClr val="lt1"/>
+          </a:fontRef>
+        </p:style>
+        <p:txBody>
+          <a:bodyPr rtlCol="0" anchor="ctr"/>
+          <a:lstStyle/>
+          <a:p>
+            <a:pPr algn="ctr"/>
+            <a:r>
+              <a:rPr lang="zh-CN" altLang="en-US" sz="800" dirty="0"/>
+              <a:t>个人信息</a:t>
+            </a:r>
+          </a:p>
+        </p:txBody>
+      </p:sp>
+      <p:sp>
+        <p:nvSpPr>
+          <p:cNvPr id="4" name="矩形 3"/>
+          <p:cNvSpPr/>
+          <p:nvPr/>
+        </p:nvSpPr>
+        <p:spPr>
+          <a:xfrm>
+            <a:off x="677334" y="2346036"/>
+            <a:ext cx="975975" cy="452582"/>
+          </a:xfrm>
+          <a:prstGeom prst="rect">
+            <a:avLst/>
+          </a:prstGeom>
+        </p:spPr>
+        <p:style>
+          <a:lnRef idx="2">
+            <a:schemeClr val="accent1">
+              <a:shade val="50000"/>
+            </a:schemeClr>
+          </a:lnRef>
+          <a:fillRef idx="1">
+            <a:schemeClr val="accent1"/>
+          </a:fillRef>
+          <a:effectRef idx="0">
+            <a:schemeClr val="accent1"/>
+          </a:effectRef>
+          <a:fontRef idx="minor">
+            <a:schemeClr val="lt1"/>
+          </a:fontRef>
+        </p:style>
+        <p:txBody>
+          <a:bodyPr rtlCol="0" anchor="ctr"/>
+          <a:lstStyle/>
+          <a:p>
+            <a:pPr algn="ctr"/>
+            <a:r>
+              <a:rPr lang="zh-CN" altLang="en-US" sz="1400" dirty="0"/>
+              <a:t>报名</a:t>
+            </a:r>
+          </a:p>
+        </p:txBody>
+      </p:sp>
+      <p:sp>
+        <p:nvSpPr>
+          <p:cNvPr id="8" name="矩形 7"/>
+          <p:cNvSpPr/>
+          <p:nvPr/>
+        </p:nvSpPr>
+        <p:spPr>
+          <a:xfrm>
+            <a:off x="677333" y="2974108"/>
+            <a:ext cx="975975" cy="452582"/>
+          </a:xfrm>
+          <a:prstGeom prst="rect">
+            <a:avLst/>
+          </a:prstGeom>
+        </p:spPr>
+        <p:style>
+          <a:lnRef idx="2">
+            <a:schemeClr val="accent1">
+              <a:shade val="50000"/>
+            </a:schemeClr>
+          </a:lnRef>
+          <a:fillRef idx="1">
+            <a:schemeClr val="accent1"/>
+          </a:fillRef>
+          <a:effectRef idx="0">
+            <a:schemeClr val="accent1"/>
+          </a:effectRef>
+          <a:fontRef idx="minor">
+            <a:schemeClr val="lt1"/>
+          </a:fontRef>
+        </p:style>
+        <p:txBody>
+          <a:bodyPr rtlCol="0" anchor="ctr"/>
+          <a:lstStyle/>
+          <a:p>
+            <a:pPr algn="ctr"/>
+            <a:r>
+              <a:rPr lang="zh-CN" altLang="en-US" sz="1400" dirty="0">
+                <a:solidFill>
+                  <a:schemeClr val="bg1"/>
+                </a:solidFill>
+              </a:rPr>
+              <a:t>场地管理</a:t>
+            </a:r>
+          </a:p>
+        </p:txBody>
+      </p:sp>
+      <p:sp>
+        <p:nvSpPr>
+          <p:cNvPr id="9" name="矩形 8"/>
+          <p:cNvSpPr/>
+          <p:nvPr/>
+        </p:nvSpPr>
+        <p:spPr>
+          <a:xfrm>
+            <a:off x="677332" y="3532911"/>
+            <a:ext cx="975975" cy="452582"/>
+          </a:xfrm>
+          <a:prstGeom prst="rect">
+            <a:avLst/>
+          </a:prstGeom>
+        </p:spPr>
+        <p:style>
+          <a:lnRef idx="2">
+            <a:schemeClr val="accent1">
+              <a:shade val="50000"/>
+            </a:schemeClr>
+          </a:lnRef>
+          <a:fillRef idx="1">
+            <a:schemeClr val="accent1"/>
+          </a:fillRef>
+          <a:effectRef idx="0">
+            <a:schemeClr val="accent1"/>
+          </a:effectRef>
+          <a:fontRef idx="minor">
+            <a:schemeClr val="lt1"/>
+          </a:fontRef>
+        </p:style>
+        <p:txBody>
+          <a:bodyPr rtlCol="0" anchor="ctr"/>
+          <a:lstStyle/>
+          <a:p>
+            <a:pPr algn="ctr"/>
+            <a:r>
+              <a:rPr lang="zh-CN" altLang="en-US" sz="1400" dirty="0">
+                <a:solidFill>
+                  <a:schemeClr val="bg1"/>
+                </a:solidFill>
+              </a:rPr>
+              <a:t>用户管理</a:t>
+            </a:r>
+          </a:p>
+        </p:txBody>
+      </p:sp>
+      <p:sp>
+        <p:nvSpPr>
+          <p:cNvPr id="11" name="矩形 10"/>
+          <p:cNvSpPr/>
+          <p:nvPr/>
+        </p:nvSpPr>
+        <p:spPr>
+          <a:xfrm>
+            <a:off x="1903846" y="2253672"/>
+            <a:ext cx="5504180" cy="3731491"/>
+          </a:xfrm>
+          <a:prstGeom prst="rect">
+            <a:avLst/>
+          </a:prstGeom>
+        </p:spPr>
+        <p:style>
+          <a:lnRef idx="2">
+            <a:schemeClr val="accent1">
+              <a:shade val="50000"/>
+            </a:schemeClr>
+          </a:lnRef>
+          <a:fillRef idx="1">
+            <a:schemeClr val="accent1"/>
+          </a:fillRef>
+          <a:effectRef idx="0">
+            <a:schemeClr val="accent1"/>
+          </a:effectRef>
+          <a:fontRef idx="minor">
+            <a:schemeClr val="lt1"/>
+          </a:fontRef>
+        </p:style>
+        <p:txBody>
+          <a:bodyPr rtlCol="0" anchor="ctr"/>
+          <a:lstStyle/>
+          <a:p>
+            <a:pPr algn="ctr"/>
+            <a:endParaRPr lang="zh-CN" altLang="en-US" dirty="0"/>
+          </a:p>
+        </p:txBody>
+      </p:sp>
+      <p:sp>
+        <p:nvSpPr>
+          <p:cNvPr id="12" name="矩形 11"/>
+          <p:cNvSpPr/>
+          <p:nvPr/>
+        </p:nvSpPr>
+        <p:spPr>
+          <a:xfrm>
+            <a:off x="2244435" y="2798618"/>
+            <a:ext cx="738909" cy="295557"/>
+          </a:xfrm>
+          <a:prstGeom prst="rect">
+            <a:avLst/>
+          </a:prstGeom>
+        </p:spPr>
+        <p:style>
+          <a:lnRef idx="2">
+            <a:schemeClr val="accent1">
+              <a:shade val="50000"/>
+            </a:schemeClr>
+          </a:lnRef>
+          <a:fillRef idx="1">
+            <a:schemeClr val="accent1"/>
+          </a:fillRef>
+          <a:effectRef idx="0">
+            <a:schemeClr val="accent1"/>
+          </a:effectRef>
+          <a:fontRef idx="minor">
+            <a:schemeClr val="lt1"/>
+          </a:fontRef>
+        </p:style>
+        <p:txBody>
+          <a:bodyPr rtlCol="0" anchor="ctr"/>
+          <a:lstStyle/>
+          <a:p>
+            <a:pPr algn="ctr"/>
+            <a:r>
+              <a:rPr lang="zh-CN" altLang="en-US" sz="1200" dirty="0"/>
+              <a:t>用户</a:t>
+            </a:r>
+            <a:r>
+              <a:rPr lang="en-US" altLang="zh-CN" sz="1200" dirty="0"/>
+              <a:t>	</a:t>
+            </a:r>
+            <a:endParaRPr lang="zh-CN" altLang="en-US" sz="1200" dirty="0"/>
+          </a:p>
+        </p:txBody>
+      </p:sp>
+      <p:sp>
+        <p:nvSpPr>
+          <p:cNvPr id="13" name="矩形 12"/>
+          <p:cNvSpPr/>
+          <p:nvPr/>
+        </p:nvSpPr>
+        <p:spPr>
+          <a:xfrm>
+            <a:off x="3232726" y="2770903"/>
+            <a:ext cx="840510" cy="360158"/>
+          </a:xfrm>
+          <a:prstGeom prst="rect">
+            <a:avLst/>
+          </a:prstGeom>
+        </p:spPr>
+        <p:style>
+          <a:lnRef idx="2">
+            <a:schemeClr val="accent1">
+              <a:shade val="50000"/>
+            </a:schemeClr>
+          </a:lnRef>
+          <a:fillRef idx="1">
+            <a:schemeClr val="accent1"/>
+          </a:fillRef>
+          <a:effectRef idx="0">
+            <a:schemeClr val="accent1"/>
+          </a:effectRef>
+          <a:fontRef idx="minor">
+            <a:schemeClr val="lt1"/>
+          </a:fontRef>
+        </p:style>
+        <p:txBody>
+          <a:bodyPr rtlCol="0" anchor="ctr"/>
+          <a:lstStyle/>
+          <a:p>
+            <a:pPr algn="ctr"/>
+            <a:r>
+              <a:rPr lang="zh-CN" altLang="en-US" sz="1200" dirty="0"/>
+              <a:t>充值总额</a:t>
+            </a:r>
+          </a:p>
+        </p:txBody>
+      </p:sp>
+      <p:sp>
+        <p:nvSpPr>
+          <p:cNvPr id="15" name="矩形 14"/>
+          <p:cNvSpPr/>
+          <p:nvPr/>
+        </p:nvSpPr>
+        <p:spPr>
+          <a:xfrm>
+            <a:off x="5461692" y="2770903"/>
+            <a:ext cx="799292" cy="323272"/>
+          </a:xfrm>
+          <a:prstGeom prst="rect">
+            <a:avLst/>
+          </a:prstGeom>
+        </p:spPr>
+        <p:style>
+          <a:lnRef idx="2">
+            <a:schemeClr val="accent1">
+              <a:shade val="50000"/>
+            </a:schemeClr>
+          </a:lnRef>
+          <a:fillRef idx="1">
+            <a:schemeClr val="accent1"/>
+          </a:fillRef>
+          <a:effectRef idx="0">
+            <a:schemeClr val="accent1"/>
+          </a:effectRef>
+          <a:fontRef idx="minor">
+            <a:schemeClr val="lt1"/>
+          </a:fontRef>
+        </p:style>
+        <p:txBody>
+          <a:bodyPr rtlCol="0" anchor="ctr"/>
+          <a:lstStyle/>
+          <a:p>
+            <a:pPr algn="ctr"/>
+            <a:r>
+              <a:rPr lang="zh-CN" altLang="en-US" sz="1200" dirty="0"/>
+              <a:t>综合费用</a:t>
+            </a:r>
+          </a:p>
+        </p:txBody>
+      </p:sp>
+      <p:sp>
+        <p:nvSpPr>
+          <p:cNvPr id="16" name="矩形 15"/>
+          <p:cNvSpPr/>
+          <p:nvPr/>
+        </p:nvSpPr>
+        <p:spPr>
+          <a:xfrm>
+            <a:off x="4652584" y="3292764"/>
+            <a:ext cx="977899" cy="295560"/>
+          </a:xfrm>
+          <a:prstGeom prst="rect">
+            <a:avLst/>
+          </a:prstGeom>
+        </p:spPr>
+        <p:style>
+          <a:lnRef idx="2">
+            <a:schemeClr val="accent1">
+              <a:shade val="50000"/>
+            </a:schemeClr>
+          </a:lnRef>
+          <a:fillRef idx="1">
+            <a:schemeClr val="accent1"/>
+          </a:fillRef>
+          <a:effectRef idx="0">
+            <a:schemeClr val="accent1"/>
+          </a:effectRef>
+          <a:fontRef idx="minor">
+            <a:schemeClr val="lt1"/>
+          </a:fontRef>
+        </p:style>
+        <p:txBody>
+          <a:bodyPr rtlCol="0" anchor="ctr"/>
+          <a:lstStyle/>
+          <a:p>
+            <a:pPr algn="ctr"/>
+            <a:r>
+              <a:rPr lang="zh-CN" altLang="en-US" sz="1200" dirty="0"/>
+              <a:t>消费记录</a:t>
+            </a:r>
+          </a:p>
+        </p:txBody>
+      </p:sp>
+      <p:sp>
+        <p:nvSpPr>
+          <p:cNvPr id="17" name="矩形 16"/>
+          <p:cNvSpPr/>
+          <p:nvPr/>
+        </p:nvSpPr>
+        <p:spPr>
+          <a:xfrm>
+            <a:off x="3425303" y="3292764"/>
+            <a:ext cx="977899" cy="295560"/>
+          </a:xfrm>
+          <a:prstGeom prst="rect">
+            <a:avLst/>
+          </a:prstGeom>
+        </p:spPr>
+        <p:style>
+          <a:lnRef idx="2">
+            <a:schemeClr val="accent1">
+              <a:shade val="50000"/>
+            </a:schemeClr>
+          </a:lnRef>
+          <a:fillRef idx="1">
+            <a:schemeClr val="accent1"/>
+          </a:fillRef>
+          <a:effectRef idx="0">
+            <a:schemeClr val="accent1"/>
+          </a:effectRef>
+          <a:fontRef idx="minor">
+            <a:schemeClr val="lt1"/>
+          </a:fontRef>
+        </p:style>
+        <p:txBody>
+          <a:bodyPr rtlCol="0" anchor="ctr"/>
+          <a:lstStyle/>
+          <a:p>
+            <a:pPr algn="ctr"/>
+            <a:r>
+              <a:rPr lang="zh-CN" altLang="en-US" sz="1200" dirty="0"/>
+              <a:t>充值记录</a:t>
+            </a:r>
+          </a:p>
+        </p:txBody>
+      </p:sp>
+      <p:sp>
+        <p:nvSpPr>
+          <p:cNvPr id="18" name="矩形 17"/>
+          <p:cNvSpPr/>
+          <p:nvPr/>
+        </p:nvSpPr>
+        <p:spPr>
+          <a:xfrm>
+            <a:off x="3442849" y="4221075"/>
+            <a:ext cx="977899" cy="295560"/>
+          </a:xfrm>
+          <a:prstGeom prst="rect">
+            <a:avLst/>
+          </a:prstGeom>
+        </p:spPr>
+        <p:style>
+          <a:lnRef idx="2">
+            <a:schemeClr val="accent1">
+              <a:shade val="50000"/>
+            </a:schemeClr>
+          </a:lnRef>
+          <a:fillRef idx="1">
+            <a:schemeClr val="accent1"/>
+          </a:fillRef>
+          <a:effectRef idx="0">
+            <a:schemeClr val="accent1"/>
+          </a:effectRef>
+          <a:fontRef idx="minor">
+            <a:schemeClr val="lt1"/>
+          </a:fontRef>
+        </p:style>
+        <p:txBody>
+          <a:bodyPr rtlCol="0" anchor="ctr"/>
+          <a:lstStyle/>
+          <a:p>
+            <a:pPr algn="ctr"/>
+            <a:r>
+              <a:rPr lang="zh-CN" altLang="en-US" sz="1200" dirty="0"/>
+              <a:t>活动场地</a:t>
+            </a:r>
+            <a:endParaRPr lang="en-US" altLang="zh-CN" sz="1200" dirty="0"/>
+          </a:p>
+        </p:txBody>
+      </p:sp>
+      <p:sp>
+        <p:nvSpPr>
+          <p:cNvPr id="19" name="矩形 18"/>
+          <p:cNvSpPr/>
+          <p:nvPr/>
+        </p:nvSpPr>
+        <p:spPr>
+          <a:xfrm>
+            <a:off x="2244435" y="4230253"/>
+            <a:ext cx="977899" cy="295560"/>
+          </a:xfrm>
+          <a:prstGeom prst="rect">
+            <a:avLst/>
+          </a:prstGeom>
+        </p:spPr>
+        <p:style>
+          <a:lnRef idx="2">
+            <a:schemeClr val="accent1">
+              <a:shade val="50000"/>
+            </a:schemeClr>
+          </a:lnRef>
+          <a:fillRef idx="1">
+            <a:schemeClr val="accent1"/>
+          </a:fillRef>
+          <a:effectRef idx="0">
+            <a:schemeClr val="accent1"/>
+          </a:effectRef>
+          <a:fontRef idx="minor">
+            <a:schemeClr val="lt1"/>
+          </a:fontRef>
+        </p:style>
+        <p:txBody>
+          <a:bodyPr rtlCol="0" anchor="ctr"/>
+          <a:lstStyle/>
+          <a:p>
+            <a:pPr algn="ctr"/>
+            <a:r>
+              <a:rPr lang="zh-CN" altLang="en-US" sz="1200" dirty="0"/>
+              <a:t>活动时间</a:t>
+            </a:r>
+            <a:endParaRPr lang="en-US" altLang="zh-CN" sz="1200" dirty="0"/>
+          </a:p>
+        </p:txBody>
+      </p:sp>
+      <p:sp>
+        <p:nvSpPr>
+          <p:cNvPr id="20" name="矩形 19"/>
+          <p:cNvSpPr/>
+          <p:nvPr/>
+        </p:nvSpPr>
+        <p:spPr>
+          <a:xfrm>
+            <a:off x="4552370" y="4221075"/>
+            <a:ext cx="977899" cy="295560"/>
+          </a:xfrm>
+          <a:prstGeom prst="rect">
+            <a:avLst/>
+          </a:prstGeom>
+        </p:spPr>
+        <p:style>
+          <a:lnRef idx="2">
+            <a:schemeClr val="accent1">
+              <a:shade val="50000"/>
+            </a:schemeClr>
+          </a:lnRef>
+          <a:fillRef idx="1">
+            <a:schemeClr val="accent1"/>
+          </a:fillRef>
+          <a:effectRef idx="0">
+            <a:schemeClr val="accent1"/>
+          </a:effectRef>
+          <a:fontRef idx="minor">
+            <a:schemeClr val="lt1"/>
+          </a:fontRef>
+        </p:style>
+        <p:txBody>
+          <a:bodyPr rtlCol="0" anchor="ctr"/>
+          <a:lstStyle/>
+          <a:p>
+            <a:pPr algn="ctr"/>
+            <a:r>
+              <a:rPr lang="zh-CN" altLang="en-US" sz="1200" dirty="0"/>
+              <a:t>总人数</a:t>
+            </a:r>
+            <a:endParaRPr lang="en-US" altLang="zh-CN" sz="1200" dirty="0"/>
+          </a:p>
+        </p:txBody>
+      </p:sp>
+      <p:sp>
+        <p:nvSpPr>
+          <p:cNvPr id="21" name="文本框 20"/>
+          <p:cNvSpPr txBox="1"/>
+          <p:nvPr/>
+        </p:nvSpPr>
+        <p:spPr>
+          <a:xfrm>
+            <a:off x="5646412" y="3242024"/>
+            <a:ext cx="2723823" cy="369332"/>
+          </a:xfrm>
+          <a:prstGeom prst="rect">
+            <a:avLst/>
+          </a:prstGeom>
+          <a:noFill/>
+        </p:spPr>
+        <p:txBody>
+          <a:bodyPr wrap="none" rtlCol="0">
+            <a:spAutoFit/>
+          </a:bodyPr>
+          <a:lstStyle/>
+          <a:p>
+            <a:r>
+              <a:rPr lang="zh-CN" altLang="en-US" dirty="0"/>
+              <a:t>按钮，根据时间显示详细</a:t>
+            </a:r>
+          </a:p>
+        </p:txBody>
+      </p:sp>
+      <p:sp>
+        <p:nvSpPr>
+          <p:cNvPr id="22" name="矩形 21"/>
+          <p:cNvSpPr/>
+          <p:nvPr/>
+        </p:nvSpPr>
+        <p:spPr>
+          <a:xfrm>
+            <a:off x="677333" y="4264889"/>
+            <a:ext cx="975975" cy="452582"/>
+          </a:xfrm>
+          <a:prstGeom prst="rect">
+            <a:avLst/>
+          </a:prstGeom>
+        </p:spPr>
+        <p:style>
+          <a:lnRef idx="2">
+            <a:schemeClr val="accent1">
+              <a:shade val="50000"/>
+            </a:schemeClr>
+          </a:lnRef>
+          <a:fillRef idx="1">
+            <a:schemeClr val="accent1"/>
+          </a:fillRef>
+          <a:effectRef idx="0">
+            <a:schemeClr val="accent1"/>
+          </a:effectRef>
+          <a:fontRef idx="minor">
+            <a:schemeClr val="lt1"/>
+          </a:fontRef>
+        </p:style>
+        <p:txBody>
+          <a:bodyPr rtlCol="0" anchor="ctr"/>
+          <a:lstStyle/>
+          <a:p>
+            <a:pPr algn="ctr"/>
+            <a:r>
+              <a:rPr lang="zh-CN" altLang="en-US" sz="1400" b="1" dirty="0">
+                <a:solidFill>
+                  <a:srgbClr val="FF0000"/>
+                </a:solidFill>
+              </a:rPr>
+              <a:t>费用报表</a:t>
+            </a:r>
+          </a:p>
+        </p:txBody>
+      </p:sp>
+      <p:sp>
+        <p:nvSpPr>
+          <p:cNvPr id="23" name="矩形 22"/>
+          <p:cNvSpPr/>
+          <p:nvPr/>
+        </p:nvSpPr>
+        <p:spPr>
+          <a:xfrm>
+            <a:off x="4274588" y="2766317"/>
+            <a:ext cx="840510" cy="360158"/>
+          </a:xfrm>
+          <a:prstGeom prst="rect">
+            <a:avLst/>
+          </a:prstGeom>
+        </p:spPr>
+        <p:style>
+          <a:lnRef idx="2">
+            <a:schemeClr val="accent1">
+              <a:shade val="50000"/>
+            </a:schemeClr>
+          </a:lnRef>
+          <a:fillRef idx="1">
+            <a:schemeClr val="accent1"/>
+          </a:fillRef>
+          <a:effectRef idx="0">
+            <a:schemeClr val="accent1"/>
+          </a:effectRef>
+          <a:fontRef idx="minor">
+            <a:schemeClr val="lt1"/>
+          </a:fontRef>
+        </p:style>
+        <p:txBody>
+          <a:bodyPr rtlCol="0" anchor="ctr"/>
+          <a:lstStyle/>
+          <a:p>
+            <a:pPr algn="ctr"/>
+            <a:r>
+              <a:rPr lang="zh-CN" altLang="en-US" sz="1200" dirty="0"/>
+              <a:t>消费总额</a:t>
+            </a:r>
+          </a:p>
+        </p:txBody>
+      </p:sp>
+      <p:sp>
+        <p:nvSpPr>
+          <p:cNvPr id="24" name="矩形 23"/>
+          <p:cNvSpPr/>
+          <p:nvPr/>
+        </p:nvSpPr>
+        <p:spPr>
+          <a:xfrm>
+            <a:off x="5848980" y="4221075"/>
+            <a:ext cx="977899" cy="295560"/>
+          </a:xfrm>
+          <a:prstGeom prst="rect">
+            <a:avLst/>
+          </a:prstGeom>
+        </p:spPr>
+        <p:style>
+          <a:lnRef idx="2">
+            <a:schemeClr val="accent1">
+              <a:shade val="50000"/>
+            </a:schemeClr>
+          </a:lnRef>
+          <a:fillRef idx="1">
+            <a:schemeClr val="accent1"/>
+          </a:fillRef>
+          <a:effectRef idx="0">
+            <a:schemeClr val="accent1"/>
+          </a:effectRef>
+          <a:fontRef idx="minor">
+            <a:schemeClr val="lt1"/>
+          </a:fontRef>
+        </p:style>
+        <p:txBody>
+          <a:bodyPr rtlCol="0" anchor="ctr"/>
+          <a:lstStyle/>
+          <a:p>
+            <a:pPr algn="ctr"/>
+            <a:r>
+              <a:rPr lang="zh-CN" altLang="en-US" sz="1200" dirty="0"/>
               <a:t>平均费用</a:t>
             </a:r>
-            <a:endParaRPr lang="en-US" altLang="zh-CN" sz="1200" dirty="0" smtClean="0"/>
+            <a:endParaRPr lang="en-US" altLang="zh-CN" sz="1200" dirty="0"/>
           </a:p>
         </p:txBody>
       </p:sp>

--- a/doc/兴趣小组管理设计稿.pptx
+++ b/doc/兴趣小组管理设计稿.pptx
@@ -10,10 +10,12 @@
     <p:sldId id="258" r:id="rId4"/>
     <p:sldId id="259" r:id="rId5"/>
     <p:sldId id="260" r:id="rId6"/>
-    <p:sldId id="261" r:id="rId7"/>
-    <p:sldId id="263" r:id="rId8"/>
-    <p:sldId id="264" r:id="rId9"/>
-    <p:sldId id="262" r:id="rId10"/>
+    <p:sldId id="265" r:id="rId7"/>
+    <p:sldId id="261" r:id="rId8"/>
+    <p:sldId id="266" r:id="rId9"/>
+    <p:sldId id="263" r:id="rId10"/>
+    <p:sldId id="264" r:id="rId11"/>
+    <p:sldId id="262" r:id="rId12"/>
   </p:sldIdLst>
   <p:sldSz cx="12192000" cy="6858000"/>
   <p:notesSz cx="6858000" cy="9144000"/>
@@ -5895,6 +5897,1678 @@
 </p:sld>
 </file>
 
+<file path=ppt/slides/slide10.xml><?xml version="1.0" encoding="utf-8"?>
+<p:sld xmlns:a="http://schemas.openxmlformats.org/drawingml/2006/main" xmlns:r="http://schemas.openxmlformats.org/officeDocument/2006/relationships" xmlns:p="http://schemas.openxmlformats.org/presentationml/2006/main">
+  <p:cSld>
+    <p:spTree>
+      <p:nvGrpSpPr>
+        <p:cNvPr id="1" name=""/>
+        <p:cNvGrpSpPr/>
+        <p:nvPr/>
+      </p:nvGrpSpPr>
+      <p:grpSpPr>
+        <a:xfrm>
+          <a:off x="0" y="0"/>
+          <a:ext cx="0" cy="0"/>
+          <a:chOff x="0" y="0"/>
+          <a:chExt cx="0" cy="0"/>
+        </a:xfrm>
+      </p:grpSpPr>
+      <p:sp>
+        <p:nvSpPr>
+          <p:cNvPr id="2" name="标题 1"/>
+          <p:cNvSpPr>
+            <a:spLocks noGrp="1"/>
+          </p:cNvSpPr>
+          <p:nvPr>
+            <p:ph type="title"/>
+          </p:nvPr>
+        </p:nvSpPr>
+        <p:spPr>
+          <a:xfrm>
+            <a:off x="677334" y="609600"/>
+            <a:ext cx="8596668" cy="822036"/>
+          </a:xfrm>
+        </p:spPr>
+        <p:txBody>
+          <a:bodyPr/>
+          <a:lstStyle/>
+          <a:p>
+            <a:r>
+              <a:rPr lang="zh-CN" altLang="en-US" dirty="0"/>
+              <a:t>用户</a:t>
+            </a:r>
+          </a:p>
+        </p:txBody>
+      </p:sp>
+      <p:sp>
+        <p:nvSpPr>
+          <p:cNvPr id="5" name="矩形 4"/>
+          <p:cNvSpPr/>
+          <p:nvPr/>
+        </p:nvSpPr>
+        <p:spPr>
+          <a:xfrm>
+            <a:off x="572655" y="1431636"/>
+            <a:ext cx="7924800" cy="5357091"/>
+          </a:xfrm>
+          <a:prstGeom prst="rect">
+            <a:avLst/>
+          </a:prstGeom>
+        </p:spPr>
+        <p:style>
+          <a:lnRef idx="2">
+            <a:schemeClr val="accent1">
+              <a:shade val="50000"/>
+            </a:schemeClr>
+          </a:lnRef>
+          <a:fillRef idx="1">
+            <a:schemeClr val="accent1"/>
+          </a:fillRef>
+          <a:effectRef idx="0">
+            <a:schemeClr val="accent1"/>
+          </a:effectRef>
+          <a:fontRef idx="minor">
+            <a:schemeClr val="lt1"/>
+          </a:fontRef>
+        </p:style>
+        <p:txBody>
+          <a:bodyPr rtlCol="0" anchor="ctr"/>
+          <a:lstStyle/>
+          <a:p>
+            <a:pPr algn="ctr"/>
+            <a:endParaRPr lang="zh-CN" altLang="en-US" dirty="0"/>
+          </a:p>
+        </p:txBody>
+      </p:sp>
+      <p:sp>
+        <p:nvSpPr>
+          <p:cNvPr id="3" name="矩形 2"/>
+          <p:cNvSpPr/>
+          <p:nvPr/>
+        </p:nvSpPr>
+        <p:spPr>
+          <a:xfrm>
+            <a:off x="7481454" y="1551710"/>
+            <a:ext cx="701964" cy="267854"/>
+          </a:xfrm>
+          <a:prstGeom prst="rect">
+            <a:avLst/>
+          </a:prstGeom>
+        </p:spPr>
+        <p:style>
+          <a:lnRef idx="2">
+            <a:schemeClr val="accent1">
+              <a:shade val="50000"/>
+            </a:schemeClr>
+          </a:lnRef>
+          <a:fillRef idx="1">
+            <a:schemeClr val="accent1"/>
+          </a:fillRef>
+          <a:effectRef idx="0">
+            <a:schemeClr val="accent1"/>
+          </a:effectRef>
+          <a:fontRef idx="minor">
+            <a:schemeClr val="lt1"/>
+          </a:fontRef>
+        </p:style>
+        <p:txBody>
+          <a:bodyPr rtlCol="0" anchor="ctr"/>
+          <a:lstStyle/>
+          <a:p>
+            <a:pPr algn="ctr"/>
+            <a:r>
+              <a:rPr lang="zh-CN" altLang="en-US" sz="800" dirty="0"/>
+              <a:t>退出</a:t>
+            </a:r>
+            <a:r>
+              <a:rPr lang="en-US" altLang="zh-CN" sz="800" dirty="0"/>
+              <a:t>/</a:t>
+            </a:r>
+            <a:r>
+              <a:rPr lang="zh-CN" altLang="en-US" sz="800" dirty="0"/>
+              <a:t>登录</a:t>
+            </a:r>
+          </a:p>
+        </p:txBody>
+      </p:sp>
+      <p:sp>
+        <p:nvSpPr>
+          <p:cNvPr id="6" name="矩形 5"/>
+          <p:cNvSpPr/>
+          <p:nvPr/>
+        </p:nvSpPr>
+        <p:spPr>
+          <a:xfrm>
+            <a:off x="6704907" y="1551710"/>
+            <a:ext cx="701964" cy="267854"/>
+          </a:xfrm>
+          <a:prstGeom prst="rect">
+            <a:avLst/>
+          </a:prstGeom>
+        </p:spPr>
+        <p:style>
+          <a:lnRef idx="2">
+            <a:schemeClr val="accent1">
+              <a:shade val="50000"/>
+            </a:schemeClr>
+          </a:lnRef>
+          <a:fillRef idx="1">
+            <a:schemeClr val="accent1"/>
+          </a:fillRef>
+          <a:effectRef idx="0">
+            <a:schemeClr val="accent1"/>
+          </a:effectRef>
+          <a:fontRef idx="minor">
+            <a:schemeClr val="lt1"/>
+          </a:fontRef>
+        </p:style>
+        <p:txBody>
+          <a:bodyPr rtlCol="0" anchor="ctr"/>
+          <a:lstStyle/>
+          <a:p>
+            <a:pPr algn="ctr"/>
+            <a:r>
+              <a:rPr lang="zh-CN" altLang="en-US" sz="800" dirty="0"/>
+              <a:t>切换语言</a:t>
+            </a:r>
+          </a:p>
+        </p:txBody>
+      </p:sp>
+      <p:sp>
+        <p:nvSpPr>
+          <p:cNvPr id="7" name="矩形 6"/>
+          <p:cNvSpPr/>
+          <p:nvPr/>
+        </p:nvSpPr>
+        <p:spPr>
+          <a:xfrm>
+            <a:off x="5921664" y="1551710"/>
+            <a:ext cx="701964" cy="267854"/>
+          </a:xfrm>
+          <a:prstGeom prst="rect">
+            <a:avLst/>
+          </a:prstGeom>
+        </p:spPr>
+        <p:style>
+          <a:lnRef idx="2">
+            <a:schemeClr val="accent1">
+              <a:shade val="50000"/>
+            </a:schemeClr>
+          </a:lnRef>
+          <a:fillRef idx="1">
+            <a:schemeClr val="accent1"/>
+          </a:fillRef>
+          <a:effectRef idx="0">
+            <a:schemeClr val="accent1"/>
+          </a:effectRef>
+          <a:fontRef idx="minor">
+            <a:schemeClr val="lt1"/>
+          </a:fontRef>
+        </p:style>
+        <p:txBody>
+          <a:bodyPr rtlCol="0" anchor="ctr"/>
+          <a:lstStyle/>
+          <a:p>
+            <a:pPr algn="ctr"/>
+            <a:r>
+              <a:rPr lang="zh-CN" altLang="en-US" sz="800" dirty="0"/>
+              <a:t>个人信息</a:t>
+            </a:r>
+          </a:p>
+        </p:txBody>
+      </p:sp>
+      <p:sp>
+        <p:nvSpPr>
+          <p:cNvPr id="4" name="矩形 3"/>
+          <p:cNvSpPr/>
+          <p:nvPr/>
+        </p:nvSpPr>
+        <p:spPr>
+          <a:xfrm>
+            <a:off x="677334" y="2346036"/>
+            <a:ext cx="975975" cy="452582"/>
+          </a:xfrm>
+          <a:prstGeom prst="rect">
+            <a:avLst/>
+          </a:prstGeom>
+        </p:spPr>
+        <p:style>
+          <a:lnRef idx="2">
+            <a:schemeClr val="accent1">
+              <a:shade val="50000"/>
+            </a:schemeClr>
+          </a:lnRef>
+          <a:fillRef idx="1">
+            <a:schemeClr val="accent1"/>
+          </a:fillRef>
+          <a:effectRef idx="0">
+            <a:schemeClr val="accent1"/>
+          </a:effectRef>
+          <a:fontRef idx="minor">
+            <a:schemeClr val="lt1"/>
+          </a:fontRef>
+        </p:style>
+        <p:txBody>
+          <a:bodyPr rtlCol="0" anchor="ctr"/>
+          <a:lstStyle/>
+          <a:p>
+            <a:pPr algn="ctr"/>
+            <a:r>
+              <a:rPr lang="zh-CN" altLang="en-US" sz="1400" dirty="0"/>
+              <a:t>报名</a:t>
+            </a:r>
+          </a:p>
+        </p:txBody>
+      </p:sp>
+      <p:sp>
+        <p:nvSpPr>
+          <p:cNvPr id="8" name="矩形 7"/>
+          <p:cNvSpPr/>
+          <p:nvPr/>
+        </p:nvSpPr>
+        <p:spPr>
+          <a:xfrm>
+            <a:off x="677333" y="2974108"/>
+            <a:ext cx="975975" cy="452582"/>
+          </a:xfrm>
+          <a:prstGeom prst="rect">
+            <a:avLst/>
+          </a:prstGeom>
+        </p:spPr>
+        <p:style>
+          <a:lnRef idx="2">
+            <a:schemeClr val="accent1">
+              <a:shade val="50000"/>
+            </a:schemeClr>
+          </a:lnRef>
+          <a:fillRef idx="1">
+            <a:schemeClr val="accent1"/>
+          </a:fillRef>
+          <a:effectRef idx="0">
+            <a:schemeClr val="accent1"/>
+          </a:effectRef>
+          <a:fontRef idx="minor">
+            <a:schemeClr val="lt1"/>
+          </a:fontRef>
+        </p:style>
+        <p:txBody>
+          <a:bodyPr rtlCol="0" anchor="ctr"/>
+          <a:lstStyle/>
+          <a:p>
+            <a:pPr algn="ctr"/>
+            <a:r>
+              <a:rPr lang="zh-CN" altLang="en-US" sz="1400" dirty="0">
+                <a:solidFill>
+                  <a:schemeClr val="bg1"/>
+                </a:solidFill>
+              </a:rPr>
+              <a:t>场地管理</a:t>
+            </a:r>
+          </a:p>
+        </p:txBody>
+      </p:sp>
+      <p:sp>
+        <p:nvSpPr>
+          <p:cNvPr id="9" name="矩形 8"/>
+          <p:cNvSpPr/>
+          <p:nvPr/>
+        </p:nvSpPr>
+        <p:spPr>
+          <a:xfrm>
+            <a:off x="677332" y="3532911"/>
+            <a:ext cx="975975" cy="452582"/>
+          </a:xfrm>
+          <a:prstGeom prst="rect">
+            <a:avLst/>
+          </a:prstGeom>
+        </p:spPr>
+        <p:style>
+          <a:lnRef idx="2">
+            <a:schemeClr val="accent1">
+              <a:shade val="50000"/>
+            </a:schemeClr>
+          </a:lnRef>
+          <a:fillRef idx="1">
+            <a:schemeClr val="accent1"/>
+          </a:fillRef>
+          <a:effectRef idx="0">
+            <a:schemeClr val="accent1"/>
+          </a:effectRef>
+          <a:fontRef idx="minor">
+            <a:schemeClr val="lt1"/>
+          </a:fontRef>
+        </p:style>
+        <p:txBody>
+          <a:bodyPr rtlCol="0" anchor="ctr"/>
+          <a:lstStyle/>
+          <a:p>
+            <a:pPr algn="ctr"/>
+            <a:r>
+              <a:rPr lang="zh-CN" altLang="en-US" sz="1400" dirty="0">
+                <a:solidFill>
+                  <a:schemeClr val="bg1"/>
+                </a:solidFill>
+              </a:rPr>
+              <a:t>用户管理</a:t>
+            </a:r>
+          </a:p>
+        </p:txBody>
+      </p:sp>
+      <p:sp>
+        <p:nvSpPr>
+          <p:cNvPr id="11" name="矩形 10"/>
+          <p:cNvSpPr/>
+          <p:nvPr/>
+        </p:nvSpPr>
+        <p:spPr>
+          <a:xfrm>
+            <a:off x="1902691" y="2253672"/>
+            <a:ext cx="5504180" cy="3731491"/>
+          </a:xfrm>
+          <a:prstGeom prst="rect">
+            <a:avLst/>
+          </a:prstGeom>
+        </p:spPr>
+        <p:style>
+          <a:lnRef idx="2">
+            <a:schemeClr val="accent1">
+              <a:shade val="50000"/>
+            </a:schemeClr>
+          </a:lnRef>
+          <a:fillRef idx="1">
+            <a:schemeClr val="accent1"/>
+          </a:fillRef>
+          <a:effectRef idx="0">
+            <a:schemeClr val="accent1"/>
+          </a:effectRef>
+          <a:fontRef idx="minor">
+            <a:schemeClr val="lt1"/>
+          </a:fontRef>
+        </p:style>
+        <p:txBody>
+          <a:bodyPr rtlCol="0" anchor="ctr"/>
+          <a:lstStyle/>
+          <a:p>
+            <a:pPr algn="ctr"/>
+            <a:endParaRPr lang="zh-CN" altLang="en-US" dirty="0"/>
+          </a:p>
+        </p:txBody>
+      </p:sp>
+      <p:sp>
+        <p:nvSpPr>
+          <p:cNvPr id="12" name="矩形 11"/>
+          <p:cNvSpPr/>
+          <p:nvPr/>
+        </p:nvSpPr>
+        <p:spPr>
+          <a:xfrm>
+            <a:off x="3141170" y="3180078"/>
+            <a:ext cx="977899" cy="295560"/>
+          </a:xfrm>
+          <a:prstGeom prst="rect">
+            <a:avLst/>
+          </a:prstGeom>
+        </p:spPr>
+        <p:style>
+          <a:lnRef idx="2">
+            <a:schemeClr val="accent1">
+              <a:shade val="50000"/>
+            </a:schemeClr>
+          </a:lnRef>
+          <a:fillRef idx="1">
+            <a:schemeClr val="accent1"/>
+          </a:fillRef>
+          <a:effectRef idx="0">
+            <a:schemeClr val="accent1"/>
+          </a:effectRef>
+          <a:fontRef idx="minor">
+            <a:schemeClr val="lt1"/>
+          </a:fontRef>
+        </p:style>
+        <p:txBody>
+          <a:bodyPr rtlCol="0" anchor="ctr"/>
+          <a:lstStyle/>
+          <a:p>
+            <a:pPr algn="ctr"/>
+            <a:r>
+              <a:rPr lang="zh-CN" altLang="en-US" sz="1200" dirty="0"/>
+              <a:t>时间</a:t>
+            </a:r>
+          </a:p>
+        </p:txBody>
+      </p:sp>
+      <p:sp>
+        <p:nvSpPr>
+          <p:cNvPr id="13" name="矩形 12"/>
+          <p:cNvSpPr/>
+          <p:nvPr/>
+        </p:nvSpPr>
+        <p:spPr>
+          <a:xfrm>
+            <a:off x="4403838" y="3172690"/>
+            <a:ext cx="822037" cy="350984"/>
+          </a:xfrm>
+          <a:prstGeom prst="rect">
+            <a:avLst/>
+          </a:prstGeom>
+        </p:spPr>
+        <p:style>
+          <a:lnRef idx="2">
+            <a:schemeClr val="accent1">
+              <a:shade val="50000"/>
+            </a:schemeClr>
+          </a:lnRef>
+          <a:fillRef idx="1">
+            <a:schemeClr val="accent1"/>
+          </a:fillRef>
+          <a:effectRef idx="0">
+            <a:schemeClr val="accent1"/>
+          </a:effectRef>
+          <a:fontRef idx="minor">
+            <a:schemeClr val="lt1"/>
+          </a:fontRef>
+        </p:style>
+        <p:txBody>
+          <a:bodyPr rtlCol="0" anchor="ctr"/>
+          <a:lstStyle/>
+          <a:p>
+            <a:pPr algn="ctr"/>
+            <a:r>
+              <a:rPr lang="zh-CN" altLang="en-US" sz="1200" dirty="0"/>
+              <a:t>原因</a:t>
+            </a:r>
+          </a:p>
+        </p:txBody>
+      </p:sp>
+      <p:sp>
+        <p:nvSpPr>
+          <p:cNvPr id="14" name="矩形 13"/>
+          <p:cNvSpPr/>
+          <p:nvPr/>
+        </p:nvSpPr>
+        <p:spPr>
+          <a:xfrm>
+            <a:off x="5510645" y="3200399"/>
+            <a:ext cx="822037" cy="323275"/>
+          </a:xfrm>
+          <a:prstGeom prst="rect">
+            <a:avLst/>
+          </a:prstGeom>
+        </p:spPr>
+        <p:style>
+          <a:lnRef idx="2">
+            <a:schemeClr val="accent1">
+              <a:shade val="50000"/>
+            </a:schemeClr>
+          </a:lnRef>
+          <a:fillRef idx="1">
+            <a:schemeClr val="accent1"/>
+          </a:fillRef>
+          <a:effectRef idx="0">
+            <a:schemeClr val="accent1"/>
+          </a:effectRef>
+          <a:fontRef idx="minor">
+            <a:schemeClr val="lt1"/>
+          </a:fontRef>
+        </p:style>
+        <p:txBody>
+          <a:bodyPr rtlCol="0" anchor="ctr"/>
+          <a:lstStyle/>
+          <a:p>
+            <a:pPr algn="ctr"/>
+            <a:r>
+              <a:rPr lang="zh-CN" altLang="en-US" sz="1200" dirty="0"/>
+              <a:t>金额</a:t>
+            </a:r>
+          </a:p>
+        </p:txBody>
+      </p:sp>
+      <p:sp>
+        <p:nvSpPr>
+          <p:cNvPr id="22" name="矩形 21"/>
+          <p:cNvSpPr/>
+          <p:nvPr/>
+        </p:nvSpPr>
+        <p:spPr>
+          <a:xfrm>
+            <a:off x="677331" y="4205488"/>
+            <a:ext cx="975975" cy="452582"/>
+          </a:xfrm>
+          <a:prstGeom prst="rect">
+            <a:avLst/>
+          </a:prstGeom>
+        </p:spPr>
+        <p:style>
+          <a:lnRef idx="2">
+            <a:schemeClr val="accent1">
+              <a:shade val="50000"/>
+            </a:schemeClr>
+          </a:lnRef>
+          <a:fillRef idx="1">
+            <a:schemeClr val="accent1"/>
+          </a:fillRef>
+          <a:effectRef idx="0">
+            <a:schemeClr val="accent1"/>
+          </a:effectRef>
+          <a:fontRef idx="minor">
+            <a:schemeClr val="lt1"/>
+          </a:fontRef>
+        </p:style>
+        <p:txBody>
+          <a:bodyPr rtlCol="0" anchor="ctr"/>
+          <a:lstStyle/>
+          <a:p>
+            <a:pPr algn="ctr"/>
+            <a:r>
+              <a:rPr lang="zh-CN" altLang="en-US" sz="1400" dirty="0">
+                <a:solidFill>
+                  <a:schemeClr val="bg1"/>
+                </a:solidFill>
+              </a:rPr>
+              <a:t>活动列表</a:t>
+            </a:r>
+          </a:p>
+        </p:txBody>
+      </p:sp>
+      <p:sp>
+        <p:nvSpPr>
+          <p:cNvPr id="19" name="矩形 18">
+            <a:extLst>
+              <a:ext uri="{FF2B5EF4-FFF2-40B4-BE49-F238E27FC236}">
+                <a16:creationId xmlns:a16="http://schemas.microsoft.com/office/drawing/2014/main" id="{4AB9B403-3081-4E21-AE8C-0DD053F2EFA7}"/>
+              </a:ext>
+            </a:extLst>
+          </p:cNvPr>
+          <p:cNvSpPr/>
+          <p:nvPr/>
+        </p:nvSpPr>
+        <p:spPr>
+          <a:xfrm>
+            <a:off x="677331" y="4899893"/>
+            <a:ext cx="975975" cy="452582"/>
+          </a:xfrm>
+          <a:prstGeom prst="rect">
+            <a:avLst/>
+          </a:prstGeom>
+        </p:spPr>
+        <p:style>
+          <a:lnRef idx="2">
+            <a:schemeClr val="accent1">
+              <a:shade val="50000"/>
+            </a:schemeClr>
+          </a:lnRef>
+          <a:fillRef idx="1">
+            <a:schemeClr val="accent1"/>
+          </a:fillRef>
+          <a:effectRef idx="0">
+            <a:schemeClr val="accent1"/>
+          </a:effectRef>
+          <a:fontRef idx="minor">
+            <a:schemeClr val="lt1"/>
+          </a:fontRef>
+        </p:style>
+        <p:txBody>
+          <a:bodyPr rtlCol="0" anchor="ctr"/>
+          <a:lstStyle/>
+          <a:p>
+            <a:pPr algn="ctr"/>
+            <a:r>
+              <a:rPr lang="zh-CN" altLang="en-US" sz="1400" b="1" dirty="0">
+                <a:solidFill>
+                  <a:srgbClr val="FF0000"/>
+                </a:solidFill>
+              </a:rPr>
+              <a:t>公共经费</a:t>
+            </a:r>
+          </a:p>
+        </p:txBody>
+      </p:sp>
+      <p:sp>
+        <p:nvSpPr>
+          <p:cNvPr id="20" name="矩形 19">
+            <a:extLst>
+              <a:ext uri="{FF2B5EF4-FFF2-40B4-BE49-F238E27FC236}">
+                <a16:creationId xmlns:a16="http://schemas.microsoft.com/office/drawing/2014/main" id="{318499BE-73BF-41D0-B321-2C612B35F44A}"/>
+              </a:ext>
+            </a:extLst>
+          </p:cNvPr>
+          <p:cNvSpPr/>
+          <p:nvPr/>
+        </p:nvSpPr>
+        <p:spPr>
+          <a:xfrm>
+            <a:off x="1996151" y="3172690"/>
+            <a:ext cx="977899" cy="295560"/>
+          </a:xfrm>
+          <a:prstGeom prst="rect">
+            <a:avLst/>
+          </a:prstGeom>
+        </p:spPr>
+        <p:style>
+          <a:lnRef idx="2">
+            <a:schemeClr val="accent1">
+              <a:shade val="50000"/>
+            </a:schemeClr>
+          </a:lnRef>
+          <a:fillRef idx="1">
+            <a:schemeClr val="accent1"/>
+          </a:fillRef>
+          <a:effectRef idx="0">
+            <a:schemeClr val="accent1"/>
+          </a:effectRef>
+          <a:fontRef idx="minor">
+            <a:schemeClr val="lt1"/>
+          </a:fontRef>
+        </p:style>
+        <p:txBody>
+          <a:bodyPr rtlCol="0" anchor="ctr"/>
+          <a:lstStyle/>
+          <a:p>
+            <a:pPr algn="ctr"/>
+            <a:r>
+              <a:rPr lang="zh-CN" altLang="en-US" sz="1200" dirty="0"/>
+              <a:t>类型（支出</a:t>
+            </a:r>
+            <a:r>
+              <a:rPr lang="en-US" altLang="zh-CN" sz="1200" dirty="0"/>
+              <a:t>/</a:t>
+            </a:r>
+            <a:r>
+              <a:rPr lang="zh-CN" altLang="en-US" sz="1200" dirty="0"/>
+              <a:t>收入）</a:t>
+            </a:r>
+          </a:p>
+        </p:txBody>
+      </p:sp>
+      <p:sp>
+        <p:nvSpPr>
+          <p:cNvPr id="23" name="矩形 22">
+            <a:extLst>
+              <a:ext uri="{FF2B5EF4-FFF2-40B4-BE49-F238E27FC236}">
+                <a16:creationId xmlns:a16="http://schemas.microsoft.com/office/drawing/2014/main" id="{90F2CCC3-401E-4EEB-B3B0-E1C2D2B3E3A7}"/>
+              </a:ext>
+            </a:extLst>
+          </p:cNvPr>
+          <p:cNvSpPr/>
+          <p:nvPr/>
+        </p:nvSpPr>
+        <p:spPr>
+          <a:xfrm>
+            <a:off x="3172342" y="2467883"/>
+            <a:ext cx="822037" cy="323275"/>
+          </a:xfrm>
+          <a:prstGeom prst="rect">
+            <a:avLst/>
+          </a:prstGeom>
+        </p:spPr>
+        <p:style>
+          <a:lnRef idx="2">
+            <a:schemeClr val="accent1">
+              <a:shade val="50000"/>
+            </a:schemeClr>
+          </a:lnRef>
+          <a:fillRef idx="1">
+            <a:schemeClr val="accent1"/>
+          </a:fillRef>
+          <a:effectRef idx="0">
+            <a:schemeClr val="accent1"/>
+          </a:effectRef>
+          <a:fontRef idx="minor">
+            <a:schemeClr val="lt1"/>
+          </a:fontRef>
+        </p:style>
+        <p:txBody>
+          <a:bodyPr rtlCol="0" anchor="ctr"/>
+          <a:lstStyle/>
+          <a:p>
+            <a:pPr algn="ctr"/>
+            <a:r>
+              <a:rPr lang="zh-CN" altLang="en-US" sz="1200" dirty="0"/>
+              <a:t>剩余额度</a:t>
+            </a:r>
+          </a:p>
+        </p:txBody>
+      </p:sp>
+    </p:spTree>
+    <p:extLst>
+      <p:ext uri="{BB962C8B-B14F-4D97-AF65-F5344CB8AC3E}">
+        <p14:creationId xmlns:p14="http://schemas.microsoft.com/office/powerpoint/2010/main" val="482918105"/>
+      </p:ext>
+    </p:extLst>
+  </p:cSld>
+  <p:clrMapOvr>
+    <a:masterClrMapping/>
+  </p:clrMapOvr>
+</p:sld>
+</file>
+
+<file path=ppt/slides/slide11.xml><?xml version="1.0" encoding="utf-8"?>
+<p:sld xmlns:a="http://schemas.openxmlformats.org/drawingml/2006/main" xmlns:r="http://schemas.openxmlformats.org/officeDocument/2006/relationships" xmlns:p="http://schemas.openxmlformats.org/presentationml/2006/main">
+  <p:cSld>
+    <p:spTree>
+      <p:nvGrpSpPr>
+        <p:cNvPr id="1" name=""/>
+        <p:cNvGrpSpPr/>
+        <p:nvPr/>
+      </p:nvGrpSpPr>
+      <p:grpSpPr>
+        <a:xfrm>
+          <a:off x="0" y="0"/>
+          <a:ext cx="0" cy="0"/>
+          <a:chOff x="0" y="0"/>
+          <a:chExt cx="0" cy="0"/>
+        </a:xfrm>
+      </p:grpSpPr>
+      <p:sp>
+        <p:nvSpPr>
+          <p:cNvPr id="2" name="标题 1"/>
+          <p:cNvSpPr>
+            <a:spLocks noGrp="1"/>
+          </p:cNvSpPr>
+          <p:nvPr>
+            <p:ph type="title"/>
+          </p:nvPr>
+        </p:nvSpPr>
+        <p:spPr>
+          <a:xfrm>
+            <a:off x="677334" y="609600"/>
+            <a:ext cx="8596668" cy="822036"/>
+          </a:xfrm>
+        </p:spPr>
+        <p:txBody>
+          <a:bodyPr/>
+          <a:lstStyle/>
+          <a:p>
+            <a:r>
+              <a:rPr lang="zh-CN" altLang="en-US" dirty="0"/>
+              <a:t>用户</a:t>
+            </a:r>
+          </a:p>
+        </p:txBody>
+      </p:sp>
+      <p:sp>
+        <p:nvSpPr>
+          <p:cNvPr id="5" name="矩形 4"/>
+          <p:cNvSpPr/>
+          <p:nvPr/>
+        </p:nvSpPr>
+        <p:spPr>
+          <a:xfrm>
+            <a:off x="572655" y="1431636"/>
+            <a:ext cx="7924800" cy="5357091"/>
+          </a:xfrm>
+          <a:prstGeom prst="rect">
+            <a:avLst/>
+          </a:prstGeom>
+        </p:spPr>
+        <p:style>
+          <a:lnRef idx="2">
+            <a:schemeClr val="accent1">
+              <a:shade val="50000"/>
+            </a:schemeClr>
+          </a:lnRef>
+          <a:fillRef idx="1">
+            <a:schemeClr val="accent1"/>
+          </a:fillRef>
+          <a:effectRef idx="0">
+            <a:schemeClr val="accent1"/>
+          </a:effectRef>
+          <a:fontRef idx="minor">
+            <a:schemeClr val="lt1"/>
+          </a:fontRef>
+        </p:style>
+        <p:txBody>
+          <a:bodyPr rtlCol="0" anchor="ctr"/>
+          <a:lstStyle/>
+          <a:p>
+            <a:pPr algn="ctr"/>
+            <a:endParaRPr lang="zh-CN" altLang="en-US" dirty="0"/>
+          </a:p>
+        </p:txBody>
+      </p:sp>
+      <p:sp>
+        <p:nvSpPr>
+          <p:cNvPr id="3" name="矩形 2"/>
+          <p:cNvSpPr/>
+          <p:nvPr/>
+        </p:nvSpPr>
+        <p:spPr>
+          <a:xfrm>
+            <a:off x="7481454" y="1551710"/>
+            <a:ext cx="701964" cy="267854"/>
+          </a:xfrm>
+          <a:prstGeom prst="rect">
+            <a:avLst/>
+          </a:prstGeom>
+        </p:spPr>
+        <p:style>
+          <a:lnRef idx="2">
+            <a:schemeClr val="accent1">
+              <a:shade val="50000"/>
+            </a:schemeClr>
+          </a:lnRef>
+          <a:fillRef idx="1">
+            <a:schemeClr val="accent1"/>
+          </a:fillRef>
+          <a:effectRef idx="0">
+            <a:schemeClr val="accent1"/>
+          </a:effectRef>
+          <a:fontRef idx="minor">
+            <a:schemeClr val="lt1"/>
+          </a:fontRef>
+        </p:style>
+        <p:txBody>
+          <a:bodyPr rtlCol="0" anchor="ctr"/>
+          <a:lstStyle/>
+          <a:p>
+            <a:pPr algn="ctr"/>
+            <a:r>
+              <a:rPr lang="zh-CN" altLang="en-US" sz="800" dirty="0"/>
+              <a:t>退出</a:t>
+            </a:r>
+            <a:r>
+              <a:rPr lang="en-US" altLang="zh-CN" sz="800" dirty="0"/>
+              <a:t>/</a:t>
+            </a:r>
+            <a:r>
+              <a:rPr lang="zh-CN" altLang="en-US" sz="800" dirty="0"/>
+              <a:t>登录</a:t>
+            </a:r>
+          </a:p>
+        </p:txBody>
+      </p:sp>
+      <p:sp>
+        <p:nvSpPr>
+          <p:cNvPr id="6" name="矩形 5"/>
+          <p:cNvSpPr/>
+          <p:nvPr/>
+        </p:nvSpPr>
+        <p:spPr>
+          <a:xfrm>
+            <a:off x="6704907" y="1551710"/>
+            <a:ext cx="701964" cy="267854"/>
+          </a:xfrm>
+          <a:prstGeom prst="rect">
+            <a:avLst/>
+          </a:prstGeom>
+        </p:spPr>
+        <p:style>
+          <a:lnRef idx="2">
+            <a:schemeClr val="accent1">
+              <a:shade val="50000"/>
+            </a:schemeClr>
+          </a:lnRef>
+          <a:fillRef idx="1">
+            <a:schemeClr val="accent1"/>
+          </a:fillRef>
+          <a:effectRef idx="0">
+            <a:schemeClr val="accent1"/>
+          </a:effectRef>
+          <a:fontRef idx="minor">
+            <a:schemeClr val="lt1"/>
+          </a:fontRef>
+        </p:style>
+        <p:txBody>
+          <a:bodyPr rtlCol="0" anchor="ctr"/>
+          <a:lstStyle/>
+          <a:p>
+            <a:pPr algn="ctr"/>
+            <a:r>
+              <a:rPr lang="zh-CN" altLang="en-US" sz="800" dirty="0"/>
+              <a:t>切换语言</a:t>
+            </a:r>
+          </a:p>
+        </p:txBody>
+      </p:sp>
+      <p:sp>
+        <p:nvSpPr>
+          <p:cNvPr id="7" name="矩形 6"/>
+          <p:cNvSpPr/>
+          <p:nvPr/>
+        </p:nvSpPr>
+        <p:spPr>
+          <a:xfrm>
+            <a:off x="5921664" y="1551710"/>
+            <a:ext cx="701964" cy="267854"/>
+          </a:xfrm>
+          <a:prstGeom prst="rect">
+            <a:avLst/>
+          </a:prstGeom>
+        </p:spPr>
+        <p:style>
+          <a:lnRef idx="2">
+            <a:schemeClr val="accent1">
+              <a:shade val="50000"/>
+            </a:schemeClr>
+          </a:lnRef>
+          <a:fillRef idx="1">
+            <a:schemeClr val="accent1"/>
+          </a:fillRef>
+          <a:effectRef idx="0">
+            <a:schemeClr val="accent1"/>
+          </a:effectRef>
+          <a:fontRef idx="minor">
+            <a:schemeClr val="lt1"/>
+          </a:fontRef>
+        </p:style>
+        <p:txBody>
+          <a:bodyPr rtlCol="0" anchor="ctr"/>
+          <a:lstStyle/>
+          <a:p>
+            <a:pPr algn="ctr"/>
+            <a:r>
+              <a:rPr lang="zh-CN" altLang="en-US" sz="800" dirty="0"/>
+              <a:t>个人信息</a:t>
+            </a:r>
+          </a:p>
+        </p:txBody>
+      </p:sp>
+      <p:sp>
+        <p:nvSpPr>
+          <p:cNvPr id="4" name="矩形 3"/>
+          <p:cNvSpPr/>
+          <p:nvPr/>
+        </p:nvSpPr>
+        <p:spPr>
+          <a:xfrm>
+            <a:off x="677334" y="2346036"/>
+            <a:ext cx="975975" cy="452582"/>
+          </a:xfrm>
+          <a:prstGeom prst="rect">
+            <a:avLst/>
+          </a:prstGeom>
+        </p:spPr>
+        <p:style>
+          <a:lnRef idx="2">
+            <a:schemeClr val="accent1">
+              <a:shade val="50000"/>
+            </a:schemeClr>
+          </a:lnRef>
+          <a:fillRef idx="1">
+            <a:schemeClr val="accent1"/>
+          </a:fillRef>
+          <a:effectRef idx="0">
+            <a:schemeClr val="accent1"/>
+          </a:effectRef>
+          <a:fontRef idx="minor">
+            <a:schemeClr val="lt1"/>
+          </a:fontRef>
+        </p:style>
+        <p:txBody>
+          <a:bodyPr rtlCol="0" anchor="ctr"/>
+          <a:lstStyle/>
+          <a:p>
+            <a:pPr algn="ctr"/>
+            <a:r>
+              <a:rPr lang="zh-CN" altLang="en-US" sz="1400" dirty="0"/>
+              <a:t>报名</a:t>
+            </a:r>
+          </a:p>
+        </p:txBody>
+      </p:sp>
+      <p:sp>
+        <p:nvSpPr>
+          <p:cNvPr id="8" name="矩形 7"/>
+          <p:cNvSpPr/>
+          <p:nvPr/>
+        </p:nvSpPr>
+        <p:spPr>
+          <a:xfrm>
+            <a:off x="677333" y="2974108"/>
+            <a:ext cx="975975" cy="452582"/>
+          </a:xfrm>
+          <a:prstGeom prst="rect">
+            <a:avLst/>
+          </a:prstGeom>
+        </p:spPr>
+        <p:style>
+          <a:lnRef idx="2">
+            <a:schemeClr val="accent1">
+              <a:shade val="50000"/>
+            </a:schemeClr>
+          </a:lnRef>
+          <a:fillRef idx="1">
+            <a:schemeClr val="accent1"/>
+          </a:fillRef>
+          <a:effectRef idx="0">
+            <a:schemeClr val="accent1"/>
+          </a:effectRef>
+          <a:fontRef idx="minor">
+            <a:schemeClr val="lt1"/>
+          </a:fontRef>
+        </p:style>
+        <p:txBody>
+          <a:bodyPr rtlCol="0" anchor="ctr"/>
+          <a:lstStyle/>
+          <a:p>
+            <a:pPr algn="ctr"/>
+            <a:r>
+              <a:rPr lang="zh-CN" altLang="en-US" sz="1400" dirty="0">
+                <a:solidFill>
+                  <a:schemeClr val="bg1"/>
+                </a:solidFill>
+              </a:rPr>
+              <a:t>场地管理</a:t>
+            </a:r>
+          </a:p>
+        </p:txBody>
+      </p:sp>
+      <p:sp>
+        <p:nvSpPr>
+          <p:cNvPr id="9" name="矩形 8"/>
+          <p:cNvSpPr/>
+          <p:nvPr/>
+        </p:nvSpPr>
+        <p:spPr>
+          <a:xfrm>
+            <a:off x="677332" y="3532911"/>
+            <a:ext cx="975975" cy="452582"/>
+          </a:xfrm>
+          <a:prstGeom prst="rect">
+            <a:avLst/>
+          </a:prstGeom>
+        </p:spPr>
+        <p:style>
+          <a:lnRef idx="2">
+            <a:schemeClr val="accent1">
+              <a:shade val="50000"/>
+            </a:schemeClr>
+          </a:lnRef>
+          <a:fillRef idx="1">
+            <a:schemeClr val="accent1"/>
+          </a:fillRef>
+          <a:effectRef idx="0">
+            <a:schemeClr val="accent1"/>
+          </a:effectRef>
+          <a:fontRef idx="minor">
+            <a:schemeClr val="lt1"/>
+          </a:fontRef>
+        </p:style>
+        <p:txBody>
+          <a:bodyPr rtlCol="0" anchor="ctr"/>
+          <a:lstStyle/>
+          <a:p>
+            <a:pPr algn="ctr"/>
+            <a:r>
+              <a:rPr lang="zh-CN" altLang="en-US" sz="1400" dirty="0">
+                <a:solidFill>
+                  <a:schemeClr val="bg1"/>
+                </a:solidFill>
+              </a:rPr>
+              <a:t>用户管理</a:t>
+            </a:r>
+          </a:p>
+        </p:txBody>
+      </p:sp>
+      <p:sp>
+        <p:nvSpPr>
+          <p:cNvPr id="11" name="矩形 10"/>
+          <p:cNvSpPr/>
+          <p:nvPr/>
+        </p:nvSpPr>
+        <p:spPr>
+          <a:xfrm>
+            <a:off x="1903846" y="2253672"/>
+            <a:ext cx="5504180" cy="3731491"/>
+          </a:xfrm>
+          <a:prstGeom prst="rect">
+            <a:avLst/>
+          </a:prstGeom>
+        </p:spPr>
+        <p:style>
+          <a:lnRef idx="2">
+            <a:schemeClr val="accent1">
+              <a:shade val="50000"/>
+            </a:schemeClr>
+          </a:lnRef>
+          <a:fillRef idx="1">
+            <a:schemeClr val="accent1"/>
+          </a:fillRef>
+          <a:effectRef idx="0">
+            <a:schemeClr val="accent1"/>
+          </a:effectRef>
+          <a:fontRef idx="minor">
+            <a:schemeClr val="lt1"/>
+          </a:fontRef>
+        </p:style>
+        <p:txBody>
+          <a:bodyPr rtlCol="0" anchor="ctr"/>
+          <a:lstStyle/>
+          <a:p>
+            <a:pPr algn="ctr"/>
+            <a:endParaRPr lang="zh-CN" altLang="en-US" dirty="0"/>
+          </a:p>
+        </p:txBody>
+      </p:sp>
+      <p:sp>
+        <p:nvSpPr>
+          <p:cNvPr id="12" name="矩形 11"/>
+          <p:cNvSpPr/>
+          <p:nvPr/>
+        </p:nvSpPr>
+        <p:spPr>
+          <a:xfrm>
+            <a:off x="2244435" y="2798618"/>
+            <a:ext cx="738909" cy="295557"/>
+          </a:xfrm>
+          <a:prstGeom prst="rect">
+            <a:avLst/>
+          </a:prstGeom>
+        </p:spPr>
+        <p:style>
+          <a:lnRef idx="2">
+            <a:schemeClr val="accent1">
+              <a:shade val="50000"/>
+            </a:schemeClr>
+          </a:lnRef>
+          <a:fillRef idx="1">
+            <a:schemeClr val="accent1"/>
+          </a:fillRef>
+          <a:effectRef idx="0">
+            <a:schemeClr val="accent1"/>
+          </a:effectRef>
+          <a:fontRef idx="minor">
+            <a:schemeClr val="lt1"/>
+          </a:fontRef>
+        </p:style>
+        <p:txBody>
+          <a:bodyPr rtlCol="0" anchor="ctr"/>
+          <a:lstStyle/>
+          <a:p>
+            <a:pPr algn="ctr"/>
+            <a:r>
+              <a:rPr lang="zh-CN" altLang="en-US" sz="1200" dirty="0"/>
+              <a:t>用户</a:t>
+            </a:r>
+            <a:r>
+              <a:rPr lang="en-US" altLang="zh-CN" sz="1200" dirty="0"/>
+              <a:t>	</a:t>
+            </a:r>
+            <a:endParaRPr lang="zh-CN" altLang="en-US" sz="1200" dirty="0"/>
+          </a:p>
+        </p:txBody>
+      </p:sp>
+      <p:sp>
+        <p:nvSpPr>
+          <p:cNvPr id="13" name="矩形 12"/>
+          <p:cNvSpPr/>
+          <p:nvPr/>
+        </p:nvSpPr>
+        <p:spPr>
+          <a:xfrm>
+            <a:off x="3232726" y="2770903"/>
+            <a:ext cx="840510" cy="360158"/>
+          </a:xfrm>
+          <a:prstGeom prst="rect">
+            <a:avLst/>
+          </a:prstGeom>
+        </p:spPr>
+        <p:style>
+          <a:lnRef idx="2">
+            <a:schemeClr val="accent1">
+              <a:shade val="50000"/>
+            </a:schemeClr>
+          </a:lnRef>
+          <a:fillRef idx="1">
+            <a:schemeClr val="accent1"/>
+          </a:fillRef>
+          <a:effectRef idx="0">
+            <a:schemeClr val="accent1"/>
+          </a:effectRef>
+          <a:fontRef idx="minor">
+            <a:schemeClr val="lt1"/>
+          </a:fontRef>
+        </p:style>
+        <p:txBody>
+          <a:bodyPr rtlCol="0" anchor="ctr"/>
+          <a:lstStyle/>
+          <a:p>
+            <a:pPr algn="ctr"/>
+            <a:r>
+              <a:rPr lang="zh-CN" altLang="en-US" sz="1200" dirty="0"/>
+              <a:t>充值总额</a:t>
+            </a:r>
+          </a:p>
+        </p:txBody>
+      </p:sp>
+      <p:sp>
+        <p:nvSpPr>
+          <p:cNvPr id="15" name="矩形 14"/>
+          <p:cNvSpPr/>
+          <p:nvPr/>
+        </p:nvSpPr>
+        <p:spPr>
+          <a:xfrm>
+            <a:off x="5461692" y="2770903"/>
+            <a:ext cx="799292" cy="323272"/>
+          </a:xfrm>
+          <a:prstGeom prst="rect">
+            <a:avLst/>
+          </a:prstGeom>
+        </p:spPr>
+        <p:style>
+          <a:lnRef idx="2">
+            <a:schemeClr val="accent1">
+              <a:shade val="50000"/>
+            </a:schemeClr>
+          </a:lnRef>
+          <a:fillRef idx="1">
+            <a:schemeClr val="accent1"/>
+          </a:fillRef>
+          <a:effectRef idx="0">
+            <a:schemeClr val="accent1"/>
+          </a:effectRef>
+          <a:fontRef idx="minor">
+            <a:schemeClr val="lt1"/>
+          </a:fontRef>
+        </p:style>
+        <p:txBody>
+          <a:bodyPr rtlCol="0" anchor="ctr"/>
+          <a:lstStyle/>
+          <a:p>
+            <a:pPr algn="ctr"/>
+            <a:r>
+              <a:rPr lang="zh-CN" altLang="en-US" sz="1200" dirty="0"/>
+              <a:t>综合费用</a:t>
+            </a:r>
+          </a:p>
+        </p:txBody>
+      </p:sp>
+      <p:sp>
+        <p:nvSpPr>
+          <p:cNvPr id="16" name="矩形 15"/>
+          <p:cNvSpPr/>
+          <p:nvPr/>
+        </p:nvSpPr>
+        <p:spPr>
+          <a:xfrm>
+            <a:off x="4652584" y="3292764"/>
+            <a:ext cx="977899" cy="295560"/>
+          </a:xfrm>
+          <a:prstGeom prst="rect">
+            <a:avLst/>
+          </a:prstGeom>
+        </p:spPr>
+        <p:style>
+          <a:lnRef idx="2">
+            <a:schemeClr val="accent1">
+              <a:shade val="50000"/>
+            </a:schemeClr>
+          </a:lnRef>
+          <a:fillRef idx="1">
+            <a:schemeClr val="accent1"/>
+          </a:fillRef>
+          <a:effectRef idx="0">
+            <a:schemeClr val="accent1"/>
+          </a:effectRef>
+          <a:fontRef idx="minor">
+            <a:schemeClr val="lt1"/>
+          </a:fontRef>
+        </p:style>
+        <p:txBody>
+          <a:bodyPr rtlCol="0" anchor="ctr"/>
+          <a:lstStyle/>
+          <a:p>
+            <a:pPr algn="ctr"/>
+            <a:r>
+              <a:rPr lang="zh-CN" altLang="en-US" sz="1200" dirty="0"/>
+              <a:t>消费记录</a:t>
+            </a:r>
+          </a:p>
+        </p:txBody>
+      </p:sp>
+      <p:sp>
+        <p:nvSpPr>
+          <p:cNvPr id="17" name="矩形 16"/>
+          <p:cNvSpPr/>
+          <p:nvPr/>
+        </p:nvSpPr>
+        <p:spPr>
+          <a:xfrm>
+            <a:off x="3425303" y="3292764"/>
+            <a:ext cx="977899" cy="295560"/>
+          </a:xfrm>
+          <a:prstGeom prst="rect">
+            <a:avLst/>
+          </a:prstGeom>
+        </p:spPr>
+        <p:style>
+          <a:lnRef idx="2">
+            <a:schemeClr val="accent1">
+              <a:shade val="50000"/>
+            </a:schemeClr>
+          </a:lnRef>
+          <a:fillRef idx="1">
+            <a:schemeClr val="accent1"/>
+          </a:fillRef>
+          <a:effectRef idx="0">
+            <a:schemeClr val="accent1"/>
+          </a:effectRef>
+          <a:fontRef idx="minor">
+            <a:schemeClr val="lt1"/>
+          </a:fontRef>
+        </p:style>
+        <p:txBody>
+          <a:bodyPr rtlCol="0" anchor="ctr"/>
+          <a:lstStyle/>
+          <a:p>
+            <a:pPr algn="ctr"/>
+            <a:r>
+              <a:rPr lang="zh-CN" altLang="en-US" sz="1200" dirty="0"/>
+              <a:t>充值记录</a:t>
+            </a:r>
+          </a:p>
+        </p:txBody>
+      </p:sp>
+      <p:sp>
+        <p:nvSpPr>
+          <p:cNvPr id="18" name="矩形 17"/>
+          <p:cNvSpPr/>
+          <p:nvPr/>
+        </p:nvSpPr>
+        <p:spPr>
+          <a:xfrm>
+            <a:off x="3442849" y="4221075"/>
+            <a:ext cx="977899" cy="295560"/>
+          </a:xfrm>
+          <a:prstGeom prst="rect">
+            <a:avLst/>
+          </a:prstGeom>
+        </p:spPr>
+        <p:style>
+          <a:lnRef idx="2">
+            <a:schemeClr val="accent1">
+              <a:shade val="50000"/>
+            </a:schemeClr>
+          </a:lnRef>
+          <a:fillRef idx="1">
+            <a:schemeClr val="accent1"/>
+          </a:fillRef>
+          <a:effectRef idx="0">
+            <a:schemeClr val="accent1"/>
+          </a:effectRef>
+          <a:fontRef idx="minor">
+            <a:schemeClr val="lt1"/>
+          </a:fontRef>
+        </p:style>
+        <p:txBody>
+          <a:bodyPr rtlCol="0" anchor="ctr"/>
+          <a:lstStyle/>
+          <a:p>
+            <a:pPr algn="ctr"/>
+            <a:r>
+              <a:rPr lang="zh-CN" altLang="en-US" sz="1200" dirty="0"/>
+              <a:t>活动场地</a:t>
+            </a:r>
+            <a:endParaRPr lang="en-US" altLang="zh-CN" sz="1200" dirty="0"/>
+          </a:p>
+        </p:txBody>
+      </p:sp>
+      <p:sp>
+        <p:nvSpPr>
+          <p:cNvPr id="19" name="矩形 18"/>
+          <p:cNvSpPr/>
+          <p:nvPr/>
+        </p:nvSpPr>
+        <p:spPr>
+          <a:xfrm>
+            <a:off x="2244435" y="4230253"/>
+            <a:ext cx="977899" cy="295560"/>
+          </a:xfrm>
+          <a:prstGeom prst="rect">
+            <a:avLst/>
+          </a:prstGeom>
+        </p:spPr>
+        <p:style>
+          <a:lnRef idx="2">
+            <a:schemeClr val="accent1">
+              <a:shade val="50000"/>
+            </a:schemeClr>
+          </a:lnRef>
+          <a:fillRef idx="1">
+            <a:schemeClr val="accent1"/>
+          </a:fillRef>
+          <a:effectRef idx="0">
+            <a:schemeClr val="accent1"/>
+          </a:effectRef>
+          <a:fontRef idx="minor">
+            <a:schemeClr val="lt1"/>
+          </a:fontRef>
+        </p:style>
+        <p:txBody>
+          <a:bodyPr rtlCol="0" anchor="ctr"/>
+          <a:lstStyle/>
+          <a:p>
+            <a:pPr algn="ctr"/>
+            <a:r>
+              <a:rPr lang="zh-CN" altLang="en-US" sz="1200" dirty="0"/>
+              <a:t>活动时间</a:t>
+            </a:r>
+            <a:endParaRPr lang="en-US" altLang="zh-CN" sz="1200" dirty="0"/>
+          </a:p>
+        </p:txBody>
+      </p:sp>
+      <p:sp>
+        <p:nvSpPr>
+          <p:cNvPr id="20" name="矩形 19"/>
+          <p:cNvSpPr/>
+          <p:nvPr/>
+        </p:nvSpPr>
+        <p:spPr>
+          <a:xfrm>
+            <a:off x="4552370" y="4221075"/>
+            <a:ext cx="977899" cy="295560"/>
+          </a:xfrm>
+          <a:prstGeom prst="rect">
+            <a:avLst/>
+          </a:prstGeom>
+        </p:spPr>
+        <p:style>
+          <a:lnRef idx="2">
+            <a:schemeClr val="accent1">
+              <a:shade val="50000"/>
+            </a:schemeClr>
+          </a:lnRef>
+          <a:fillRef idx="1">
+            <a:schemeClr val="accent1"/>
+          </a:fillRef>
+          <a:effectRef idx="0">
+            <a:schemeClr val="accent1"/>
+          </a:effectRef>
+          <a:fontRef idx="minor">
+            <a:schemeClr val="lt1"/>
+          </a:fontRef>
+        </p:style>
+        <p:txBody>
+          <a:bodyPr rtlCol="0" anchor="ctr"/>
+          <a:lstStyle/>
+          <a:p>
+            <a:pPr algn="ctr"/>
+            <a:r>
+              <a:rPr lang="zh-CN" altLang="en-US" sz="1200" dirty="0"/>
+              <a:t>总人数</a:t>
+            </a:r>
+            <a:endParaRPr lang="en-US" altLang="zh-CN" sz="1200" dirty="0"/>
+          </a:p>
+        </p:txBody>
+      </p:sp>
+      <p:sp>
+        <p:nvSpPr>
+          <p:cNvPr id="21" name="文本框 20"/>
+          <p:cNvSpPr txBox="1"/>
+          <p:nvPr/>
+        </p:nvSpPr>
+        <p:spPr>
+          <a:xfrm>
+            <a:off x="5646412" y="3242024"/>
+            <a:ext cx="2723823" cy="369332"/>
+          </a:xfrm>
+          <a:prstGeom prst="rect">
+            <a:avLst/>
+          </a:prstGeom>
+          <a:noFill/>
+        </p:spPr>
+        <p:txBody>
+          <a:bodyPr wrap="none" rtlCol="0">
+            <a:spAutoFit/>
+          </a:bodyPr>
+          <a:lstStyle/>
+          <a:p>
+            <a:r>
+              <a:rPr lang="zh-CN" altLang="en-US" dirty="0"/>
+              <a:t>按钮，根据时间显示详细</a:t>
+            </a:r>
+          </a:p>
+        </p:txBody>
+      </p:sp>
+      <p:sp>
+        <p:nvSpPr>
+          <p:cNvPr id="22" name="矩形 21"/>
+          <p:cNvSpPr/>
+          <p:nvPr/>
+        </p:nvSpPr>
+        <p:spPr>
+          <a:xfrm>
+            <a:off x="677333" y="4264889"/>
+            <a:ext cx="975975" cy="452582"/>
+          </a:xfrm>
+          <a:prstGeom prst="rect">
+            <a:avLst/>
+          </a:prstGeom>
+        </p:spPr>
+        <p:style>
+          <a:lnRef idx="2">
+            <a:schemeClr val="accent1">
+              <a:shade val="50000"/>
+            </a:schemeClr>
+          </a:lnRef>
+          <a:fillRef idx="1">
+            <a:schemeClr val="accent1"/>
+          </a:fillRef>
+          <a:effectRef idx="0">
+            <a:schemeClr val="accent1"/>
+          </a:effectRef>
+          <a:fontRef idx="minor">
+            <a:schemeClr val="lt1"/>
+          </a:fontRef>
+        </p:style>
+        <p:txBody>
+          <a:bodyPr rtlCol="0" anchor="ctr"/>
+          <a:lstStyle/>
+          <a:p>
+            <a:pPr algn="ctr"/>
+            <a:r>
+              <a:rPr lang="zh-CN" altLang="en-US" sz="1400" b="1" dirty="0">
+                <a:solidFill>
+                  <a:srgbClr val="FF0000"/>
+                </a:solidFill>
+              </a:rPr>
+              <a:t>费用报表</a:t>
+            </a:r>
+          </a:p>
+        </p:txBody>
+      </p:sp>
+      <p:sp>
+        <p:nvSpPr>
+          <p:cNvPr id="23" name="矩形 22"/>
+          <p:cNvSpPr/>
+          <p:nvPr/>
+        </p:nvSpPr>
+        <p:spPr>
+          <a:xfrm>
+            <a:off x="4274588" y="2766317"/>
+            <a:ext cx="840510" cy="360158"/>
+          </a:xfrm>
+          <a:prstGeom prst="rect">
+            <a:avLst/>
+          </a:prstGeom>
+        </p:spPr>
+        <p:style>
+          <a:lnRef idx="2">
+            <a:schemeClr val="accent1">
+              <a:shade val="50000"/>
+            </a:schemeClr>
+          </a:lnRef>
+          <a:fillRef idx="1">
+            <a:schemeClr val="accent1"/>
+          </a:fillRef>
+          <a:effectRef idx="0">
+            <a:schemeClr val="accent1"/>
+          </a:effectRef>
+          <a:fontRef idx="minor">
+            <a:schemeClr val="lt1"/>
+          </a:fontRef>
+        </p:style>
+        <p:txBody>
+          <a:bodyPr rtlCol="0" anchor="ctr"/>
+          <a:lstStyle/>
+          <a:p>
+            <a:pPr algn="ctr"/>
+            <a:r>
+              <a:rPr lang="zh-CN" altLang="en-US" sz="1200" dirty="0"/>
+              <a:t>消费总额</a:t>
+            </a:r>
+          </a:p>
+        </p:txBody>
+      </p:sp>
+      <p:sp>
+        <p:nvSpPr>
+          <p:cNvPr id="24" name="矩形 23"/>
+          <p:cNvSpPr/>
+          <p:nvPr/>
+        </p:nvSpPr>
+        <p:spPr>
+          <a:xfrm>
+            <a:off x="5848980" y="4221075"/>
+            <a:ext cx="977899" cy="295560"/>
+          </a:xfrm>
+          <a:prstGeom prst="rect">
+            <a:avLst/>
+          </a:prstGeom>
+        </p:spPr>
+        <p:style>
+          <a:lnRef idx="2">
+            <a:schemeClr val="accent1">
+              <a:shade val="50000"/>
+            </a:schemeClr>
+          </a:lnRef>
+          <a:fillRef idx="1">
+            <a:schemeClr val="accent1"/>
+          </a:fillRef>
+          <a:effectRef idx="0">
+            <a:schemeClr val="accent1"/>
+          </a:effectRef>
+          <a:fontRef idx="minor">
+            <a:schemeClr val="lt1"/>
+          </a:fontRef>
+        </p:style>
+        <p:txBody>
+          <a:bodyPr rtlCol="0" anchor="ctr"/>
+          <a:lstStyle/>
+          <a:p>
+            <a:pPr algn="ctr"/>
+            <a:r>
+              <a:rPr lang="zh-CN" altLang="en-US" sz="1200" dirty="0"/>
+              <a:t>平均费用</a:t>
+            </a:r>
+            <a:endParaRPr lang="en-US" altLang="zh-CN" sz="1200" dirty="0"/>
+          </a:p>
+        </p:txBody>
+      </p:sp>
+    </p:spTree>
+    <p:extLst>
+      <p:ext uri="{BB962C8B-B14F-4D97-AF65-F5344CB8AC3E}">
+        <p14:creationId xmlns:p14="http://schemas.microsoft.com/office/powerpoint/2010/main" val="3148751744"/>
+      </p:ext>
+    </p:extLst>
+  </p:cSld>
+  <p:clrMapOvr>
+    <a:masterClrMapping/>
+  </p:clrMapOvr>
+</p:sld>
+</file>
+
 <file path=ppt/slides/slide2.xml><?xml version="1.0" encoding="utf-8"?>
 <p:sld xmlns:a="http://schemas.openxmlformats.org/drawingml/2006/main" xmlns:r="http://schemas.openxmlformats.org/officeDocument/2006/relationships" xmlns:p="http://schemas.openxmlformats.org/presentationml/2006/main">
   <p:cSld>
@@ -7698,7 +9372,7 @@
           <a:p>
             <a:r>
               <a:rPr lang="zh-CN" altLang="en-US" dirty="0"/>
-              <a:t>用户</a:t>
+              <a:t>场地</a:t>
             </a:r>
           </a:p>
         </p:txBody>
@@ -7739,7 +9413,7 @@
           <a:lstStyle/>
           <a:p>
             <a:pPr algn="ctr"/>
-            <a:endParaRPr lang="zh-CN" altLang="en-US" dirty="0"/>
+            <a:endParaRPr lang="zh-CN" altLang="en-US"/>
           </a:p>
         </p:txBody>
       </p:sp>
@@ -7932,53 +9606,6 @@
         <p:spPr>
           <a:xfrm>
             <a:off x="677333" y="2974108"/>
-            <a:ext cx="975975" cy="452582"/>
-          </a:xfrm>
-          <a:prstGeom prst="rect">
-            <a:avLst/>
-          </a:prstGeom>
-        </p:spPr>
-        <p:style>
-          <a:lnRef idx="2">
-            <a:schemeClr val="accent1">
-              <a:shade val="50000"/>
-            </a:schemeClr>
-          </a:lnRef>
-          <a:fillRef idx="1">
-            <a:schemeClr val="accent1"/>
-          </a:fillRef>
-          <a:effectRef idx="0">
-            <a:schemeClr val="accent1"/>
-          </a:effectRef>
-          <a:fontRef idx="minor">
-            <a:schemeClr val="lt1"/>
-          </a:fontRef>
-        </p:style>
-        <p:txBody>
-          <a:bodyPr rtlCol="0" anchor="ctr"/>
-          <a:lstStyle/>
-          <a:p>
-            <a:pPr algn="ctr"/>
-            <a:r>
-              <a:rPr lang="zh-CN" altLang="en-US" sz="1400" dirty="0">
-                <a:solidFill>
-                  <a:schemeClr val="bg1"/>
-                </a:solidFill>
-              </a:rPr>
-              <a:t>场地管理</a:t>
-            </a:r>
-          </a:p>
-        </p:txBody>
-      </p:sp>
-      <p:sp>
-        <p:nvSpPr>
-          <p:cNvPr id="9" name="矩形 8"/>
-          <p:cNvSpPr/>
-          <p:nvPr/>
-        </p:nvSpPr>
-        <p:spPr>
-          <a:xfrm>
-            <a:off x="677332" y="3532911"/>
             <a:ext cx="975975" cy="452582"/>
           </a:xfrm>
           <a:prstGeom prst="rect">
@@ -8012,6 +9639,49 @@
                   <a:srgbClr val="FF0000"/>
                 </a:solidFill>
               </a:rPr>
+              <a:t>场地管理</a:t>
+            </a:r>
+          </a:p>
+        </p:txBody>
+      </p:sp>
+      <p:sp>
+        <p:nvSpPr>
+          <p:cNvPr id="9" name="矩形 8"/>
+          <p:cNvSpPr/>
+          <p:nvPr/>
+        </p:nvSpPr>
+        <p:spPr>
+          <a:xfrm>
+            <a:off x="677333" y="3602180"/>
+            <a:ext cx="975975" cy="452582"/>
+          </a:xfrm>
+          <a:prstGeom prst="rect">
+            <a:avLst/>
+          </a:prstGeom>
+        </p:spPr>
+        <p:style>
+          <a:lnRef idx="2">
+            <a:schemeClr val="accent1">
+              <a:shade val="50000"/>
+            </a:schemeClr>
+          </a:lnRef>
+          <a:fillRef idx="1">
+            <a:schemeClr val="accent1"/>
+          </a:fillRef>
+          <a:effectRef idx="0">
+            <a:schemeClr val="accent1"/>
+          </a:effectRef>
+          <a:fontRef idx="minor">
+            <a:schemeClr val="lt1"/>
+          </a:fontRef>
+        </p:style>
+        <p:txBody>
+          <a:bodyPr rtlCol="0" anchor="ctr"/>
+          <a:lstStyle/>
+          <a:p>
+            <a:pPr algn="ctr"/>
+            <a:r>
+              <a:rPr lang="zh-CN" altLang="en-US" sz="1400" dirty="0"/>
               <a:t>用户管理</a:t>
             </a:r>
           </a:p>
@@ -8025,7 +9695,7 @@
         </p:nvSpPr>
         <p:spPr>
           <a:xfrm>
-            <a:off x="1902691" y="2253672"/>
+            <a:off x="1902691" y="2189016"/>
             <a:ext cx="5504180" cy="3731491"/>
           </a:xfrm>
           <a:prstGeom prst="rect">
@@ -8053,19 +9723,19 @@
           <a:lstStyle/>
           <a:p>
             <a:pPr algn="ctr"/>
-            <a:endParaRPr lang="zh-CN" altLang="en-US" dirty="0"/>
-          </a:p>
-        </p:txBody>
-      </p:sp>
-      <p:sp>
-        <p:nvSpPr>
-          <p:cNvPr id="12" name="矩形 11"/>
-          <p:cNvSpPr/>
-          <p:nvPr/>
-        </p:nvSpPr>
-        <p:spPr>
-          <a:xfrm>
-            <a:off x="2244436" y="2798618"/>
+            <a:endParaRPr lang="zh-CN" altLang="en-US"/>
+          </a:p>
+        </p:txBody>
+      </p:sp>
+      <p:sp>
+        <p:nvSpPr>
+          <p:cNvPr id="18" name="矩形 17"/>
+          <p:cNvSpPr/>
+          <p:nvPr/>
+        </p:nvSpPr>
+        <p:spPr>
+          <a:xfrm>
+            <a:off x="2072640" y="2530759"/>
             <a:ext cx="977899" cy="295560"/>
           </a:xfrm>
           <a:prstGeom prst="rect">
@@ -8095,270 +9765,7 @@
             <a:pPr algn="ctr"/>
             <a:r>
               <a:rPr lang="zh-CN" altLang="en-US" sz="1200" dirty="0"/>
-              <a:t>用户</a:t>
-            </a:r>
-            <a:r>
-              <a:rPr lang="en-US" altLang="zh-CN" sz="1200" dirty="0"/>
-              <a:t>ID	</a:t>
-            </a:r>
-            <a:endParaRPr lang="zh-CN" altLang="en-US" sz="1200" dirty="0"/>
-          </a:p>
-        </p:txBody>
-      </p:sp>
-      <p:sp>
-        <p:nvSpPr>
-          <p:cNvPr id="13" name="矩形 12"/>
-          <p:cNvSpPr/>
-          <p:nvPr/>
-        </p:nvSpPr>
-        <p:spPr>
-          <a:xfrm>
-            <a:off x="3471717" y="2770906"/>
-            <a:ext cx="822037" cy="350984"/>
-          </a:xfrm>
-          <a:prstGeom prst="rect">
-            <a:avLst/>
-          </a:prstGeom>
-        </p:spPr>
-        <p:style>
-          <a:lnRef idx="2">
-            <a:schemeClr val="accent1">
-              <a:shade val="50000"/>
-            </a:schemeClr>
-          </a:lnRef>
-          <a:fillRef idx="1">
-            <a:schemeClr val="accent1"/>
-          </a:fillRef>
-          <a:effectRef idx="0">
-            <a:schemeClr val="accent1"/>
-          </a:effectRef>
-          <a:fontRef idx="minor">
-            <a:schemeClr val="lt1"/>
-          </a:fontRef>
-        </p:style>
-        <p:txBody>
-          <a:bodyPr rtlCol="0" anchor="ctr"/>
-          <a:lstStyle/>
-          <a:p>
-            <a:pPr algn="ctr"/>
-            <a:r>
-              <a:rPr lang="zh-CN" altLang="en-US" sz="1200" dirty="0"/>
-              <a:t>用户姓名</a:t>
-            </a:r>
-          </a:p>
-        </p:txBody>
-      </p:sp>
-      <p:sp>
-        <p:nvSpPr>
-          <p:cNvPr id="14" name="矩形 13"/>
-          <p:cNvSpPr/>
-          <p:nvPr/>
-        </p:nvSpPr>
-        <p:spPr>
-          <a:xfrm>
-            <a:off x="4543136" y="2770907"/>
-            <a:ext cx="684646" cy="323272"/>
-          </a:xfrm>
-          <a:prstGeom prst="rect">
-            <a:avLst/>
-          </a:prstGeom>
-        </p:spPr>
-        <p:style>
-          <a:lnRef idx="2">
-            <a:schemeClr val="accent1">
-              <a:shade val="50000"/>
-            </a:schemeClr>
-          </a:lnRef>
-          <a:fillRef idx="1">
-            <a:schemeClr val="accent1"/>
-          </a:fillRef>
-          <a:effectRef idx="0">
-            <a:schemeClr val="accent1"/>
-          </a:effectRef>
-          <a:fontRef idx="minor">
-            <a:schemeClr val="lt1"/>
-          </a:fontRef>
-        </p:style>
-        <p:txBody>
-          <a:bodyPr rtlCol="0" anchor="ctr"/>
-          <a:lstStyle/>
-          <a:p>
-            <a:pPr algn="ctr"/>
-            <a:r>
-              <a:rPr lang="zh-CN" altLang="en-US" sz="1200" dirty="0"/>
-              <a:t>密码</a:t>
-            </a:r>
-          </a:p>
-        </p:txBody>
-      </p:sp>
-      <p:sp>
-        <p:nvSpPr>
-          <p:cNvPr id="15" name="矩形 14"/>
-          <p:cNvSpPr/>
-          <p:nvPr/>
-        </p:nvSpPr>
-        <p:spPr>
-          <a:xfrm>
-            <a:off x="6205682" y="2770906"/>
-            <a:ext cx="799292" cy="323272"/>
-          </a:xfrm>
-          <a:prstGeom prst="rect">
-            <a:avLst/>
-          </a:prstGeom>
-        </p:spPr>
-        <p:style>
-          <a:lnRef idx="2">
-            <a:schemeClr val="accent1">
-              <a:shade val="50000"/>
-            </a:schemeClr>
-          </a:lnRef>
-          <a:fillRef idx="1">
-            <a:schemeClr val="accent1"/>
-          </a:fillRef>
-          <a:effectRef idx="0">
-            <a:schemeClr val="accent1"/>
-          </a:effectRef>
-          <a:fontRef idx="minor">
-            <a:schemeClr val="lt1"/>
-          </a:fontRef>
-        </p:style>
-        <p:txBody>
-          <a:bodyPr rtlCol="0" anchor="ctr"/>
-          <a:lstStyle/>
-          <a:p>
-            <a:pPr algn="ctr"/>
-            <a:r>
-              <a:rPr lang="zh-CN" altLang="en-US" sz="1200" dirty="0"/>
-              <a:t>电话信息</a:t>
-            </a:r>
-          </a:p>
-        </p:txBody>
-      </p:sp>
-      <p:sp>
-        <p:nvSpPr>
-          <p:cNvPr id="16" name="矩形 15"/>
-          <p:cNvSpPr/>
-          <p:nvPr/>
-        </p:nvSpPr>
-        <p:spPr>
-          <a:xfrm>
-            <a:off x="2244436" y="3292764"/>
-            <a:ext cx="977899" cy="295560"/>
-          </a:xfrm>
-          <a:prstGeom prst="rect">
-            <a:avLst/>
-          </a:prstGeom>
-        </p:spPr>
-        <p:style>
-          <a:lnRef idx="2">
-            <a:schemeClr val="accent1">
-              <a:shade val="50000"/>
-            </a:schemeClr>
-          </a:lnRef>
-          <a:fillRef idx="1">
-            <a:schemeClr val="accent1"/>
-          </a:fillRef>
-          <a:effectRef idx="0">
-            <a:schemeClr val="accent1"/>
-          </a:effectRef>
-          <a:fontRef idx="minor">
-            <a:schemeClr val="lt1"/>
-          </a:fontRef>
-        </p:style>
-        <p:txBody>
-          <a:bodyPr rtlCol="0" anchor="ctr"/>
-          <a:lstStyle/>
-          <a:p>
-            <a:pPr algn="ctr"/>
-            <a:r>
-              <a:rPr lang="zh-CN" altLang="en-US" sz="1200" dirty="0"/>
-              <a:t>消费记录</a:t>
-            </a:r>
-          </a:p>
-        </p:txBody>
-      </p:sp>
-      <p:sp>
-        <p:nvSpPr>
-          <p:cNvPr id="17" name="矩形 16"/>
-          <p:cNvSpPr/>
-          <p:nvPr/>
-        </p:nvSpPr>
-        <p:spPr>
-          <a:xfrm>
-            <a:off x="3425303" y="3292764"/>
-            <a:ext cx="977899" cy="295560"/>
-          </a:xfrm>
-          <a:prstGeom prst="rect">
-            <a:avLst/>
-          </a:prstGeom>
-        </p:spPr>
-        <p:style>
-          <a:lnRef idx="2">
-            <a:schemeClr val="accent1">
-              <a:shade val="50000"/>
-            </a:schemeClr>
-          </a:lnRef>
-          <a:fillRef idx="1">
-            <a:schemeClr val="accent1"/>
-          </a:fillRef>
-          <a:effectRef idx="0">
-            <a:schemeClr val="accent1"/>
-          </a:effectRef>
-          <a:fontRef idx="minor">
-            <a:schemeClr val="lt1"/>
-          </a:fontRef>
-        </p:style>
-        <p:txBody>
-          <a:bodyPr rtlCol="0" anchor="ctr"/>
-          <a:lstStyle/>
-          <a:p>
-            <a:pPr algn="ctr"/>
-            <a:r>
-              <a:rPr lang="zh-CN" altLang="en-US" sz="1200" dirty="0"/>
-              <a:t>充值记录</a:t>
-            </a:r>
-          </a:p>
-        </p:txBody>
-      </p:sp>
-      <p:sp>
-        <p:nvSpPr>
-          <p:cNvPr id="18" name="矩形 17"/>
-          <p:cNvSpPr/>
-          <p:nvPr/>
-        </p:nvSpPr>
-        <p:spPr>
-          <a:xfrm>
-            <a:off x="2244436" y="3759202"/>
-            <a:ext cx="977899" cy="295560"/>
-          </a:xfrm>
-          <a:prstGeom prst="rect">
-            <a:avLst/>
-          </a:prstGeom>
-        </p:spPr>
-        <p:style>
-          <a:lnRef idx="2">
-            <a:schemeClr val="accent1">
-              <a:shade val="50000"/>
-            </a:schemeClr>
-          </a:lnRef>
-          <a:fillRef idx="1">
-            <a:schemeClr val="accent1"/>
-          </a:fillRef>
-          <a:effectRef idx="0">
-            <a:schemeClr val="accent1"/>
-          </a:effectRef>
-          <a:fontRef idx="minor">
-            <a:schemeClr val="lt1"/>
-          </a:fontRef>
-        </p:style>
-        <p:txBody>
-          <a:bodyPr rtlCol="0" anchor="ctr"/>
-          <a:lstStyle/>
-          <a:p>
-            <a:pPr algn="ctr"/>
-            <a:r>
-              <a:rPr lang="zh-CN" altLang="en-US" sz="1200" dirty="0"/>
-              <a:t>活动记录</a:t>
+              <a:t>记录</a:t>
             </a:r>
             <a:endParaRPr lang="en-US" altLang="zh-CN" sz="1200" dirty="0"/>
           </a:p>
@@ -8366,183 +9773,7 @@
       </p:sp>
       <p:sp>
         <p:nvSpPr>
-          <p:cNvPr id="19" name="矩形 18"/>
-          <p:cNvSpPr/>
-          <p:nvPr/>
-        </p:nvSpPr>
-        <p:spPr>
-          <a:xfrm>
-            <a:off x="2244435" y="4230253"/>
-            <a:ext cx="977899" cy="295560"/>
-          </a:xfrm>
-          <a:prstGeom prst="rect">
-            <a:avLst/>
-          </a:prstGeom>
-        </p:spPr>
-        <p:style>
-          <a:lnRef idx="2">
-            <a:schemeClr val="accent1">
-              <a:shade val="50000"/>
-            </a:schemeClr>
-          </a:lnRef>
-          <a:fillRef idx="1">
-            <a:schemeClr val="accent1"/>
-          </a:fillRef>
-          <a:effectRef idx="0">
-            <a:schemeClr val="accent1"/>
-          </a:effectRef>
-          <a:fontRef idx="minor">
-            <a:schemeClr val="lt1"/>
-          </a:fontRef>
-        </p:style>
-        <p:txBody>
-          <a:bodyPr rtlCol="0" anchor="ctr"/>
-          <a:lstStyle/>
-          <a:p>
-            <a:pPr algn="ctr"/>
-            <a:r>
-              <a:rPr lang="zh-CN" altLang="en-US" sz="1200" dirty="0"/>
-              <a:t>权限信息</a:t>
-            </a:r>
-            <a:endParaRPr lang="en-US" altLang="zh-CN" sz="1200" dirty="0"/>
-          </a:p>
-        </p:txBody>
-      </p:sp>
-      <p:sp>
-        <p:nvSpPr>
-          <p:cNvPr id="10" name="矩形 9"/>
-          <p:cNvSpPr/>
-          <p:nvPr/>
-        </p:nvSpPr>
-        <p:spPr>
-          <a:xfrm>
-            <a:off x="2807855" y="2346036"/>
-            <a:ext cx="2826327" cy="277091"/>
-          </a:xfrm>
-          <a:prstGeom prst="rect">
-            <a:avLst/>
-          </a:prstGeom>
-        </p:spPr>
-        <p:style>
-          <a:lnRef idx="2">
-            <a:schemeClr val="accent1">
-              <a:shade val="50000"/>
-            </a:schemeClr>
-          </a:lnRef>
-          <a:fillRef idx="1">
-            <a:schemeClr val="accent1"/>
-          </a:fillRef>
-          <a:effectRef idx="0">
-            <a:schemeClr val="accent1"/>
-          </a:effectRef>
-          <a:fontRef idx="minor">
-            <a:schemeClr val="lt1"/>
-          </a:fontRef>
-        </p:style>
-        <p:txBody>
-          <a:bodyPr rtlCol="0" anchor="ctr"/>
-          <a:lstStyle/>
-          <a:p>
-            <a:pPr algn="ctr"/>
-            <a:r>
-              <a:rPr lang="zh-CN" altLang="en-US" dirty="0"/>
-              <a:t>新增</a:t>
-            </a:r>
-            <a:r>
-              <a:rPr lang="en-US" altLang="zh-CN" dirty="0"/>
-              <a:t>/</a:t>
-            </a:r>
-            <a:r>
-              <a:rPr lang="zh-CN" altLang="en-US" dirty="0"/>
-              <a:t>删除</a:t>
-            </a:r>
-            <a:r>
-              <a:rPr lang="en-US" altLang="zh-CN" dirty="0"/>
-              <a:t>/</a:t>
-            </a:r>
-            <a:r>
-              <a:rPr lang="zh-CN" altLang="en-US" dirty="0"/>
-              <a:t>修改</a:t>
-            </a:r>
-          </a:p>
-        </p:txBody>
-      </p:sp>
-      <p:sp>
-        <p:nvSpPr>
           <p:cNvPr id="20" name="矩形 19"/>
-          <p:cNvSpPr/>
-          <p:nvPr/>
-        </p:nvSpPr>
-        <p:spPr>
-          <a:xfrm>
-            <a:off x="2244435" y="4724402"/>
-            <a:ext cx="977899" cy="295560"/>
-          </a:xfrm>
-          <a:prstGeom prst="rect">
-            <a:avLst/>
-          </a:prstGeom>
-        </p:spPr>
-        <p:style>
-          <a:lnRef idx="2">
-            <a:schemeClr val="accent1">
-              <a:shade val="50000"/>
-            </a:schemeClr>
-          </a:lnRef>
-          <a:fillRef idx="1">
-            <a:schemeClr val="accent1"/>
-          </a:fillRef>
-          <a:effectRef idx="0">
-            <a:schemeClr val="accent1"/>
-          </a:effectRef>
-          <a:fontRef idx="minor">
-            <a:schemeClr val="lt1"/>
-          </a:fontRef>
-        </p:style>
-        <p:txBody>
-          <a:bodyPr rtlCol="0" anchor="ctr"/>
-          <a:lstStyle/>
-          <a:p>
-            <a:pPr algn="ctr"/>
-            <a:r>
-              <a:rPr lang="zh-CN" altLang="en-US" sz="1200" dirty="0"/>
-              <a:t>头像</a:t>
-            </a:r>
-            <a:endParaRPr lang="en-US" altLang="zh-CN" sz="1200" dirty="0"/>
-          </a:p>
-        </p:txBody>
-      </p:sp>
-      <p:sp>
-        <p:nvSpPr>
-          <p:cNvPr id="21" name="文本框 20"/>
-          <p:cNvSpPr txBox="1"/>
-          <p:nvPr/>
-        </p:nvSpPr>
-        <p:spPr>
-          <a:xfrm>
-            <a:off x="3222334" y="4193367"/>
-            <a:ext cx="2723823" cy="369332"/>
-          </a:xfrm>
-          <a:prstGeom prst="rect">
-            <a:avLst/>
-          </a:prstGeom>
-          <a:noFill/>
-        </p:spPr>
-        <p:txBody>
-          <a:bodyPr wrap="none" rtlCol="0">
-            <a:spAutoFit/>
-          </a:bodyPr>
-          <a:lstStyle/>
-          <a:p>
-            <a:r>
-              <a:rPr lang="zh-CN" altLang="en-US" dirty="0"/>
-              <a:t>只区分普通用户和管理员</a:t>
-            </a:r>
-          </a:p>
-        </p:txBody>
-      </p:sp>
-      <p:sp>
-        <p:nvSpPr>
-          <p:cNvPr id="22" name="矩形 21"/>
           <p:cNvSpPr/>
           <p:nvPr/>
         </p:nvSpPr>
@@ -8585,10 +9816,10 @@
       </p:sp>
       <p:sp>
         <p:nvSpPr>
-          <p:cNvPr id="23" name="矩形 22">
+          <p:cNvPr id="21" name="矩形 20">
             <a:extLst>
               <a:ext uri="{FF2B5EF4-FFF2-40B4-BE49-F238E27FC236}">
-                <a16:creationId xmlns:a16="http://schemas.microsoft.com/office/drawing/2014/main" id="{705CDDF3-62D4-411E-9AC4-7DA47F70C8A7}"/>
+                <a16:creationId xmlns:a16="http://schemas.microsoft.com/office/drawing/2014/main" id="{FA54C3F5-B099-4373-AA0E-A38C649ABE8E}"/>
               </a:ext>
             </a:extLst>
           </p:cNvPr>
@@ -8597,7 +9828,7 @@
         </p:nvSpPr>
         <p:spPr>
           <a:xfrm>
-            <a:off x="4738832" y="3292764"/>
+            <a:off x="3295804" y="3047991"/>
             <a:ext cx="977899" cy="295560"/>
           </a:xfrm>
           <a:prstGeom prst="rect">
@@ -8627,15 +9858,166 @@
             <a:pPr algn="ctr"/>
             <a:r>
               <a:rPr lang="zh-CN" altLang="en-US" sz="1200" dirty="0"/>
-              <a:t>余额</a:t>
-            </a:r>
+              <a:t>时间</a:t>
+            </a:r>
+            <a:endParaRPr lang="en-US" altLang="zh-CN" sz="1200" dirty="0"/>
+          </a:p>
+        </p:txBody>
+      </p:sp>
+      <p:sp>
+        <p:nvSpPr>
+          <p:cNvPr id="22" name="矩形 21">
+            <a:extLst>
+              <a:ext uri="{FF2B5EF4-FFF2-40B4-BE49-F238E27FC236}">
+                <a16:creationId xmlns:a16="http://schemas.microsoft.com/office/drawing/2014/main" id="{7F2750E2-4B66-451E-880A-932C1B35A16A}"/>
+              </a:ext>
+            </a:extLst>
+          </p:cNvPr>
+          <p:cNvSpPr/>
+          <p:nvPr/>
+        </p:nvSpPr>
+        <p:spPr>
+          <a:xfrm>
+            <a:off x="4486718" y="3047991"/>
+            <a:ext cx="977899" cy="295560"/>
+          </a:xfrm>
+          <a:prstGeom prst="rect">
+            <a:avLst/>
+          </a:prstGeom>
+        </p:spPr>
+        <p:style>
+          <a:lnRef idx="2">
+            <a:schemeClr val="accent1">
+              <a:shade val="50000"/>
+            </a:schemeClr>
+          </a:lnRef>
+          <a:fillRef idx="1">
+            <a:schemeClr val="accent1"/>
+          </a:fillRef>
+          <a:effectRef idx="0">
+            <a:schemeClr val="accent1"/>
+          </a:effectRef>
+          <a:fontRef idx="minor">
+            <a:schemeClr val="lt1"/>
+          </a:fontRef>
+        </p:style>
+        <p:txBody>
+          <a:bodyPr rtlCol="0" anchor="ctr"/>
+          <a:lstStyle/>
+          <a:p>
+            <a:pPr algn="ctr"/>
+            <a:r>
+              <a:rPr lang="zh-CN" altLang="en-US" sz="1200" dirty="0"/>
+              <a:t>金额</a:t>
+            </a:r>
+            <a:endParaRPr lang="en-US" altLang="zh-CN" sz="1200" dirty="0"/>
+          </a:p>
+        </p:txBody>
+      </p:sp>
+      <p:sp>
+        <p:nvSpPr>
+          <p:cNvPr id="25" name="矩形 24">
+            <a:extLst>
+              <a:ext uri="{FF2B5EF4-FFF2-40B4-BE49-F238E27FC236}">
+                <a16:creationId xmlns:a16="http://schemas.microsoft.com/office/drawing/2014/main" id="{0596CCC5-BB02-40D7-9287-1DB9A0E8492F}"/>
+              </a:ext>
+            </a:extLst>
+          </p:cNvPr>
+          <p:cNvSpPr/>
+          <p:nvPr/>
+        </p:nvSpPr>
+        <p:spPr>
+          <a:xfrm>
+            <a:off x="5727008" y="3047991"/>
+            <a:ext cx="977899" cy="295560"/>
+          </a:xfrm>
+          <a:prstGeom prst="rect">
+            <a:avLst/>
+          </a:prstGeom>
+        </p:spPr>
+        <p:style>
+          <a:lnRef idx="2">
+            <a:schemeClr val="accent1">
+              <a:shade val="50000"/>
+            </a:schemeClr>
+          </a:lnRef>
+          <a:fillRef idx="1">
+            <a:schemeClr val="accent1"/>
+          </a:fillRef>
+          <a:effectRef idx="0">
+            <a:schemeClr val="accent1"/>
+          </a:effectRef>
+          <a:fontRef idx="minor">
+            <a:schemeClr val="lt1"/>
+          </a:fontRef>
+        </p:style>
+        <p:txBody>
+          <a:bodyPr rtlCol="0" anchor="ctr"/>
+          <a:lstStyle/>
+          <a:p>
+            <a:pPr algn="ctr"/>
+            <a:r>
+              <a:rPr lang="zh-CN" altLang="en-US" sz="1200" dirty="0"/>
+              <a:t>说明</a:t>
+            </a:r>
+            <a:endParaRPr lang="en-US" altLang="zh-CN" sz="1200" dirty="0"/>
+          </a:p>
+        </p:txBody>
+      </p:sp>
+      <p:sp>
+        <p:nvSpPr>
+          <p:cNvPr id="27" name="矩形 26">
+            <a:extLst>
+              <a:ext uri="{FF2B5EF4-FFF2-40B4-BE49-F238E27FC236}">
+                <a16:creationId xmlns:a16="http://schemas.microsoft.com/office/drawing/2014/main" id="{48E9E063-53F3-473A-B63F-2451398F51A1}"/>
+              </a:ext>
+            </a:extLst>
+          </p:cNvPr>
+          <p:cNvSpPr/>
+          <p:nvPr/>
+        </p:nvSpPr>
+        <p:spPr>
+          <a:xfrm>
+            <a:off x="2072640" y="3047991"/>
+            <a:ext cx="977899" cy="295560"/>
+          </a:xfrm>
+          <a:prstGeom prst="rect">
+            <a:avLst/>
+          </a:prstGeom>
+        </p:spPr>
+        <p:style>
+          <a:lnRef idx="2">
+            <a:schemeClr val="accent1">
+              <a:shade val="50000"/>
+            </a:schemeClr>
+          </a:lnRef>
+          <a:fillRef idx="1">
+            <a:schemeClr val="accent1"/>
+          </a:fillRef>
+          <a:effectRef idx="0">
+            <a:schemeClr val="accent1"/>
+          </a:effectRef>
+          <a:fontRef idx="minor">
+            <a:schemeClr val="lt1"/>
+          </a:fontRef>
+        </p:style>
+        <p:txBody>
+          <a:bodyPr rtlCol="0" anchor="ctr"/>
+          <a:lstStyle/>
+          <a:p>
+            <a:pPr algn="ctr"/>
+            <a:r>
+              <a:rPr lang="zh-CN" altLang="en-US" sz="1200" dirty="0"/>
+              <a:t>类型</a:t>
+            </a:r>
+            <a:endParaRPr lang="en-US" altLang="zh-CN" sz="1200" dirty="0"/>
           </a:p>
         </p:txBody>
       </p:sp>
     </p:spTree>
     <p:extLst>
       <p:ext uri="{BB962C8B-B14F-4D97-AF65-F5344CB8AC3E}">
-        <p14:creationId xmlns:p14="http://schemas.microsoft.com/office/powerpoint/2010/main" val="426881166"/>
+        <p14:creationId xmlns:p14="http://schemas.microsoft.com/office/powerpoint/2010/main" val="3514976988"/>
       </p:ext>
     </p:extLst>
   </p:cSld>
@@ -8993,386 +10375,627 @@
           <a:p>
             <a:pPr algn="ctr"/>
             <a:r>
-              <a:rPr lang="zh-CN" altLang="en-US" sz="1400" dirty="0">
-                <a:solidFill>
-                  <a:schemeClr val="bg1"/>
-                </a:solidFill>
-              </a:rPr>
-              <a:t>用户管理</a:t>
-            </a:r>
-          </a:p>
-        </p:txBody>
-      </p:sp>
-      <p:sp>
-        <p:nvSpPr>
-          <p:cNvPr id="11" name="矩形 10"/>
-          <p:cNvSpPr/>
-          <p:nvPr/>
-        </p:nvSpPr>
-        <p:spPr>
-          <a:xfrm>
-            <a:off x="1902691" y="2253672"/>
-            <a:ext cx="5504180" cy="3731491"/>
-          </a:xfrm>
-          <a:prstGeom prst="rect">
-            <a:avLst/>
-          </a:prstGeom>
-        </p:spPr>
-        <p:style>
-          <a:lnRef idx="2">
-            <a:schemeClr val="accent1">
-              <a:shade val="50000"/>
-            </a:schemeClr>
-          </a:lnRef>
-          <a:fillRef idx="1">
-            <a:schemeClr val="accent1"/>
-          </a:fillRef>
-          <a:effectRef idx="0">
-            <a:schemeClr val="accent1"/>
-          </a:effectRef>
-          <a:fontRef idx="minor">
-            <a:schemeClr val="lt1"/>
-          </a:fontRef>
-        </p:style>
-        <p:txBody>
-          <a:bodyPr rtlCol="0" anchor="ctr"/>
-          <a:lstStyle/>
-          <a:p>
-            <a:pPr algn="ctr"/>
-            <a:endParaRPr lang="zh-CN" altLang="en-US" dirty="0"/>
-          </a:p>
-        </p:txBody>
-      </p:sp>
-      <p:sp>
-        <p:nvSpPr>
-          <p:cNvPr id="12" name="矩形 11"/>
-          <p:cNvSpPr/>
-          <p:nvPr/>
-        </p:nvSpPr>
-        <p:spPr>
-          <a:xfrm>
-            <a:off x="2244436" y="2798618"/>
-            <a:ext cx="977899" cy="295560"/>
-          </a:xfrm>
-          <a:prstGeom prst="rect">
-            <a:avLst/>
-          </a:prstGeom>
-        </p:spPr>
-        <p:style>
-          <a:lnRef idx="2">
-            <a:schemeClr val="accent1">
-              <a:shade val="50000"/>
-            </a:schemeClr>
-          </a:lnRef>
-          <a:fillRef idx="1">
-            <a:schemeClr val="accent1"/>
-          </a:fillRef>
-          <a:effectRef idx="0">
-            <a:schemeClr val="accent1"/>
-          </a:effectRef>
-          <a:fontRef idx="minor">
-            <a:schemeClr val="lt1"/>
-          </a:fontRef>
-        </p:style>
-        <p:txBody>
-          <a:bodyPr rtlCol="0" anchor="ctr"/>
-          <a:lstStyle/>
-          <a:p>
-            <a:pPr algn="ctr"/>
-            <a:r>
-              <a:rPr lang="zh-CN" altLang="en-US" sz="1200" dirty="0"/>
-              <a:t>活动时间</a:t>
-            </a:r>
-          </a:p>
-        </p:txBody>
-      </p:sp>
-      <p:sp>
-        <p:nvSpPr>
-          <p:cNvPr id="13" name="矩形 12"/>
-          <p:cNvSpPr/>
-          <p:nvPr/>
-        </p:nvSpPr>
-        <p:spPr>
-          <a:xfrm>
-            <a:off x="3471717" y="2770906"/>
-            <a:ext cx="822037" cy="350984"/>
-          </a:xfrm>
-          <a:prstGeom prst="rect">
-            <a:avLst/>
-          </a:prstGeom>
-        </p:spPr>
-        <p:style>
-          <a:lnRef idx="2">
-            <a:schemeClr val="accent1">
-              <a:shade val="50000"/>
-            </a:schemeClr>
-          </a:lnRef>
-          <a:fillRef idx="1">
-            <a:schemeClr val="accent1"/>
-          </a:fillRef>
-          <a:effectRef idx="0">
-            <a:schemeClr val="accent1"/>
-          </a:effectRef>
-          <a:fontRef idx="minor">
-            <a:schemeClr val="lt1"/>
-          </a:fontRef>
-        </p:style>
-        <p:txBody>
-          <a:bodyPr rtlCol="0" anchor="ctr"/>
-          <a:lstStyle/>
-          <a:p>
-            <a:pPr algn="ctr"/>
-            <a:r>
-              <a:rPr lang="zh-CN" altLang="en-US" sz="1200" dirty="0"/>
-              <a:t>活动地点</a:t>
-            </a:r>
-          </a:p>
-        </p:txBody>
-      </p:sp>
-      <p:sp>
-        <p:nvSpPr>
-          <p:cNvPr id="14" name="矩形 13"/>
-          <p:cNvSpPr/>
-          <p:nvPr/>
-        </p:nvSpPr>
-        <p:spPr>
-          <a:xfrm>
-            <a:off x="4633344" y="2770903"/>
-            <a:ext cx="822037" cy="323275"/>
-          </a:xfrm>
-          <a:prstGeom prst="rect">
-            <a:avLst/>
-          </a:prstGeom>
-        </p:spPr>
-        <p:style>
-          <a:lnRef idx="2">
-            <a:schemeClr val="accent1">
-              <a:shade val="50000"/>
-            </a:schemeClr>
-          </a:lnRef>
-          <a:fillRef idx="1">
-            <a:schemeClr val="accent1"/>
-          </a:fillRef>
-          <a:effectRef idx="0">
-            <a:schemeClr val="accent1"/>
-          </a:effectRef>
-          <a:fontRef idx="minor">
-            <a:schemeClr val="lt1"/>
-          </a:fontRef>
-        </p:style>
-        <p:txBody>
-          <a:bodyPr rtlCol="0" anchor="ctr"/>
-          <a:lstStyle/>
-          <a:p>
-            <a:pPr algn="ctr"/>
-            <a:r>
-              <a:rPr lang="zh-CN" altLang="en-US" sz="1200" dirty="0"/>
-              <a:t>参与人数</a:t>
-            </a:r>
-          </a:p>
-        </p:txBody>
-      </p:sp>
-      <p:sp>
-        <p:nvSpPr>
-          <p:cNvPr id="15" name="矩形 14"/>
-          <p:cNvSpPr/>
-          <p:nvPr/>
-        </p:nvSpPr>
-        <p:spPr>
-          <a:xfrm>
-            <a:off x="5818717" y="2757117"/>
-            <a:ext cx="799292" cy="323272"/>
-          </a:xfrm>
-          <a:prstGeom prst="rect">
-            <a:avLst/>
-          </a:prstGeom>
-        </p:spPr>
-        <p:style>
-          <a:lnRef idx="2">
-            <a:schemeClr val="accent1">
-              <a:shade val="50000"/>
-            </a:schemeClr>
-          </a:lnRef>
-          <a:fillRef idx="1">
-            <a:schemeClr val="accent1"/>
-          </a:fillRef>
-          <a:effectRef idx="0">
-            <a:schemeClr val="accent1"/>
-          </a:effectRef>
-          <a:fontRef idx="minor">
-            <a:schemeClr val="lt1"/>
-          </a:fontRef>
-        </p:style>
-        <p:txBody>
-          <a:bodyPr rtlCol="0" anchor="ctr"/>
-          <a:lstStyle/>
-          <a:p>
-            <a:pPr algn="ctr"/>
-            <a:r>
-              <a:rPr lang="zh-CN" altLang="en-US" sz="1200" dirty="0"/>
-              <a:t>参与人员</a:t>
-            </a:r>
-          </a:p>
-        </p:txBody>
-      </p:sp>
-      <p:sp>
-        <p:nvSpPr>
-          <p:cNvPr id="16" name="矩形 15"/>
-          <p:cNvSpPr/>
-          <p:nvPr/>
-        </p:nvSpPr>
-        <p:spPr>
-          <a:xfrm>
-            <a:off x="2244436" y="3292764"/>
-            <a:ext cx="977899" cy="295560"/>
-          </a:xfrm>
-          <a:prstGeom prst="rect">
-            <a:avLst/>
-          </a:prstGeom>
-        </p:spPr>
-        <p:style>
-          <a:lnRef idx="2">
-            <a:schemeClr val="accent1">
-              <a:shade val="50000"/>
-            </a:schemeClr>
-          </a:lnRef>
-          <a:fillRef idx="1">
-            <a:schemeClr val="accent1"/>
-          </a:fillRef>
-          <a:effectRef idx="0">
-            <a:schemeClr val="accent1"/>
-          </a:effectRef>
-          <a:fontRef idx="minor">
-            <a:schemeClr val="lt1"/>
-          </a:fontRef>
-        </p:style>
-        <p:txBody>
-          <a:bodyPr rtlCol="0" anchor="ctr"/>
-          <a:lstStyle/>
-          <a:p>
-            <a:pPr algn="ctr"/>
-            <a:r>
-              <a:rPr lang="zh-CN" altLang="en-US" sz="1200" dirty="0"/>
-              <a:t>消费总额</a:t>
-            </a:r>
-          </a:p>
-        </p:txBody>
-      </p:sp>
-      <p:sp>
-        <p:nvSpPr>
-          <p:cNvPr id="17" name="矩形 16"/>
-          <p:cNvSpPr/>
-          <p:nvPr/>
-        </p:nvSpPr>
-        <p:spPr>
-          <a:xfrm>
-            <a:off x="3425303" y="3292764"/>
-            <a:ext cx="977899" cy="295560"/>
-          </a:xfrm>
-          <a:prstGeom prst="rect">
-            <a:avLst/>
-          </a:prstGeom>
-        </p:spPr>
-        <p:style>
-          <a:lnRef idx="2">
-            <a:schemeClr val="accent1">
-              <a:shade val="50000"/>
-            </a:schemeClr>
-          </a:lnRef>
-          <a:fillRef idx="1">
-            <a:schemeClr val="accent1"/>
-          </a:fillRef>
-          <a:effectRef idx="0">
-            <a:schemeClr val="accent1"/>
-          </a:effectRef>
-          <a:fontRef idx="minor">
-            <a:schemeClr val="lt1"/>
-          </a:fontRef>
-        </p:style>
-        <p:txBody>
-          <a:bodyPr rtlCol="0" anchor="ctr"/>
-          <a:lstStyle/>
-          <a:p>
-            <a:pPr algn="ctr"/>
-            <a:r>
-              <a:rPr lang="zh-CN" altLang="en-US" sz="1200" dirty="0"/>
-              <a:t>人均费用</a:t>
-            </a:r>
-          </a:p>
-        </p:txBody>
-      </p:sp>
-      <p:sp>
-        <p:nvSpPr>
-          <p:cNvPr id="21" name="文本框 20"/>
-          <p:cNvSpPr txBox="1"/>
-          <p:nvPr/>
-        </p:nvSpPr>
-        <p:spPr>
-          <a:xfrm>
-            <a:off x="3222334" y="4193367"/>
-            <a:ext cx="2723823" cy="369332"/>
-          </a:xfrm>
-          <a:prstGeom prst="rect">
-            <a:avLst/>
-          </a:prstGeom>
-          <a:noFill/>
-        </p:spPr>
-        <p:txBody>
-          <a:bodyPr wrap="none" rtlCol="0">
-            <a:spAutoFit/>
-          </a:bodyPr>
-          <a:lstStyle/>
-          <a:p>
-            <a:r>
-              <a:rPr lang="zh-CN" altLang="en-US" dirty="0"/>
-              <a:t>只区分普通用户和管理员</a:t>
-            </a:r>
-          </a:p>
-        </p:txBody>
-      </p:sp>
-      <p:sp>
-        <p:nvSpPr>
-          <p:cNvPr id="22" name="矩形 21"/>
-          <p:cNvSpPr/>
-          <p:nvPr/>
-        </p:nvSpPr>
-        <p:spPr>
-          <a:xfrm>
-            <a:off x="677331" y="4205488"/>
-            <a:ext cx="975975" cy="452582"/>
-          </a:xfrm>
-          <a:prstGeom prst="rect">
-            <a:avLst/>
-          </a:prstGeom>
-        </p:spPr>
-        <p:style>
-          <a:lnRef idx="2">
-            <a:schemeClr val="accent1">
-              <a:shade val="50000"/>
-            </a:schemeClr>
-          </a:lnRef>
-          <a:fillRef idx="1">
-            <a:schemeClr val="accent1"/>
-          </a:fillRef>
-          <a:effectRef idx="0">
-            <a:schemeClr val="accent1"/>
-          </a:effectRef>
-          <a:fontRef idx="minor">
-            <a:schemeClr val="lt1"/>
-          </a:fontRef>
-        </p:style>
-        <p:txBody>
-          <a:bodyPr rtlCol="0" anchor="ctr"/>
-          <a:lstStyle/>
-          <a:p>
-            <a:pPr algn="ctr"/>
-            <a:r>
               <a:rPr lang="zh-CN" altLang="en-US" sz="1400" b="1" dirty="0">
                 <a:solidFill>
                   <a:srgbClr val="FF0000"/>
                 </a:solidFill>
               </a:rPr>
-              <a:t>活动列表</a:t>
+              <a:t>用户管理</a:t>
+            </a:r>
+          </a:p>
+        </p:txBody>
+      </p:sp>
+      <p:sp>
+        <p:nvSpPr>
+          <p:cNvPr id="11" name="矩形 10"/>
+          <p:cNvSpPr/>
+          <p:nvPr/>
+        </p:nvSpPr>
+        <p:spPr>
+          <a:xfrm>
+            <a:off x="1902691" y="2253672"/>
+            <a:ext cx="5504180" cy="3731491"/>
+          </a:xfrm>
+          <a:prstGeom prst="rect">
+            <a:avLst/>
+          </a:prstGeom>
+        </p:spPr>
+        <p:style>
+          <a:lnRef idx="2">
+            <a:schemeClr val="accent1">
+              <a:shade val="50000"/>
+            </a:schemeClr>
+          </a:lnRef>
+          <a:fillRef idx="1">
+            <a:schemeClr val="accent1"/>
+          </a:fillRef>
+          <a:effectRef idx="0">
+            <a:schemeClr val="accent1"/>
+          </a:effectRef>
+          <a:fontRef idx="minor">
+            <a:schemeClr val="lt1"/>
+          </a:fontRef>
+        </p:style>
+        <p:txBody>
+          <a:bodyPr rtlCol="0" anchor="ctr"/>
+          <a:lstStyle/>
+          <a:p>
+            <a:pPr algn="ctr"/>
+            <a:endParaRPr lang="zh-CN" altLang="en-US" dirty="0"/>
+          </a:p>
+        </p:txBody>
+      </p:sp>
+      <p:sp>
+        <p:nvSpPr>
+          <p:cNvPr id="12" name="矩形 11"/>
+          <p:cNvSpPr/>
+          <p:nvPr/>
+        </p:nvSpPr>
+        <p:spPr>
+          <a:xfrm>
+            <a:off x="2244436" y="2798618"/>
+            <a:ext cx="977899" cy="295560"/>
+          </a:xfrm>
+          <a:prstGeom prst="rect">
+            <a:avLst/>
+          </a:prstGeom>
+        </p:spPr>
+        <p:style>
+          <a:lnRef idx="2">
+            <a:schemeClr val="accent1">
+              <a:shade val="50000"/>
+            </a:schemeClr>
+          </a:lnRef>
+          <a:fillRef idx="1">
+            <a:schemeClr val="accent1"/>
+          </a:fillRef>
+          <a:effectRef idx="0">
+            <a:schemeClr val="accent1"/>
+          </a:effectRef>
+          <a:fontRef idx="minor">
+            <a:schemeClr val="lt1"/>
+          </a:fontRef>
+        </p:style>
+        <p:txBody>
+          <a:bodyPr rtlCol="0" anchor="ctr"/>
+          <a:lstStyle/>
+          <a:p>
+            <a:pPr algn="ctr"/>
+            <a:r>
+              <a:rPr lang="zh-CN" altLang="en-US" sz="1200" dirty="0"/>
+              <a:t>用户</a:t>
+            </a:r>
+            <a:r>
+              <a:rPr lang="en-US" altLang="zh-CN" sz="1200" dirty="0"/>
+              <a:t>ID	</a:t>
+            </a:r>
+            <a:endParaRPr lang="zh-CN" altLang="en-US" sz="1200" dirty="0"/>
+          </a:p>
+        </p:txBody>
+      </p:sp>
+      <p:sp>
+        <p:nvSpPr>
+          <p:cNvPr id="13" name="矩形 12"/>
+          <p:cNvSpPr/>
+          <p:nvPr/>
+        </p:nvSpPr>
+        <p:spPr>
+          <a:xfrm>
+            <a:off x="3471717" y="2770906"/>
+            <a:ext cx="822037" cy="350984"/>
+          </a:xfrm>
+          <a:prstGeom prst="rect">
+            <a:avLst/>
+          </a:prstGeom>
+        </p:spPr>
+        <p:style>
+          <a:lnRef idx="2">
+            <a:schemeClr val="accent1">
+              <a:shade val="50000"/>
+            </a:schemeClr>
+          </a:lnRef>
+          <a:fillRef idx="1">
+            <a:schemeClr val="accent1"/>
+          </a:fillRef>
+          <a:effectRef idx="0">
+            <a:schemeClr val="accent1"/>
+          </a:effectRef>
+          <a:fontRef idx="minor">
+            <a:schemeClr val="lt1"/>
+          </a:fontRef>
+        </p:style>
+        <p:txBody>
+          <a:bodyPr rtlCol="0" anchor="ctr"/>
+          <a:lstStyle/>
+          <a:p>
+            <a:pPr algn="ctr"/>
+            <a:r>
+              <a:rPr lang="zh-CN" altLang="en-US" sz="1200" dirty="0"/>
+              <a:t>用户姓名</a:t>
+            </a:r>
+          </a:p>
+        </p:txBody>
+      </p:sp>
+      <p:sp>
+        <p:nvSpPr>
+          <p:cNvPr id="14" name="矩形 13"/>
+          <p:cNvSpPr/>
+          <p:nvPr/>
+        </p:nvSpPr>
+        <p:spPr>
+          <a:xfrm>
+            <a:off x="4543136" y="2770907"/>
+            <a:ext cx="684646" cy="323272"/>
+          </a:xfrm>
+          <a:prstGeom prst="rect">
+            <a:avLst/>
+          </a:prstGeom>
+        </p:spPr>
+        <p:style>
+          <a:lnRef idx="2">
+            <a:schemeClr val="accent1">
+              <a:shade val="50000"/>
+            </a:schemeClr>
+          </a:lnRef>
+          <a:fillRef idx="1">
+            <a:schemeClr val="accent1"/>
+          </a:fillRef>
+          <a:effectRef idx="0">
+            <a:schemeClr val="accent1"/>
+          </a:effectRef>
+          <a:fontRef idx="minor">
+            <a:schemeClr val="lt1"/>
+          </a:fontRef>
+        </p:style>
+        <p:txBody>
+          <a:bodyPr rtlCol="0" anchor="ctr"/>
+          <a:lstStyle/>
+          <a:p>
+            <a:pPr algn="ctr"/>
+            <a:r>
+              <a:rPr lang="zh-CN" altLang="en-US" sz="1200" dirty="0"/>
+              <a:t>密码</a:t>
+            </a:r>
+          </a:p>
+        </p:txBody>
+      </p:sp>
+      <p:sp>
+        <p:nvSpPr>
+          <p:cNvPr id="15" name="矩形 14"/>
+          <p:cNvSpPr/>
+          <p:nvPr/>
+        </p:nvSpPr>
+        <p:spPr>
+          <a:xfrm>
+            <a:off x="6205682" y="2770906"/>
+            <a:ext cx="799292" cy="323272"/>
+          </a:xfrm>
+          <a:prstGeom prst="rect">
+            <a:avLst/>
+          </a:prstGeom>
+        </p:spPr>
+        <p:style>
+          <a:lnRef idx="2">
+            <a:schemeClr val="accent1">
+              <a:shade val="50000"/>
+            </a:schemeClr>
+          </a:lnRef>
+          <a:fillRef idx="1">
+            <a:schemeClr val="accent1"/>
+          </a:fillRef>
+          <a:effectRef idx="0">
+            <a:schemeClr val="accent1"/>
+          </a:effectRef>
+          <a:fontRef idx="minor">
+            <a:schemeClr val="lt1"/>
+          </a:fontRef>
+        </p:style>
+        <p:txBody>
+          <a:bodyPr rtlCol="0" anchor="ctr"/>
+          <a:lstStyle/>
+          <a:p>
+            <a:pPr algn="ctr"/>
+            <a:r>
+              <a:rPr lang="zh-CN" altLang="en-US" sz="1200" dirty="0"/>
+              <a:t>电话信息</a:t>
+            </a:r>
+          </a:p>
+        </p:txBody>
+      </p:sp>
+      <p:sp>
+        <p:nvSpPr>
+          <p:cNvPr id="16" name="矩形 15"/>
+          <p:cNvSpPr/>
+          <p:nvPr/>
+        </p:nvSpPr>
+        <p:spPr>
+          <a:xfrm>
+            <a:off x="2244436" y="3292764"/>
+            <a:ext cx="977899" cy="295560"/>
+          </a:xfrm>
+          <a:prstGeom prst="rect">
+            <a:avLst/>
+          </a:prstGeom>
+        </p:spPr>
+        <p:style>
+          <a:lnRef idx="2">
+            <a:schemeClr val="accent1">
+              <a:shade val="50000"/>
+            </a:schemeClr>
+          </a:lnRef>
+          <a:fillRef idx="1">
+            <a:schemeClr val="accent1"/>
+          </a:fillRef>
+          <a:effectRef idx="0">
+            <a:schemeClr val="accent1"/>
+          </a:effectRef>
+          <a:fontRef idx="minor">
+            <a:schemeClr val="lt1"/>
+          </a:fontRef>
+        </p:style>
+        <p:txBody>
+          <a:bodyPr rtlCol="0" anchor="ctr"/>
+          <a:lstStyle/>
+          <a:p>
+            <a:pPr algn="ctr"/>
+            <a:r>
+              <a:rPr lang="zh-CN" altLang="en-US" sz="1200" dirty="0"/>
+              <a:t>消费记录</a:t>
+            </a:r>
+          </a:p>
+        </p:txBody>
+      </p:sp>
+      <p:sp>
+        <p:nvSpPr>
+          <p:cNvPr id="17" name="矩形 16"/>
+          <p:cNvSpPr/>
+          <p:nvPr/>
+        </p:nvSpPr>
+        <p:spPr>
+          <a:xfrm>
+            <a:off x="3425303" y="3292764"/>
+            <a:ext cx="977899" cy="295560"/>
+          </a:xfrm>
+          <a:prstGeom prst="rect">
+            <a:avLst/>
+          </a:prstGeom>
+        </p:spPr>
+        <p:style>
+          <a:lnRef idx="2">
+            <a:schemeClr val="accent1">
+              <a:shade val="50000"/>
+            </a:schemeClr>
+          </a:lnRef>
+          <a:fillRef idx="1">
+            <a:schemeClr val="accent1"/>
+          </a:fillRef>
+          <a:effectRef idx="0">
+            <a:schemeClr val="accent1"/>
+          </a:effectRef>
+          <a:fontRef idx="minor">
+            <a:schemeClr val="lt1"/>
+          </a:fontRef>
+        </p:style>
+        <p:txBody>
+          <a:bodyPr rtlCol="0" anchor="ctr"/>
+          <a:lstStyle/>
+          <a:p>
+            <a:pPr algn="ctr"/>
+            <a:r>
+              <a:rPr lang="zh-CN" altLang="en-US" sz="1200" dirty="0"/>
+              <a:t>充值记录</a:t>
+            </a:r>
+          </a:p>
+        </p:txBody>
+      </p:sp>
+      <p:sp>
+        <p:nvSpPr>
+          <p:cNvPr id="18" name="矩形 17"/>
+          <p:cNvSpPr/>
+          <p:nvPr/>
+        </p:nvSpPr>
+        <p:spPr>
+          <a:xfrm>
+            <a:off x="2244436" y="3759202"/>
+            <a:ext cx="977899" cy="295560"/>
+          </a:xfrm>
+          <a:prstGeom prst="rect">
+            <a:avLst/>
+          </a:prstGeom>
+        </p:spPr>
+        <p:style>
+          <a:lnRef idx="2">
+            <a:schemeClr val="accent1">
+              <a:shade val="50000"/>
+            </a:schemeClr>
+          </a:lnRef>
+          <a:fillRef idx="1">
+            <a:schemeClr val="accent1"/>
+          </a:fillRef>
+          <a:effectRef idx="0">
+            <a:schemeClr val="accent1"/>
+          </a:effectRef>
+          <a:fontRef idx="minor">
+            <a:schemeClr val="lt1"/>
+          </a:fontRef>
+        </p:style>
+        <p:txBody>
+          <a:bodyPr rtlCol="0" anchor="ctr"/>
+          <a:lstStyle/>
+          <a:p>
+            <a:pPr algn="ctr"/>
+            <a:r>
+              <a:rPr lang="zh-CN" altLang="en-US" sz="1200" dirty="0"/>
+              <a:t>活动记录</a:t>
+            </a:r>
+            <a:endParaRPr lang="en-US" altLang="zh-CN" sz="1200" dirty="0"/>
+          </a:p>
+        </p:txBody>
+      </p:sp>
+      <p:sp>
+        <p:nvSpPr>
+          <p:cNvPr id="19" name="矩形 18"/>
+          <p:cNvSpPr/>
+          <p:nvPr/>
+        </p:nvSpPr>
+        <p:spPr>
+          <a:xfrm>
+            <a:off x="2244435" y="4230253"/>
+            <a:ext cx="977899" cy="295560"/>
+          </a:xfrm>
+          <a:prstGeom prst="rect">
+            <a:avLst/>
+          </a:prstGeom>
+        </p:spPr>
+        <p:style>
+          <a:lnRef idx="2">
+            <a:schemeClr val="accent1">
+              <a:shade val="50000"/>
+            </a:schemeClr>
+          </a:lnRef>
+          <a:fillRef idx="1">
+            <a:schemeClr val="accent1"/>
+          </a:fillRef>
+          <a:effectRef idx="0">
+            <a:schemeClr val="accent1"/>
+          </a:effectRef>
+          <a:fontRef idx="minor">
+            <a:schemeClr val="lt1"/>
+          </a:fontRef>
+        </p:style>
+        <p:txBody>
+          <a:bodyPr rtlCol="0" anchor="ctr"/>
+          <a:lstStyle/>
+          <a:p>
+            <a:pPr algn="ctr"/>
+            <a:r>
+              <a:rPr lang="zh-CN" altLang="en-US" sz="1200" dirty="0"/>
+              <a:t>权限信息</a:t>
+            </a:r>
+            <a:endParaRPr lang="en-US" altLang="zh-CN" sz="1200" dirty="0"/>
+          </a:p>
+        </p:txBody>
+      </p:sp>
+      <p:sp>
+        <p:nvSpPr>
+          <p:cNvPr id="10" name="矩形 9"/>
+          <p:cNvSpPr/>
+          <p:nvPr/>
+        </p:nvSpPr>
+        <p:spPr>
+          <a:xfrm>
+            <a:off x="2807855" y="2346036"/>
+            <a:ext cx="2826327" cy="277091"/>
+          </a:xfrm>
+          <a:prstGeom prst="rect">
+            <a:avLst/>
+          </a:prstGeom>
+        </p:spPr>
+        <p:style>
+          <a:lnRef idx="2">
+            <a:schemeClr val="accent1">
+              <a:shade val="50000"/>
+            </a:schemeClr>
+          </a:lnRef>
+          <a:fillRef idx="1">
+            <a:schemeClr val="accent1"/>
+          </a:fillRef>
+          <a:effectRef idx="0">
+            <a:schemeClr val="accent1"/>
+          </a:effectRef>
+          <a:fontRef idx="minor">
+            <a:schemeClr val="lt1"/>
+          </a:fontRef>
+        </p:style>
+        <p:txBody>
+          <a:bodyPr rtlCol="0" anchor="ctr"/>
+          <a:lstStyle/>
+          <a:p>
+            <a:pPr algn="ctr"/>
+            <a:r>
+              <a:rPr lang="zh-CN" altLang="en-US" dirty="0"/>
+              <a:t>新增</a:t>
+            </a:r>
+            <a:r>
+              <a:rPr lang="en-US" altLang="zh-CN" dirty="0"/>
+              <a:t>/</a:t>
+            </a:r>
+            <a:r>
+              <a:rPr lang="zh-CN" altLang="en-US" dirty="0"/>
+              <a:t>删除</a:t>
+            </a:r>
+            <a:r>
+              <a:rPr lang="en-US" altLang="zh-CN" dirty="0"/>
+              <a:t>/</a:t>
+            </a:r>
+            <a:r>
+              <a:rPr lang="zh-CN" altLang="en-US" dirty="0"/>
+              <a:t>修改</a:t>
+            </a:r>
+          </a:p>
+        </p:txBody>
+      </p:sp>
+      <p:sp>
+        <p:nvSpPr>
+          <p:cNvPr id="20" name="矩形 19"/>
+          <p:cNvSpPr/>
+          <p:nvPr/>
+        </p:nvSpPr>
+        <p:spPr>
+          <a:xfrm>
+            <a:off x="2244435" y="4724402"/>
+            <a:ext cx="977899" cy="295560"/>
+          </a:xfrm>
+          <a:prstGeom prst="rect">
+            <a:avLst/>
+          </a:prstGeom>
+        </p:spPr>
+        <p:style>
+          <a:lnRef idx="2">
+            <a:schemeClr val="accent1">
+              <a:shade val="50000"/>
+            </a:schemeClr>
+          </a:lnRef>
+          <a:fillRef idx="1">
+            <a:schemeClr val="accent1"/>
+          </a:fillRef>
+          <a:effectRef idx="0">
+            <a:schemeClr val="accent1"/>
+          </a:effectRef>
+          <a:fontRef idx="minor">
+            <a:schemeClr val="lt1"/>
+          </a:fontRef>
+        </p:style>
+        <p:txBody>
+          <a:bodyPr rtlCol="0" anchor="ctr"/>
+          <a:lstStyle/>
+          <a:p>
+            <a:pPr algn="ctr"/>
+            <a:r>
+              <a:rPr lang="zh-CN" altLang="en-US" sz="1200" dirty="0"/>
+              <a:t>头像</a:t>
+            </a:r>
+            <a:endParaRPr lang="en-US" altLang="zh-CN" sz="1200" dirty="0"/>
+          </a:p>
+        </p:txBody>
+      </p:sp>
+      <p:sp>
+        <p:nvSpPr>
+          <p:cNvPr id="21" name="文本框 20"/>
+          <p:cNvSpPr txBox="1"/>
+          <p:nvPr/>
+        </p:nvSpPr>
+        <p:spPr>
+          <a:xfrm>
+            <a:off x="3222334" y="4193367"/>
+            <a:ext cx="2723823" cy="369332"/>
+          </a:xfrm>
+          <a:prstGeom prst="rect">
+            <a:avLst/>
+          </a:prstGeom>
+          <a:noFill/>
+        </p:spPr>
+        <p:txBody>
+          <a:bodyPr wrap="none" rtlCol="0">
+            <a:spAutoFit/>
+          </a:bodyPr>
+          <a:lstStyle/>
+          <a:p>
+            <a:r>
+              <a:rPr lang="zh-CN" altLang="en-US" dirty="0"/>
+              <a:t>只区分普通用户和管理员</a:t>
+            </a:r>
+          </a:p>
+        </p:txBody>
+      </p:sp>
+      <p:sp>
+        <p:nvSpPr>
+          <p:cNvPr id="22" name="矩形 21"/>
+          <p:cNvSpPr/>
+          <p:nvPr/>
+        </p:nvSpPr>
+        <p:spPr>
+          <a:xfrm>
+            <a:off x="677333" y="4264889"/>
+            <a:ext cx="975975" cy="452582"/>
+          </a:xfrm>
+          <a:prstGeom prst="rect">
+            <a:avLst/>
+          </a:prstGeom>
+        </p:spPr>
+        <p:style>
+          <a:lnRef idx="2">
+            <a:schemeClr val="accent1">
+              <a:shade val="50000"/>
+            </a:schemeClr>
+          </a:lnRef>
+          <a:fillRef idx="1">
+            <a:schemeClr val="accent1"/>
+          </a:fillRef>
+          <a:effectRef idx="0">
+            <a:schemeClr val="accent1"/>
+          </a:effectRef>
+          <a:fontRef idx="minor">
+            <a:schemeClr val="lt1"/>
+          </a:fontRef>
+        </p:style>
+        <p:txBody>
+          <a:bodyPr rtlCol="0" anchor="ctr"/>
+          <a:lstStyle/>
+          <a:p>
+            <a:pPr algn="ctr"/>
+            <a:r>
+              <a:rPr lang="zh-CN" altLang="en-US" sz="1400" dirty="0"/>
+              <a:t>费用报表</a:t>
+            </a:r>
+          </a:p>
+        </p:txBody>
+      </p:sp>
+      <p:sp>
+        <p:nvSpPr>
+          <p:cNvPr id="23" name="矩形 22">
+            <a:extLst>
+              <a:ext uri="{FF2B5EF4-FFF2-40B4-BE49-F238E27FC236}">
+                <a16:creationId xmlns:a16="http://schemas.microsoft.com/office/drawing/2014/main" id="{705CDDF3-62D4-411E-9AC4-7DA47F70C8A7}"/>
+              </a:ext>
+            </a:extLst>
+          </p:cNvPr>
+          <p:cNvSpPr/>
+          <p:nvPr/>
+        </p:nvSpPr>
+        <p:spPr>
+          <a:xfrm>
+            <a:off x="4738832" y="3292764"/>
+            <a:ext cx="977899" cy="295560"/>
+          </a:xfrm>
+          <a:prstGeom prst="rect">
+            <a:avLst/>
+          </a:prstGeom>
+        </p:spPr>
+        <p:style>
+          <a:lnRef idx="2">
+            <a:schemeClr val="accent1">
+              <a:shade val="50000"/>
+            </a:schemeClr>
+          </a:lnRef>
+          <a:fillRef idx="1">
+            <a:schemeClr val="accent1"/>
+          </a:fillRef>
+          <a:effectRef idx="0">
+            <a:schemeClr val="accent1"/>
+          </a:effectRef>
+          <a:fontRef idx="minor">
+            <a:schemeClr val="lt1"/>
+          </a:fontRef>
+        </p:style>
+        <p:txBody>
+          <a:bodyPr rtlCol="0" anchor="ctr"/>
+          <a:lstStyle/>
+          <a:p>
+            <a:pPr algn="ctr"/>
+            <a:r>
+              <a:rPr lang="zh-CN" altLang="en-US" sz="1200" dirty="0"/>
+              <a:t>余额</a:t>
             </a:r>
           </a:p>
         </p:txBody>
@@ -9380,7 +11003,7 @@
     </p:spTree>
     <p:extLst>
       <p:ext uri="{BB962C8B-B14F-4D97-AF65-F5344CB8AC3E}">
-        <p14:creationId xmlns:p14="http://schemas.microsoft.com/office/powerpoint/2010/main" val="3176228848"/>
+        <p14:creationId xmlns:p14="http://schemas.microsoft.com/office/powerpoint/2010/main" val="426881166"/>
       </p:ext>
     </p:extLst>
   </p:cSld>
@@ -9738,291 +11361,409 @@
           <a:p>
             <a:pPr algn="ctr"/>
             <a:r>
-              <a:rPr lang="zh-CN" altLang="en-US" sz="1400" dirty="0">
-                <a:solidFill>
-                  <a:schemeClr val="bg1"/>
-                </a:solidFill>
-              </a:rPr>
-              <a:t>用户管理</a:t>
-            </a:r>
-          </a:p>
-        </p:txBody>
-      </p:sp>
-      <p:sp>
-        <p:nvSpPr>
-          <p:cNvPr id="11" name="矩形 10"/>
-          <p:cNvSpPr/>
-          <p:nvPr/>
-        </p:nvSpPr>
-        <p:spPr>
-          <a:xfrm>
-            <a:off x="1902691" y="2253672"/>
-            <a:ext cx="5504180" cy="3731491"/>
-          </a:xfrm>
-          <a:prstGeom prst="rect">
-            <a:avLst/>
-          </a:prstGeom>
-        </p:spPr>
-        <p:style>
-          <a:lnRef idx="2">
-            <a:schemeClr val="accent1">
-              <a:shade val="50000"/>
-            </a:schemeClr>
-          </a:lnRef>
-          <a:fillRef idx="1">
-            <a:schemeClr val="accent1"/>
-          </a:fillRef>
-          <a:effectRef idx="0">
-            <a:schemeClr val="accent1"/>
-          </a:effectRef>
-          <a:fontRef idx="minor">
-            <a:schemeClr val="lt1"/>
-          </a:fontRef>
-        </p:style>
-        <p:txBody>
-          <a:bodyPr rtlCol="0" anchor="ctr"/>
-          <a:lstStyle/>
-          <a:p>
-            <a:pPr algn="ctr"/>
-            <a:endParaRPr lang="zh-CN" altLang="en-US" dirty="0"/>
-          </a:p>
-        </p:txBody>
-      </p:sp>
-      <p:sp>
-        <p:nvSpPr>
-          <p:cNvPr id="12" name="矩形 11"/>
-          <p:cNvSpPr/>
-          <p:nvPr/>
-        </p:nvSpPr>
-        <p:spPr>
-          <a:xfrm>
-            <a:off x="3141170" y="3180078"/>
-            <a:ext cx="977899" cy="295560"/>
-          </a:xfrm>
-          <a:prstGeom prst="rect">
-            <a:avLst/>
-          </a:prstGeom>
-        </p:spPr>
-        <p:style>
-          <a:lnRef idx="2">
-            <a:schemeClr val="accent1">
-              <a:shade val="50000"/>
-            </a:schemeClr>
-          </a:lnRef>
-          <a:fillRef idx="1">
-            <a:schemeClr val="accent1"/>
-          </a:fillRef>
-          <a:effectRef idx="0">
-            <a:schemeClr val="accent1"/>
-          </a:effectRef>
-          <a:fontRef idx="minor">
-            <a:schemeClr val="lt1"/>
-          </a:fontRef>
-        </p:style>
-        <p:txBody>
-          <a:bodyPr rtlCol="0" anchor="ctr"/>
-          <a:lstStyle/>
-          <a:p>
-            <a:pPr algn="ctr"/>
-            <a:r>
-              <a:rPr lang="zh-CN" altLang="en-US" sz="1200" dirty="0"/>
-              <a:t>时间</a:t>
-            </a:r>
-          </a:p>
-        </p:txBody>
-      </p:sp>
-      <p:sp>
-        <p:nvSpPr>
-          <p:cNvPr id="13" name="矩形 12"/>
-          <p:cNvSpPr/>
-          <p:nvPr/>
-        </p:nvSpPr>
-        <p:spPr>
-          <a:xfrm>
-            <a:off x="4403838" y="3172690"/>
-            <a:ext cx="822037" cy="350984"/>
-          </a:xfrm>
-          <a:prstGeom prst="rect">
-            <a:avLst/>
-          </a:prstGeom>
-        </p:spPr>
-        <p:style>
-          <a:lnRef idx="2">
-            <a:schemeClr val="accent1">
-              <a:shade val="50000"/>
-            </a:schemeClr>
-          </a:lnRef>
-          <a:fillRef idx="1">
-            <a:schemeClr val="accent1"/>
-          </a:fillRef>
-          <a:effectRef idx="0">
-            <a:schemeClr val="accent1"/>
-          </a:effectRef>
-          <a:fontRef idx="minor">
-            <a:schemeClr val="lt1"/>
-          </a:fontRef>
-        </p:style>
-        <p:txBody>
-          <a:bodyPr rtlCol="0" anchor="ctr"/>
-          <a:lstStyle/>
-          <a:p>
-            <a:pPr algn="ctr"/>
-            <a:r>
-              <a:rPr lang="zh-CN" altLang="en-US" sz="1200" dirty="0"/>
-              <a:t>原因</a:t>
-            </a:r>
-          </a:p>
-        </p:txBody>
-      </p:sp>
-      <p:sp>
-        <p:nvSpPr>
-          <p:cNvPr id="14" name="矩形 13"/>
-          <p:cNvSpPr/>
-          <p:nvPr/>
-        </p:nvSpPr>
-        <p:spPr>
-          <a:xfrm>
-            <a:off x="5510645" y="3200399"/>
-            <a:ext cx="822037" cy="323275"/>
-          </a:xfrm>
-          <a:prstGeom prst="rect">
-            <a:avLst/>
-          </a:prstGeom>
-        </p:spPr>
-        <p:style>
-          <a:lnRef idx="2">
-            <a:schemeClr val="accent1">
-              <a:shade val="50000"/>
-            </a:schemeClr>
-          </a:lnRef>
-          <a:fillRef idx="1">
-            <a:schemeClr val="accent1"/>
-          </a:fillRef>
-          <a:effectRef idx="0">
-            <a:schemeClr val="accent1"/>
-          </a:effectRef>
-          <a:fontRef idx="minor">
-            <a:schemeClr val="lt1"/>
-          </a:fontRef>
-        </p:style>
-        <p:txBody>
-          <a:bodyPr rtlCol="0" anchor="ctr"/>
-          <a:lstStyle/>
-          <a:p>
-            <a:pPr algn="ctr"/>
-            <a:r>
-              <a:rPr lang="zh-CN" altLang="en-US" sz="1200" dirty="0"/>
-              <a:t>金额</a:t>
-            </a:r>
-          </a:p>
-        </p:txBody>
-      </p:sp>
-      <p:sp>
-        <p:nvSpPr>
-          <p:cNvPr id="22" name="矩形 21"/>
-          <p:cNvSpPr/>
-          <p:nvPr/>
-        </p:nvSpPr>
-        <p:spPr>
-          <a:xfrm>
-            <a:off x="677331" y="4205488"/>
-            <a:ext cx="975975" cy="452582"/>
-          </a:xfrm>
-          <a:prstGeom prst="rect">
-            <a:avLst/>
-          </a:prstGeom>
-        </p:spPr>
-        <p:style>
-          <a:lnRef idx="2">
-            <a:schemeClr val="accent1">
-              <a:shade val="50000"/>
-            </a:schemeClr>
-          </a:lnRef>
-          <a:fillRef idx="1">
-            <a:schemeClr val="accent1"/>
-          </a:fillRef>
-          <a:effectRef idx="0">
-            <a:schemeClr val="accent1"/>
-          </a:effectRef>
-          <a:fontRef idx="minor">
-            <a:schemeClr val="lt1"/>
-          </a:fontRef>
-        </p:style>
-        <p:txBody>
-          <a:bodyPr rtlCol="0" anchor="ctr"/>
-          <a:lstStyle/>
-          <a:p>
-            <a:pPr algn="ctr"/>
-            <a:r>
-              <a:rPr lang="zh-CN" altLang="en-US" sz="1400" dirty="0">
-                <a:solidFill>
-                  <a:schemeClr val="bg1"/>
-                </a:solidFill>
-              </a:rPr>
-              <a:t>活动列表</a:t>
-            </a:r>
-          </a:p>
-        </p:txBody>
-      </p:sp>
-      <p:sp>
-        <p:nvSpPr>
-          <p:cNvPr id="19" name="矩形 18">
-            <a:extLst>
-              <a:ext uri="{FF2B5EF4-FFF2-40B4-BE49-F238E27FC236}">
-                <a16:creationId xmlns:a16="http://schemas.microsoft.com/office/drawing/2014/main" id="{4AB9B403-3081-4E21-AE8C-0DD053F2EFA7}"/>
-              </a:ext>
-            </a:extLst>
-          </p:cNvPr>
-          <p:cNvSpPr/>
-          <p:nvPr/>
-        </p:nvSpPr>
-        <p:spPr>
-          <a:xfrm>
-            <a:off x="677331" y="4899893"/>
-            <a:ext cx="975975" cy="452582"/>
-          </a:xfrm>
-          <a:prstGeom prst="rect">
-            <a:avLst/>
-          </a:prstGeom>
-        </p:spPr>
-        <p:style>
-          <a:lnRef idx="2">
-            <a:schemeClr val="accent1">
-              <a:shade val="50000"/>
-            </a:schemeClr>
-          </a:lnRef>
-          <a:fillRef idx="1">
-            <a:schemeClr val="accent1"/>
-          </a:fillRef>
-          <a:effectRef idx="0">
-            <a:schemeClr val="accent1"/>
-          </a:effectRef>
-          <a:fontRef idx="minor">
-            <a:schemeClr val="lt1"/>
-          </a:fontRef>
-        </p:style>
-        <p:txBody>
-          <a:bodyPr rtlCol="0" anchor="ctr"/>
-          <a:lstStyle/>
-          <a:p>
-            <a:pPr algn="ctr"/>
-            <a:r>
               <a:rPr lang="zh-CN" altLang="en-US" sz="1400" b="1" dirty="0">
                 <a:solidFill>
                   <a:srgbClr val="FF0000"/>
                 </a:solidFill>
               </a:rPr>
-              <a:t>公共经费</a:t>
-            </a:r>
-          </a:p>
-        </p:txBody>
-      </p:sp>
-      <p:sp>
-        <p:nvSpPr>
-          <p:cNvPr id="20" name="矩形 19">
+              <a:t>用户管理</a:t>
+            </a:r>
+          </a:p>
+        </p:txBody>
+      </p:sp>
+      <p:sp>
+        <p:nvSpPr>
+          <p:cNvPr id="11" name="矩形 10"/>
+          <p:cNvSpPr/>
+          <p:nvPr/>
+        </p:nvSpPr>
+        <p:spPr>
+          <a:xfrm>
+            <a:off x="1847142" y="2065250"/>
+            <a:ext cx="6451831" cy="4477791"/>
+          </a:xfrm>
+          <a:prstGeom prst="rect">
+            <a:avLst/>
+          </a:prstGeom>
+        </p:spPr>
+        <p:style>
+          <a:lnRef idx="2">
+            <a:schemeClr val="accent1">
+              <a:shade val="50000"/>
+            </a:schemeClr>
+          </a:lnRef>
+          <a:fillRef idx="1">
+            <a:schemeClr val="accent1"/>
+          </a:fillRef>
+          <a:effectRef idx="0">
+            <a:schemeClr val="accent1"/>
+          </a:effectRef>
+          <a:fontRef idx="minor">
+            <a:schemeClr val="lt1"/>
+          </a:fontRef>
+        </p:style>
+        <p:txBody>
+          <a:bodyPr rtlCol="0" anchor="ctr"/>
+          <a:lstStyle/>
+          <a:p>
+            <a:pPr algn="ctr"/>
+            <a:endParaRPr lang="zh-CN" altLang="en-US" dirty="0"/>
+          </a:p>
+        </p:txBody>
+      </p:sp>
+      <p:sp>
+        <p:nvSpPr>
+          <p:cNvPr id="13" name="矩形 12"/>
+          <p:cNvSpPr/>
+          <p:nvPr/>
+        </p:nvSpPr>
+        <p:spPr>
+          <a:xfrm>
+            <a:off x="2292692" y="2923306"/>
+            <a:ext cx="822037" cy="350984"/>
+          </a:xfrm>
+          <a:prstGeom prst="rect">
+            <a:avLst/>
+          </a:prstGeom>
+        </p:spPr>
+        <p:style>
+          <a:lnRef idx="2">
+            <a:schemeClr val="accent1">
+              <a:shade val="50000"/>
+            </a:schemeClr>
+          </a:lnRef>
+          <a:fillRef idx="1">
+            <a:schemeClr val="accent1"/>
+          </a:fillRef>
+          <a:effectRef idx="0">
+            <a:schemeClr val="accent1"/>
+          </a:effectRef>
+          <a:fontRef idx="minor">
+            <a:schemeClr val="lt1"/>
+          </a:fontRef>
+        </p:style>
+        <p:txBody>
+          <a:bodyPr rtlCol="0" anchor="ctr"/>
+          <a:lstStyle/>
+          <a:p>
+            <a:pPr algn="ctr"/>
+            <a:r>
+              <a:rPr lang="zh-CN" altLang="en-US" sz="1200" dirty="0"/>
+              <a:t>姓名</a:t>
+            </a:r>
+          </a:p>
+        </p:txBody>
+      </p:sp>
+      <p:sp>
+        <p:nvSpPr>
+          <p:cNvPr id="14" name="矩形 13"/>
+          <p:cNvSpPr/>
+          <p:nvPr/>
+        </p:nvSpPr>
+        <p:spPr>
+          <a:xfrm>
+            <a:off x="3399784" y="2919150"/>
+            <a:ext cx="799291" cy="350984"/>
+          </a:xfrm>
+          <a:prstGeom prst="rect">
+            <a:avLst/>
+          </a:prstGeom>
+        </p:spPr>
+        <p:style>
+          <a:lnRef idx="2">
+            <a:schemeClr val="accent1">
+              <a:shade val="50000"/>
+            </a:schemeClr>
+          </a:lnRef>
+          <a:fillRef idx="1">
+            <a:schemeClr val="accent1"/>
+          </a:fillRef>
+          <a:effectRef idx="0">
+            <a:schemeClr val="accent1"/>
+          </a:effectRef>
+          <a:fontRef idx="minor">
+            <a:schemeClr val="lt1"/>
+          </a:fontRef>
+        </p:style>
+        <p:txBody>
+          <a:bodyPr rtlCol="0" anchor="ctr"/>
+          <a:lstStyle/>
+          <a:p>
+            <a:pPr algn="ctr"/>
+            <a:r>
+              <a:rPr lang="zh-CN" altLang="en-US" sz="1200" dirty="0"/>
+              <a:t>活动时间</a:t>
+            </a:r>
+          </a:p>
+        </p:txBody>
+      </p:sp>
+      <p:sp>
+        <p:nvSpPr>
+          <p:cNvPr id="16" name="矩形 15"/>
+          <p:cNvSpPr/>
+          <p:nvPr/>
+        </p:nvSpPr>
+        <p:spPr>
+          <a:xfrm>
+            <a:off x="2142259" y="2475346"/>
+            <a:ext cx="977899" cy="295560"/>
+          </a:xfrm>
+          <a:prstGeom prst="rect">
+            <a:avLst/>
+          </a:prstGeom>
+        </p:spPr>
+        <p:style>
+          <a:lnRef idx="2">
+            <a:schemeClr val="accent1">
+              <a:shade val="50000"/>
+            </a:schemeClr>
+          </a:lnRef>
+          <a:fillRef idx="1">
+            <a:schemeClr val="accent1"/>
+          </a:fillRef>
+          <a:effectRef idx="0">
+            <a:schemeClr val="accent1"/>
+          </a:effectRef>
+          <a:fontRef idx="minor">
+            <a:schemeClr val="lt1"/>
+          </a:fontRef>
+        </p:style>
+        <p:txBody>
+          <a:bodyPr rtlCol="0" anchor="ctr"/>
+          <a:lstStyle/>
+          <a:p>
+            <a:pPr algn="ctr"/>
+            <a:r>
+              <a:rPr lang="zh-CN" altLang="en-US" sz="1200" dirty="0"/>
+              <a:t>消费记录</a:t>
+            </a:r>
+          </a:p>
+        </p:txBody>
+      </p:sp>
+      <p:sp>
+        <p:nvSpPr>
+          <p:cNvPr id="17" name="矩形 16"/>
+          <p:cNvSpPr/>
+          <p:nvPr/>
+        </p:nvSpPr>
+        <p:spPr>
+          <a:xfrm>
+            <a:off x="2142259" y="3664070"/>
+            <a:ext cx="977899" cy="295560"/>
+          </a:xfrm>
+          <a:prstGeom prst="rect">
+            <a:avLst/>
+          </a:prstGeom>
+        </p:spPr>
+        <p:style>
+          <a:lnRef idx="2">
+            <a:schemeClr val="accent1">
+              <a:shade val="50000"/>
+            </a:schemeClr>
+          </a:lnRef>
+          <a:fillRef idx="1">
+            <a:schemeClr val="accent1"/>
+          </a:fillRef>
+          <a:effectRef idx="0">
+            <a:schemeClr val="accent1"/>
+          </a:effectRef>
+          <a:fontRef idx="minor">
+            <a:schemeClr val="lt1"/>
+          </a:fontRef>
+        </p:style>
+        <p:txBody>
+          <a:bodyPr rtlCol="0" anchor="ctr"/>
+          <a:lstStyle/>
+          <a:p>
+            <a:pPr algn="ctr"/>
+            <a:r>
+              <a:rPr lang="zh-CN" altLang="en-US" sz="1200" dirty="0"/>
+              <a:t>充值记录</a:t>
+            </a:r>
+          </a:p>
+        </p:txBody>
+      </p:sp>
+      <p:sp>
+        <p:nvSpPr>
+          <p:cNvPr id="18" name="矩形 17"/>
+          <p:cNvSpPr/>
+          <p:nvPr/>
+        </p:nvSpPr>
+        <p:spPr>
+          <a:xfrm>
+            <a:off x="4943765" y="4271821"/>
+            <a:ext cx="977899" cy="295560"/>
+          </a:xfrm>
+          <a:prstGeom prst="rect">
+            <a:avLst/>
+          </a:prstGeom>
+        </p:spPr>
+        <p:style>
+          <a:lnRef idx="2">
+            <a:schemeClr val="accent1">
+              <a:shade val="50000"/>
+            </a:schemeClr>
+          </a:lnRef>
+          <a:fillRef idx="1">
+            <a:schemeClr val="accent1"/>
+          </a:fillRef>
+          <a:effectRef idx="0">
+            <a:schemeClr val="accent1"/>
+          </a:effectRef>
+          <a:fontRef idx="minor">
+            <a:schemeClr val="lt1"/>
+          </a:fontRef>
+        </p:style>
+        <p:txBody>
+          <a:bodyPr rtlCol="0" anchor="ctr"/>
+          <a:lstStyle/>
+          <a:p>
+            <a:pPr algn="ctr"/>
+            <a:r>
+              <a:rPr lang="zh-CN" altLang="en-US" sz="1200" dirty="0"/>
+              <a:t>说明</a:t>
+            </a:r>
+            <a:endParaRPr lang="en-US" altLang="zh-CN" sz="1200" dirty="0"/>
+          </a:p>
+        </p:txBody>
+      </p:sp>
+      <p:sp>
+        <p:nvSpPr>
+          <p:cNvPr id="19" name="矩形 18"/>
+          <p:cNvSpPr/>
+          <p:nvPr/>
+        </p:nvSpPr>
+        <p:spPr>
+          <a:xfrm>
+            <a:off x="2292692" y="4259815"/>
+            <a:ext cx="977899" cy="295560"/>
+          </a:xfrm>
+          <a:prstGeom prst="rect">
+            <a:avLst/>
+          </a:prstGeom>
+        </p:spPr>
+        <p:style>
+          <a:lnRef idx="2">
+            <a:schemeClr val="accent1">
+              <a:shade val="50000"/>
+            </a:schemeClr>
+          </a:lnRef>
+          <a:fillRef idx="1">
+            <a:schemeClr val="accent1"/>
+          </a:fillRef>
+          <a:effectRef idx="0">
+            <a:schemeClr val="accent1"/>
+          </a:effectRef>
+          <a:fontRef idx="minor">
+            <a:schemeClr val="lt1"/>
+          </a:fontRef>
+        </p:style>
+        <p:txBody>
+          <a:bodyPr rtlCol="0" anchor="ctr"/>
+          <a:lstStyle/>
+          <a:p>
+            <a:pPr algn="ctr"/>
+            <a:r>
+              <a:rPr lang="zh-CN" altLang="en-US" sz="1200" dirty="0"/>
+              <a:t>充值时间</a:t>
+            </a:r>
+            <a:endParaRPr lang="en-US" altLang="zh-CN" sz="1200" dirty="0"/>
+          </a:p>
+        </p:txBody>
+      </p:sp>
+      <p:sp>
+        <p:nvSpPr>
+          <p:cNvPr id="20" name="矩形 19"/>
+          <p:cNvSpPr/>
+          <p:nvPr/>
+        </p:nvSpPr>
+        <p:spPr>
+          <a:xfrm>
+            <a:off x="3567179" y="4264432"/>
+            <a:ext cx="977899" cy="295560"/>
+          </a:xfrm>
+          <a:prstGeom prst="rect">
+            <a:avLst/>
+          </a:prstGeom>
+        </p:spPr>
+        <p:style>
+          <a:lnRef idx="2">
+            <a:schemeClr val="accent1">
+              <a:shade val="50000"/>
+            </a:schemeClr>
+          </a:lnRef>
+          <a:fillRef idx="1">
+            <a:schemeClr val="accent1"/>
+          </a:fillRef>
+          <a:effectRef idx="0">
+            <a:schemeClr val="accent1"/>
+          </a:effectRef>
+          <a:fontRef idx="minor">
+            <a:schemeClr val="lt1"/>
+          </a:fontRef>
+        </p:style>
+        <p:txBody>
+          <a:bodyPr rtlCol="0" anchor="ctr"/>
+          <a:lstStyle/>
+          <a:p>
+            <a:pPr algn="ctr"/>
+            <a:r>
+              <a:rPr lang="zh-CN" altLang="en-US" sz="1200" dirty="0"/>
+              <a:t>充值金额</a:t>
+            </a:r>
+            <a:endParaRPr lang="en-US" altLang="zh-CN" sz="1200" dirty="0"/>
+          </a:p>
+        </p:txBody>
+      </p:sp>
+      <p:sp>
+        <p:nvSpPr>
+          <p:cNvPr id="22" name="矩形 21"/>
+          <p:cNvSpPr/>
+          <p:nvPr/>
+        </p:nvSpPr>
+        <p:spPr>
+          <a:xfrm>
+            <a:off x="677333" y="4264889"/>
+            <a:ext cx="975975" cy="452582"/>
+          </a:xfrm>
+          <a:prstGeom prst="rect">
+            <a:avLst/>
+          </a:prstGeom>
+        </p:spPr>
+        <p:style>
+          <a:lnRef idx="2">
+            <a:schemeClr val="accent1">
+              <a:shade val="50000"/>
+            </a:schemeClr>
+          </a:lnRef>
+          <a:fillRef idx="1">
+            <a:schemeClr val="accent1"/>
+          </a:fillRef>
+          <a:effectRef idx="0">
+            <a:schemeClr val="accent1"/>
+          </a:effectRef>
+          <a:fontRef idx="minor">
+            <a:schemeClr val="lt1"/>
+          </a:fontRef>
+        </p:style>
+        <p:txBody>
+          <a:bodyPr rtlCol="0" anchor="ctr"/>
+          <a:lstStyle/>
+          <a:p>
+            <a:pPr algn="ctr"/>
+            <a:r>
+              <a:rPr lang="zh-CN" altLang="en-US" sz="1400" dirty="0"/>
+              <a:t>费用报表</a:t>
+            </a:r>
+          </a:p>
+        </p:txBody>
+      </p:sp>
+      <p:sp>
+        <p:nvSpPr>
+          <p:cNvPr id="23" name="矩形 22">
             <a:extLst>
               <a:ext uri="{FF2B5EF4-FFF2-40B4-BE49-F238E27FC236}">
-                <a16:creationId xmlns:a16="http://schemas.microsoft.com/office/drawing/2014/main" id="{318499BE-73BF-41D0-B321-2C612B35F44A}"/>
+                <a16:creationId xmlns:a16="http://schemas.microsoft.com/office/drawing/2014/main" id="{705CDDF3-62D4-411E-9AC4-7DA47F70C8A7}"/>
               </a:ext>
             </a:extLst>
           </p:cNvPr>
@@ -10031,8 +11772,8 @@
         </p:nvSpPr>
         <p:spPr>
           <a:xfrm>
-            <a:off x="1996151" y="3172690"/>
-            <a:ext cx="977899" cy="295560"/>
+            <a:off x="4411106" y="2919150"/>
+            <a:ext cx="927911" cy="350984"/>
           </a:xfrm>
           <a:prstGeom prst="rect">
             <a:avLst/>
@@ -10061,25 +11802,17 @@
             <a:pPr algn="ctr"/>
             <a:r>
               <a:rPr lang="zh-CN" altLang="en-US" sz="1200" dirty="0"/>
-              <a:t>类型（支出</a:t>
-            </a:r>
-            <a:r>
-              <a:rPr lang="en-US" altLang="zh-CN" sz="1200" dirty="0"/>
-              <a:t>/</a:t>
-            </a:r>
-            <a:r>
-              <a:rPr lang="zh-CN" altLang="en-US" sz="1200" dirty="0"/>
-              <a:t>收入）</a:t>
-            </a:r>
-          </a:p>
-        </p:txBody>
-      </p:sp>
-      <p:sp>
-        <p:nvSpPr>
-          <p:cNvPr id="23" name="矩形 22">
+              <a:t>活动地点</a:t>
+            </a:r>
+          </a:p>
+        </p:txBody>
+      </p:sp>
+      <p:sp>
+        <p:nvSpPr>
+          <p:cNvPr id="24" name="矩形 23">
             <a:extLst>
               <a:ext uri="{FF2B5EF4-FFF2-40B4-BE49-F238E27FC236}">
-                <a16:creationId xmlns:a16="http://schemas.microsoft.com/office/drawing/2014/main" id="{90F2CCC3-401E-4EEB-B3B0-E1C2D2B3E3A7}"/>
+                <a16:creationId xmlns:a16="http://schemas.microsoft.com/office/drawing/2014/main" id="{86734036-683E-417B-BC1F-DBEAE4E05495}"/>
               </a:ext>
             </a:extLst>
           </p:cNvPr>
@@ -10088,8 +11821,8 @@
         </p:nvSpPr>
         <p:spPr>
           <a:xfrm>
-            <a:off x="3172342" y="2467883"/>
-            <a:ext cx="822037" cy="323275"/>
+            <a:off x="5529111" y="2919183"/>
+            <a:ext cx="864993" cy="323272"/>
           </a:xfrm>
           <a:prstGeom prst="rect">
             <a:avLst/>
@@ -10118,7 +11851,105 @@
             <a:pPr algn="ctr"/>
             <a:r>
               <a:rPr lang="zh-CN" altLang="en-US" sz="1200" dirty="0"/>
-              <a:t>剩余额度</a:t>
+              <a:t>携带人数</a:t>
+            </a:r>
+          </a:p>
+        </p:txBody>
+      </p:sp>
+      <p:sp>
+        <p:nvSpPr>
+          <p:cNvPr id="25" name="矩形 24">
+            <a:extLst>
+              <a:ext uri="{FF2B5EF4-FFF2-40B4-BE49-F238E27FC236}">
+                <a16:creationId xmlns:a16="http://schemas.microsoft.com/office/drawing/2014/main" id="{E68B2D0F-5740-4E5E-8BCF-B2D1E2CE92A5}"/>
+              </a:ext>
+            </a:extLst>
+          </p:cNvPr>
+          <p:cNvSpPr/>
+          <p:nvPr/>
+        </p:nvSpPr>
+        <p:spPr>
+          <a:xfrm>
+            <a:off x="6616461" y="2919150"/>
+            <a:ext cx="864993" cy="323272"/>
+          </a:xfrm>
+          <a:prstGeom prst="rect">
+            <a:avLst/>
+          </a:prstGeom>
+        </p:spPr>
+        <p:style>
+          <a:lnRef idx="2">
+            <a:schemeClr val="accent1">
+              <a:shade val="50000"/>
+            </a:schemeClr>
+          </a:lnRef>
+          <a:fillRef idx="1">
+            <a:schemeClr val="accent1"/>
+          </a:fillRef>
+          <a:effectRef idx="0">
+            <a:schemeClr val="accent1"/>
+          </a:effectRef>
+          <a:fontRef idx="minor">
+            <a:schemeClr val="lt1"/>
+          </a:fontRef>
+        </p:style>
+        <p:txBody>
+          <a:bodyPr rtlCol="0" anchor="ctr"/>
+          <a:lstStyle/>
+          <a:p>
+            <a:pPr algn="ctr"/>
+            <a:r>
+              <a:rPr lang="zh-CN" altLang="en-US" sz="1200" dirty="0"/>
+              <a:t>总人数</a:t>
+            </a:r>
+          </a:p>
+        </p:txBody>
+      </p:sp>
+      <p:sp>
+        <p:nvSpPr>
+          <p:cNvPr id="26" name="矩形 25">
+            <a:extLst>
+              <a:ext uri="{FF2B5EF4-FFF2-40B4-BE49-F238E27FC236}">
+                <a16:creationId xmlns:a16="http://schemas.microsoft.com/office/drawing/2014/main" id="{B954CA91-1B66-45B7-81B7-CDC78AC04143}"/>
+              </a:ext>
+            </a:extLst>
+          </p:cNvPr>
+          <p:cNvSpPr/>
+          <p:nvPr/>
+        </p:nvSpPr>
+        <p:spPr>
+          <a:xfrm>
+            <a:off x="7675289" y="2919150"/>
+            <a:ext cx="864993" cy="323272"/>
+          </a:xfrm>
+          <a:prstGeom prst="rect">
+            <a:avLst/>
+          </a:prstGeom>
+        </p:spPr>
+        <p:style>
+          <a:lnRef idx="2">
+            <a:schemeClr val="accent1">
+              <a:shade val="50000"/>
+            </a:schemeClr>
+          </a:lnRef>
+          <a:fillRef idx="1">
+            <a:schemeClr val="accent1"/>
+          </a:fillRef>
+          <a:effectRef idx="0">
+            <a:schemeClr val="accent1"/>
+          </a:effectRef>
+          <a:fontRef idx="minor">
+            <a:schemeClr val="lt1"/>
+          </a:fontRef>
+        </p:style>
+        <p:txBody>
+          <a:bodyPr rtlCol="0" anchor="ctr"/>
+          <a:lstStyle/>
+          <a:p>
+            <a:pPr algn="ctr"/>
+            <a:r>
+              <a:rPr lang="zh-CN" altLang="en-US" sz="1200" dirty="0"/>
+              <a:t>活动分摊金额</a:t>
             </a:r>
           </a:p>
         </p:txBody>
@@ -10126,7 +11957,7 @@
     </p:spTree>
     <p:extLst>
       <p:ext uri="{BB962C8B-B14F-4D97-AF65-F5344CB8AC3E}">
-        <p14:creationId xmlns:p14="http://schemas.microsoft.com/office/powerpoint/2010/main" val="482918105"/>
+        <p14:creationId xmlns:p14="http://schemas.microsoft.com/office/powerpoint/2010/main" val="4151870849"/>
       </p:ext>
     </p:extLst>
   </p:cSld>
@@ -10502,7 +12333,7 @@
         </p:nvSpPr>
         <p:spPr>
           <a:xfrm>
-            <a:off x="1903846" y="2253672"/>
+            <a:off x="1902691" y="2253672"/>
             <a:ext cx="5504180" cy="3731491"/>
           </a:xfrm>
           <a:prstGeom prst="rect">
@@ -10542,8 +12373,8 @@
         </p:nvSpPr>
         <p:spPr>
           <a:xfrm>
-            <a:off x="2244435" y="2798618"/>
-            <a:ext cx="738909" cy="295557"/>
+            <a:off x="2244436" y="2798618"/>
+            <a:ext cx="977899" cy="295560"/>
           </a:xfrm>
           <a:prstGeom prst="rect">
             <a:avLst/>
@@ -10572,13 +12403,8 @@
             <a:pPr algn="ctr"/>
             <a:r>
               <a:rPr lang="zh-CN" altLang="en-US" sz="1200" dirty="0"/>
-              <a:t>用户</a:t>
-            </a:r>
-            <a:r>
-              <a:rPr lang="en-US" altLang="zh-CN" sz="1200" dirty="0"/>
-              <a:t>	</a:t>
-            </a:r>
-            <a:endParaRPr lang="zh-CN" altLang="en-US" sz="1200" dirty="0"/>
+              <a:t>活动时间</a:t>
+            </a:r>
           </a:p>
         </p:txBody>
       </p:sp>
@@ -10590,8 +12416,8 @@
         </p:nvSpPr>
         <p:spPr>
           <a:xfrm>
-            <a:off x="3232726" y="2770903"/>
-            <a:ext cx="840510" cy="360158"/>
+            <a:off x="3471717" y="2770906"/>
+            <a:ext cx="822037" cy="350984"/>
           </a:xfrm>
           <a:prstGeom prst="rect">
             <a:avLst/>
@@ -10620,7 +12446,50 @@
             <a:pPr algn="ctr"/>
             <a:r>
               <a:rPr lang="zh-CN" altLang="en-US" sz="1200" dirty="0"/>
-              <a:t>充值总额</a:t>
+              <a:t>活动地点</a:t>
+            </a:r>
+          </a:p>
+        </p:txBody>
+      </p:sp>
+      <p:sp>
+        <p:nvSpPr>
+          <p:cNvPr id="14" name="矩形 13"/>
+          <p:cNvSpPr/>
+          <p:nvPr/>
+        </p:nvSpPr>
+        <p:spPr>
+          <a:xfrm>
+            <a:off x="4633344" y="2770903"/>
+            <a:ext cx="822037" cy="323275"/>
+          </a:xfrm>
+          <a:prstGeom prst="rect">
+            <a:avLst/>
+          </a:prstGeom>
+        </p:spPr>
+        <p:style>
+          <a:lnRef idx="2">
+            <a:schemeClr val="accent1">
+              <a:shade val="50000"/>
+            </a:schemeClr>
+          </a:lnRef>
+          <a:fillRef idx="1">
+            <a:schemeClr val="accent1"/>
+          </a:fillRef>
+          <a:effectRef idx="0">
+            <a:schemeClr val="accent1"/>
+          </a:effectRef>
+          <a:fontRef idx="minor">
+            <a:schemeClr val="lt1"/>
+          </a:fontRef>
+        </p:style>
+        <p:txBody>
+          <a:bodyPr rtlCol="0" anchor="ctr"/>
+          <a:lstStyle/>
+          <a:p>
+            <a:pPr algn="ctr"/>
+            <a:r>
+              <a:rPr lang="zh-CN" altLang="en-US" sz="1200" dirty="0"/>
+              <a:t>参与人数</a:t>
             </a:r>
           </a:p>
         </p:txBody>
@@ -10633,7 +12502,7 @@
         </p:nvSpPr>
         <p:spPr>
           <a:xfrm>
-            <a:off x="5461692" y="2770903"/>
+            <a:off x="5818717" y="2757117"/>
             <a:ext cx="799292" cy="323272"/>
           </a:xfrm>
           <a:prstGeom prst="rect">
@@ -10663,7 +12532,7 @@
             <a:pPr algn="ctr"/>
             <a:r>
               <a:rPr lang="zh-CN" altLang="en-US" sz="1200" dirty="0"/>
-              <a:t>综合费用</a:t>
+              <a:t>参与人员</a:t>
             </a:r>
           </a:p>
         </p:txBody>
@@ -10676,7 +12545,7 @@
         </p:nvSpPr>
         <p:spPr>
           <a:xfrm>
-            <a:off x="4652584" y="3292764"/>
+            <a:off x="2244436" y="3292764"/>
             <a:ext cx="977899" cy="295560"/>
           </a:xfrm>
           <a:prstGeom prst="rect">
@@ -10706,7 +12575,7 @@
             <a:pPr algn="ctr"/>
             <a:r>
               <a:rPr lang="zh-CN" altLang="en-US" sz="1200" dirty="0"/>
-              <a:t>消费记录</a:t>
+              <a:t>消费总额</a:t>
             </a:r>
           </a:p>
         </p:txBody>
@@ -10749,140 +12618,8 @@
             <a:pPr algn="ctr"/>
             <a:r>
               <a:rPr lang="zh-CN" altLang="en-US" sz="1200" dirty="0"/>
-              <a:t>充值记录</a:t>
-            </a:r>
-          </a:p>
-        </p:txBody>
-      </p:sp>
-      <p:sp>
-        <p:nvSpPr>
-          <p:cNvPr id="18" name="矩形 17"/>
-          <p:cNvSpPr/>
-          <p:nvPr/>
-        </p:nvSpPr>
-        <p:spPr>
-          <a:xfrm>
-            <a:off x="3442849" y="4221075"/>
-            <a:ext cx="977899" cy="295560"/>
-          </a:xfrm>
-          <a:prstGeom prst="rect">
-            <a:avLst/>
-          </a:prstGeom>
-        </p:spPr>
-        <p:style>
-          <a:lnRef idx="2">
-            <a:schemeClr val="accent1">
-              <a:shade val="50000"/>
-            </a:schemeClr>
-          </a:lnRef>
-          <a:fillRef idx="1">
-            <a:schemeClr val="accent1"/>
-          </a:fillRef>
-          <a:effectRef idx="0">
-            <a:schemeClr val="accent1"/>
-          </a:effectRef>
-          <a:fontRef idx="minor">
-            <a:schemeClr val="lt1"/>
-          </a:fontRef>
-        </p:style>
-        <p:txBody>
-          <a:bodyPr rtlCol="0" anchor="ctr"/>
-          <a:lstStyle/>
-          <a:p>
-            <a:pPr algn="ctr"/>
-            <a:r>
-              <a:rPr lang="zh-CN" altLang="en-US" sz="1200" dirty="0"/>
-              <a:t>活动场地</a:t>
-            </a:r>
-            <a:endParaRPr lang="en-US" altLang="zh-CN" sz="1200" dirty="0"/>
-          </a:p>
-        </p:txBody>
-      </p:sp>
-      <p:sp>
-        <p:nvSpPr>
-          <p:cNvPr id="19" name="矩形 18"/>
-          <p:cNvSpPr/>
-          <p:nvPr/>
-        </p:nvSpPr>
-        <p:spPr>
-          <a:xfrm>
-            <a:off x="2244435" y="4230253"/>
-            <a:ext cx="977899" cy="295560"/>
-          </a:xfrm>
-          <a:prstGeom prst="rect">
-            <a:avLst/>
-          </a:prstGeom>
-        </p:spPr>
-        <p:style>
-          <a:lnRef idx="2">
-            <a:schemeClr val="accent1">
-              <a:shade val="50000"/>
-            </a:schemeClr>
-          </a:lnRef>
-          <a:fillRef idx="1">
-            <a:schemeClr val="accent1"/>
-          </a:fillRef>
-          <a:effectRef idx="0">
-            <a:schemeClr val="accent1"/>
-          </a:effectRef>
-          <a:fontRef idx="minor">
-            <a:schemeClr val="lt1"/>
-          </a:fontRef>
-        </p:style>
-        <p:txBody>
-          <a:bodyPr rtlCol="0" anchor="ctr"/>
-          <a:lstStyle/>
-          <a:p>
-            <a:pPr algn="ctr"/>
-            <a:r>
-              <a:rPr lang="zh-CN" altLang="en-US" sz="1200" dirty="0"/>
-              <a:t>活动时间</a:t>
-            </a:r>
-            <a:endParaRPr lang="en-US" altLang="zh-CN" sz="1200" dirty="0"/>
-          </a:p>
-        </p:txBody>
-      </p:sp>
-      <p:sp>
-        <p:nvSpPr>
-          <p:cNvPr id="20" name="矩形 19"/>
-          <p:cNvSpPr/>
-          <p:nvPr/>
-        </p:nvSpPr>
-        <p:spPr>
-          <a:xfrm>
-            <a:off x="4552370" y="4221075"/>
-            <a:ext cx="977899" cy="295560"/>
-          </a:xfrm>
-          <a:prstGeom prst="rect">
-            <a:avLst/>
-          </a:prstGeom>
-        </p:spPr>
-        <p:style>
-          <a:lnRef idx="2">
-            <a:schemeClr val="accent1">
-              <a:shade val="50000"/>
-            </a:schemeClr>
-          </a:lnRef>
-          <a:fillRef idx="1">
-            <a:schemeClr val="accent1"/>
-          </a:fillRef>
-          <a:effectRef idx="0">
-            <a:schemeClr val="accent1"/>
-          </a:effectRef>
-          <a:fontRef idx="minor">
-            <a:schemeClr val="lt1"/>
-          </a:fontRef>
-        </p:style>
-        <p:txBody>
-          <a:bodyPr rtlCol="0" anchor="ctr"/>
-          <a:lstStyle/>
-          <a:p>
-            <a:pPr algn="ctr"/>
-            <a:r>
-              <a:rPr lang="zh-CN" altLang="en-US" sz="1200" dirty="0"/>
-              <a:t>总人数</a:t>
-            </a:r>
-            <a:endParaRPr lang="en-US" altLang="zh-CN" sz="1200" dirty="0"/>
+              <a:t>人均费用</a:t>
+            </a:r>
           </a:p>
         </p:txBody>
       </p:sp>
@@ -10894,7 +12631,7 @@
         </p:nvSpPr>
         <p:spPr>
           <a:xfrm>
-            <a:off x="5646412" y="3242024"/>
+            <a:off x="3222334" y="4193367"/>
             <a:ext cx="2723823" cy="369332"/>
           </a:xfrm>
           <a:prstGeom prst="rect">
@@ -10910,7 +12647,7 @@
           <a:p>
             <a:r>
               <a:rPr lang="zh-CN" altLang="en-US" dirty="0"/>
-              <a:t>按钮，根据时间显示详细</a:t>
+              <a:t>只区分普通用户和管理员</a:t>
             </a:r>
           </a:p>
         </p:txBody>
@@ -10923,7 +12660,7 @@
         </p:nvSpPr>
         <p:spPr>
           <a:xfrm>
-            <a:off x="677333" y="4264889"/>
+            <a:off x="677331" y="4205488"/>
             <a:ext cx="975975" cy="452582"/>
           </a:xfrm>
           <a:prstGeom prst="rect">
@@ -10957,102 +12694,15 @@
                   <a:srgbClr val="FF0000"/>
                 </a:solidFill>
               </a:rPr>
-              <a:t>费用报表</a:t>
-            </a:r>
-          </a:p>
-        </p:txBody>
-      </p:sp>
-      <p:sp>
-        <p:nvSpPr>
-          <p:cNvPr id="23" name="矩形 22"/>
-          <p:cNvSpPr/>
-          <p:nvPr/>
-        </p:nvSpPr>
-        <p:spPr>
-          <a:xfrm>
-            <a:off x="4274588" y="2766317"/>
-            <a:ext cx="840510" cy="360158"/>
-          </a:xfrm>
-          <a:prstGeom prst="rect">
-            <a:avLst/>
-          </a:prstGeom>
-        </p:spPr>
-        <p:style>
-          <a:lnRef idx="2">
-            <a:schemeClr val="accent1">
-              <a:shade val="50000"/>
-            </a:schemeClr>
-          </a:lnRef>
-          <a:fillRef idx="1">
-            <a:schemeClr val="accent1"/>
-          </a:fillRef>
-          <a:effectRef idx="0">
-            <a:schemeClr val="accent1"/>
-          </a:effectRef>
-          <a:fontRef idx="minor">
-            <a:schemeClr val="lt1"/>
-          </a:fontRef>
-        </p:style>
-        <p:txBody>
-          <a:bodyPr rtlCol="0" anchor="ctr"/>
-          <a:lstStyle/>
-          <a:p>
-            <a:pPr algn="ctr"/>
-            <a:r>
-              <a:rPr lang="zh-CN" altLang="en-US" sz="1200" dirty="0"/>
-              <a:t>消费总额</a:t>
-            </a:r>
-          </a:p>
-        </p:txBody>
-      </p:sp>
-      <p:sp>
-        <p:nvSpPr>
-          <p:cNvPr id="24" name="矩形 23"/>
-          <p:cNvSpPr/>
-          <p:nvPr/>
-        </p:nvSpPr>
-        <p:spPr>
-          <a:xfrm>
-            <a:off x="5848980" y="4221075"/>
-            <a:ext cx="977899" cy="295560"/>
-          </a:xfrm>
-          <a:prstGeom prst="rect">
-            <a:avLst/>
-          </a:prstGeom>
-        </p:spPr>
-        <p:style>
-          <a:lnRef idx="2">
-            <a:schemeClr val="accent1">
-              <a:shade val="50000"/>
-            </a:schemeClr>
-          </a:lnRef>
-          <a:fillRef idx="1">
-            <a:schemeClr val="accent1"/>
-          </a:fillRef>
-          <a:effectRef idx="0">
-            <a:schemeClr val="accent1"/>
-          </a:effectRef>
-          <a:fontRef idx="minor">
-            <a:schemeClr val="lt1"/>
-          </a:fontRef>
-        </p:style>
-        <p:txBody>
-          <a:bodyPr rtlCol="0" anchor="ctr"/>
-          <a:lstStyle/>
-          <a:p>
-            <a:pPr algn="ctr"/>
-            <a:r>
-              <a:rPr lang="zh-CN" altLang="en-US" sz="1200" dirty="0"/>
-              <a:t>平均费用</a:t>
-            </a:r>
-            <a:endParaRPr lang="en-US" altLang="zh-CN" sz="1200" dirty="0"/>
+              <a:t>活动列表</a:t>
+            </a:r>
           </a:p>
         </p:txBody>
       </p:sp>
     </p:spTree>
     <p:extLst>
       <p:ext uri="{BB962C8B-B14F-4D97-AF65-F5344CB8AC3E}">
-        <p14:creationId xmlns:p14="http://schemas.microsoft.com/office/powerpoint/2010/main" val="3148751744"/>
+        <p14:creationId xmlns:p14="http://schemas.microsoft.com/office/powerpoint/2010/main" val="3176228848"/>
       </p:ext>
     </p:extLst>
   </p:cSld>
